--- a/_book/slides/logistic/logistic_regression.pptx
+++ b/_book/slides/logistic/logistic_regression.pptx
@@ -10097,7 +10097,7 @@
                             </p:stCondLst>
                             <p:childTnLst>
                               <p:par>
-                                <p:cTn id="5" presetID="1" presetClass="entr" presetSubtype="0" fill="hold" grpId="0" nodeType="clickEffect">
+                                <p:cTn id="5" presetID="2" presetClass="entr" presetSubtype="4" fill="hold" grpId="0" nodeType="clickEffect">
                                   <p:stCondLst>
                                     <p:cond delay="0"/>
                                   </p:stCondLst>
@@ -10105,6 +10105,79 @@
                                     <p:set>
                                       <p:cBhvr>
                                         <p:cTn id="6" dur="1" fill="hold">
+                                          <p:stCondLst>
+                                            <p:cond delay="0"/>
+                                          </p:stCondLst>
+                                        </p:cTn>
+                                        <p:tgtEl>
+                                          <p:spTgt spid="3"/>
+                                        </p:tgtEl>
+                                        <p:attrNameLst>
+                                          <p:attrName>style.visibility</p:attrName>
+                                        </p:attrNameLst>
+                                      </p:cBhvr>
+                                      <p:to>
+                                        <p:strVal val="visible"/>
+                                      </p:to>
+                                    </p:set>
+                                    <p:anim calcmode="lin" valueType="num">
+                                      <p:cBhvr additive="base">
+                                        <p:cTn id="7" dur="500" fill="hold"/>
+                                        <p:tgtEl>
+                                          <p:spTgt spid="3"/>
+                                        </p:tgtEl>
+                                        <p:attrNameLst>
+                                          <p:attrName>ppt_x</p:attrName>
+                                        </p:attrNameLst>
+                                      </p:cBhvr>
+                                      <p:tavLst>
+                                        <p:tav tm="0">
+                                          <p:val>
+                                            <p:strVal val="#ppt_x"/>
+                                          </p:val>
+                                        </p:tav>
+                                        <p:tav tm="100000">
+                                          <p:val>
+                                            <p:strVal val="#ppt_x"/>
+                                          </p:val>
+                                        </p:tav>
+                                      </p:tavLst>
+                                    </p:anim>
+                                    <p:anim calcmode="lin" valueType="num">
+                                      <p:cBhvr additive="base">
+                                        <p:cTn id="8" dur="500" fill="hold"/>
+                                        <p:tgtEl>
+                                          <p:spTgt spid="3"/>
+                                        </p:tgtEl>
+                                        <p:attrNameLst>
+                                          <p:attrName>ppt_y</p:attrName>
+                                        </p:attrNameLst>
+                                      </p:cBhvr>
+                                      <p:tavLst>
+                                        <p:tav tm="0">
+                                          <p:val>
+                                            <p:strVal val="1+#ppt_h/2"/>
+                                          </p:val>
+                                        </p:tav>
+                                        <p:tav tm="100000">
+                                          <p:val>
+                                            <p:strVal val="#ppt_y"/>
+                                          </p:val>
+                                        </p:tav>
+                                      </p:tavLst>
+                                    </p:anim>
+                                  </p:childTnLst>
+                                </p:cTn>
+                              </p:par>
+                              <p:par>
+                                <p:cTn id="9" presetID="2" presetClass="entr" presetSubtype="4" fill="hold" grpId="0" nodeType="withEffect">
+                                  <p:stCondLst>
+                                    <p:cond delay="0"/>
+                                  </p:stCondLst>
+                                  <p:childTnLst>
+                                    <p:set>
+                                      <p:cBhvr>
+                                        <p:cTn id="10" dur="1" fill="hold">
                                           <p:stCondLst>
                                             <p:cond delay="0"/>
                                           </p:stCondLst>
@@ -10120,6 +10193,198 @@
                                         <p:strVal val="visible"/>
                                       </p:to>
                                     </p:set>
+                                    <p:anim calcmode="lin" valueType="num">
+                                      <p:cBhvr additive="base">
+                                        <p:cTn id="11" dur="500" fill="hold"/>
+                                        <p:tgtEl>
+                                          <p:spTgt spid="10"/>
+                                        </p:tgtEl>
+                                        <p:attrNameLst>
+                                          <p:attrName>ppt_x</p:attrName>
+                                        </p:attrNameLst>
+                                      </p:cBhvr>
+                                      <p:tavLst>
+                                        <p:tav tm="0">
+                                          <p:val>
+                                            <p:strVal val="#ppt_x"/>
+                                          </p:val>
+                                        </p:tav>
+                                        <p:tav tm="100000">
+                                          <p:val>
+                                            <p:strVal val="#ppt_x"/>
+                                          </p:val>
+                                        </p:tav>
+                                      </p:tavLst>
+                                    </p:anim>
+                                    <p:anim calcmode="lin" valueType="num">
+                                      <p:cBhvr additive="base">
+                                        <p:cTn id="12" dur="500" fill="hold"/>
+                                        <p:tgtEl>
+                                          <p:spTgt spid="10"/>
+                                        </p:tgtEl>
+                                        <p:attrNameLst>
+                                          <p:attrName>ppt_y</p:attrName>
+                                        </p:attrNameLst>
+                                      </p:cBhvr>
+                                      <p:tavLst>
+                                        <p:tav tm="0">
+                                          <p:val>
+                                            <p:strVal val="1+#ppt_h/2"/>
+                                          </p:val>
+                                        </p:tav>
+                                        <p:tav tm="100000">
+                                          <p:val>
+                                            <p:strVal val="#ppt_y"/>
+                                          </p:val>
+                                        </p:tav>
+                                      </p:tavLst>
+                                    </p:anim>
+                                  </p:childTnLst>
+                                </p:cTn>
+                              </p:par>
+                              <p:par>
+                                <p:cTn id="13" presetID="2" presetClass="entr" presetSubtype="4" fill="hold" grpId="0" nodeType="withEffect">
+                                  <p:stCondLst>
+                                    <p:cond delay="0"/>
+                                  </p:stCondLst>
+                                  <p:childTnLst>
+                                    <p:set>
+                                      <p:cBhvr>
+                                        <p:cTn id="14" dur="1" fill="hold">
+                                          <p:stCondLst>
+                                            <p:cond delay="0"/>
+                                          </p:stCondLst>
+                                        </p:cTn>
+                                        <p:tgtEl>
+                                          <p:spTgt spid="6"/>
+                                        </p:tgtEl>
+                                        <p:attrNameLst>
+                                          <p:attrName>style.visibility</p:attrName>
+                                        </p:attrNameLst>
+                                      </p:cBhvr>
+                                      <p:to>
+                                        <p:strVal val="visible"/>
+                                      </p:to>
+                                    </p:set>
+                                    <p:anim calcmode="lin" valueType="num">
+                                      <p:cBhvr additive="base">
+                                        <p:cTn id="15" dur="500" fill="hold"/>
+                                        <p:tgtEl>
+                                          <p:spTgt spid="6"/>
+                                        </p:tgtEl>
+                                        <p:attrNameLst>
+                                          <p:attrName>ppt_x</p:attrName>
+                                        </p:attrNameLst>
+                                      </p:cBhvr>
+                                      <p:tavLst>
+                                        <p:tav tm="0">
+                                          <p:val>
+                                            <p:strVal val="#ppt_x"/>
+                                          </p:val>
+                                        </p:tav>
+                                        <p:tav tm="100000">
+                                          <p:val>
+                                            <p:strVal val="#ppt_x"/>
+                                          </p:val>
+                                        </p:tav>
+                                      </p:tavLst>
+                                    </p:anim>
+                                    <p:anim calcmode="lin" valueType="num">
+                                      <p:cBhvr additive="base">
+                                        <p:cTn id="16" dur="500" fill="hold"/>
+                                        <p:tgtEl>
+                                          <p:spTgt spid="6"/>
+                                        </p:tgtEl>
+                                        <p:attrNameLst>
+                                          <p:attrName>ppt_y</p:attrName>
+                                        </p:attrNameLst>
+                                      </p:cBhvr>
+                                      <p:tavLst>
+                                        <p:tav tm="0">
+                                          <p:val>
+                                            <p:strVal val="1+#ppt_h/2"/>
+                                          </p:val>
+                                        </p:tav>
+                                        <p:tav tm="100000">
+                                          <p:val>
+                                            <p:strVal val="#ppt_y"/>
+                                          </p:val>
+                                        </p:tav>
+                                      </p:tavLst>
+                                    </p:anim>
+                                  </p:childTnLst>
+                                </p:cTn>
+                              </p:par>
+                              <p:par>
+                                <p:cTn id="17" presetID="2" presetClass="entr" presetSubtype="4" fill="hold" grpId="0" nodeType="withEffect">
+                                  <p:stCondLst>
+                                    <p:cond delay="0"/>
+                                  </p:stCondLst>
+                                  <p:childTnLst>
+                                    <p:set>
+                                      <p:cBhvr>
+                                        <p:cTn id="18" dur="1" fill="hold">
+                                          <p:stCondLst>
+                                            <p:cond delay="0"/>
+                                          </p:stCondLst>
+                                        </p:cTn>
+                                        <p:tgtEl>
+                                          <p:spTgt spid="7"/>
+                                        </p:tgtEl>
+                                        <p:attrNameLst>
+                                          <p:attrName>style.visibility</p:attrName>
+                                        </p:attrNameLst>
+                                      </p:cBhvr>
+                                      <p:to>
+                                        <p:strVal val="visible"/>
+                                      </p:to>
+                                    </p:set>
+                                    <p:anim calcmode="lin" valueType="num">
+                                      <p:cBhvr additive="base">
+                                        <p:cTn id="19" dur="500" fill="hold"/>
+                                        <p:tgtEl>
+                                          <p:spTgt spid="7"/>
+                                        </p:tgtEl>
+                                        <p:attrNameLst>
+                                          <p:attrName>ppt_x</p:attrName>
+                                        </p:attrNameLst>
+                                      </p:cBhvr>
+                                      <p:tavLst>
+                                        <p:tav tm="0">
+                                          <p:val>
+                                            <p:strVal val="#ppt_x"/>
+                                          </p:val>
+                                        </p:tav>
+                                        <p:tav tm="100000">
+                                          <p:val>
+                                            <p:strVal val="#ppt_x"/>
+                                          </p:val>
+                                        </p:tav>
+                                      </p:tavLst>
+                                    </p:anim>
+                                    <p:anim calcmode="lin" valueType="num">
+                                      <p:cBhvr additive="base">
+                                        <p:cTn id="20" dur="500" fill="hold"/>
+                                        <p:tgtEl>
+                                          <p:spTgt spid="7"/>
+                                        </p:tgtEl>
+                                        <p:attrNameLst>
+                                          <p:attrName>ppt_y</p:attrName>
+                                        </p:attrNameLst>
+                                      </p:cBhvr>
+                                      <p:tavLst>
+                                        <p:tav tm="0">
+                                          <p:val>
+                                            <p:strVal val="1+#ppt_h/2"/>
+                                          </p:val>
+                                        </p:tav>
+                                        <p:tav tm="100000">
+                                          <p:val>
+                                            <p:strVal val="#ppt_y"/>
+                                          </p:val>
+                                        </p:tav>
+                                      </p:tavLst>
+                                    </p:anim>
                                   </p:childTnLst>
                                 </p:cTn>
                               </p:par>
@@ -10130,26 +10395,117 @@
                     </p:cTn>
                   </p:par>
                   <p:par>
-                    <p:cTn id="7" fill="hold">
+                    <p:cTn id="21" fill="hold">
                       <p:stCondLst>
                         <p:cond delay="indefinite"/>
                       </p:stCondLst>
                       <p:childTnLst>
                         <p:par>
-                          <p:cTn id="8" fill="hold">
+                          <p:cTn id="22" fill="hold">
                             <p:stCondLst>
                               <p:cond delay="0"/>
                             </p:stCondLst>
                             <p:childTnLst>
                               <p:par>
-                                <p:cTn id="9" presetID="1" presetClass="entr" presetSubtype="0" fill="hold" grpId="0" nodeType="clickEffect">
+                                <p:cTn id="23" presetID="2" presetClass="entr" presetSubtype="4" fill="hold" nodeType="clickEffect">
                                   <p:stCondLst>
                                     <p:cond delay="0"/>
                                   </p:stCondLst>
                                   <p:childTnLst>
                                     <p:set>
                                       <p:cBhvr>
-                                        <p:cTn id="10" dur="1" fill="hold">
+                                        <p:cTn id="24" dur="1" fill="hold">
+                                          <p:stCondLst>
+                                            <p:cond delay="0"/>
+                                          </p:stCondLst>
+                                        </p:cTn>
+                                        <p:tgtEl>
+                                          <p:spTgt spid="5"/>
+                                        </p:tgtEl>
+                                        <p:attrNameLst>
+                                          <p:attrName>style.visibility</p:attrName>
+                                        </p:attrNameLst>
+                                      </p:cBhvr>
+                                      <p:to>
+                                        <p:strVal val="visible"/>
+                                      </p:to>
+                                    </p:set>
+                                    <p:anim calcmode="lin" valueType="num">
+                                      <p:cBhvr additive="base">
+                                        <p:cTn id="25" dur="500" fill="hold"/>
+                                        <p:tgtEl>
+                                          <p:spTgt spid="5"/>
+                                        </p:tgtEl>
+                                        <p:attrNameLst>
+                                          <p:attrName>ppt_x</p:attrName>
+                                        </p:attrNameLst>
+                                      </p:cBhvr>
+                                      <p:tavLst>
+                                        <p:tav tm="0">
+                                          <p:val>
+                                            <p:strVal val="#ppt_x"/>
+                                          </p:val>
+                                        </p:tav>
+                                        <p:tav tm="100000">
+                                          <p:val>
+                                            <p:strVal val="#ppt_x"/>
+                                          </p:val>
+                                        </p:tav>
+                                      </p:tavLst>
+                                    </p:anim>
+                                    <p:anim calcmode="lin" valueType="num">
+                                      <p:cBhvr additive="base">
+                                        <p:cTn id="26" dur="500" fill="hold"/>
+                                        <p:tgtEl>
+                                          <p:spTgt spid="5"/>
+                                        </p:tgtEl>
+                                        <p:attrNameLst>
+                                          <p:attrName>ppt_y</p:attrName>
+                                        </p:attrNameLst>
+                                      </p:cBhvr>
+                                      <p:tavLst>
+                                        <p:tav tm="0">
+                                          <p:val>
+                                            <p:strVal val="1+#ppt_h/2"/>
+                                          </p:val>
+                                        </p:tav>
+                                        <p:tav tm="100000">
+                                          <p:val>
+                                            <p:strVal val="#ppt_y"/>
+                                          </p:val>
+                                        </p:tav>
+                                      </p:tavLst>
+                                    </p:anim>
+                                  </p:childTnLst>
+                                </p:cTn>
+                              </p:par>
+                            </p:childTnLst>
+                          </p:cTn>
+                        </p:par>
+                      </p:childTnLst>
+                    </p:cTn>
+                  </p:par>
+                  <p:par>
+                    <p:cTn id="27" fill="hold">
+                      <p:stCondLst>
+                        <p:cond delay="indefinite"/>
+                      </p:stCondLst>
+                      <p:childTnLst>
+                        <p:par>
+                          <p:cTn id="28" fill="hold">
+                            <p:stCondLst>
+                              <p:cond delay="0"/>
+                            </p:stCondLst>
+                            <p:childTnLst>
+                              <p:par>
+                                <p:cTn id="29" presetID="2" presetClass="entr" presetSubtype="4" fill="hold" grpId="0" nodeType="clickEffect">
+                                  <p:stCondLst>
+                                    <p:cond delay="0"/>
+                                  </p:stCondLst>
+                                  <p:childTnLst>
+                                    <p:set>
+                                      <p:cBhvr>
+                                        <p:cTn id="30" dur="1" fill="hold">
                                           <p:stCondLst>
                                             <p:cond delay="0"/>
                                           </p:stCondLst>
@@ -10165,38 +10521,66 @@
                                         <p:strVal val="visible"/>
                                       </p:to>
                                     </p:set>
+                                    <p:anim calcmode="lin" valueType="num">
+                                      <p:cBhvr additive="base">
+                                        <p:cTn id="31" dur="500" fill="hold"/>
+                                        <p:tgtEl>
+                                          <p:spTgt spid="11"/>
+                                        </p:tgtEl>
+                                        <p:attrNameLst>
+                                          <p:attrName>ppt_x</p:attrName>
+                                        </p:attrNameLst>
+                                      </p:cBhvr>
+                                      <p:tavLst>
+                                        <p:tav tm="0">
+                                          <p:val>
+                                            <p:strVal val="#ppt_x"/>
+                                          </p:val>
+                                        </p:tav>
+                                        <p:tav tm="100000">
+                                          <p:val>
+                                            <p:strVal val="#ppt_x"/>
+                                          </p:val>
+                                        </p:tav>
+                                      </p:tavLst>
+                                    </p:anim>
+                                    <p:anim calcmode="lin" valueType="num">
+                                      <p:cBhvr additive="base">
+                                        <p:cTn id="32" dur="500" fill="hold"/>
+                                        <p:tgtEl>
+                                          <p:spTgt spid="11"/>
+                                        </p:tgtEl>
+                                        <p:attrNameLst>
+                                          <p:attrName>ppt_y</p:attrName>
+                                        </p:attrNameLst>
+                                      </p:cBhvr>
+                                      <p:tavLst>
+                                        <p:tav tm="0">
+                                          <p:val>
+                                            <p:strVal val="1+#ppt_h/2"/>
+                                          </p:val>
+                                        </p:tav>
+                                        <p:tav tm="100000">
+                                          <p:val>
+                                            <p:strVal val="#ppt_y"/>
+                                          </p:val>
+                                        </p:tav>
+                                      </p:tavLst>
+                                    </p:anim>
                                   </p:childTnLst>
                                 </p:cTn>
                               </p:par>
-                            </p:childTnLst>
-                          </p:cTn>
-                        </p:par>
-                      </p:childTnLst>
-                    </p:cTn>
-                  </p:par>
-                  <p:par>
-                    <p:cTn id="11" fill="hold">
-                      <p:stCondLst>
-                        <p:cond delay="indefinite"/>
-                      </p:stCondLst>
-                      <p:childTnLst>
-                        <p:par>
-                          <p:cTn id="12" fill="hold">
-                            <p:stCondLst>
-                              <p:cond delay="0"/>
-                            </p:stCondLst>
-                            <p:childTnLst>
                               <p:par>
-                                <p:cTn id="13" presetID="1" presetClass="entr" presetSubtype="0" fill="hold" grpId="0" nodeType="clickEffect">
+                                <p:cTn id="33" presetID="2" presetClass="entr" presetSubtype="4" fill="hold" grpId="0" nodeType="withEffect">
                                   <p:stCondLst>
                                     <p:cond delay="0"/>
                                   </p:stCondLst>
                                   <p:childTnLst>
                                     <p:set>
                                       <p:cBhvr>
-                                        <p:cTn id="14" dur="1" fill="hold">
+                                        <p:cTn id="34" dur="1" fill="hold">
                                           <p:stCondLst>
-                                            <p:cond delay="499"/>
+                                            <p:cond delay="0"/>
                                           </p:stCondLst>
                                         </p:cTn>
                                         <p:tgtEl>
@@ -10210,6 +10594,198 @@
                                         <p:strVal val="visible"/>
                                       </p:to>
                                     </p:set>
+                                    <p:anim calcmode="lin" valueType="num">
+                                      <p:cBhvr additive="base">
+                                        <p:cTn id="35" dur="500" fill="hold"/>
+                                        <p:tgtEl>
+                                          <p:spTgt spid="14"/>
+                                        </p:tgtEl>
+                                        <p:attrNameLst>
+                                          <p:attrName>ppt_x</p:attrName>
+                                        </p:attrNameLst>
+                                      </p:cBhvr>
+                                      <p:tavLst>
+                                        <p:tav tm="0">
+                                          <p:val>
+                                            <p:strVal val="#ppt_x"/>
+                                          </p:val>
+                                        </p:tav>
+                                        <p:tav tm="100000">
+                                          <p:val>
+                                            <p:strVal val="#ppt_x"/>
+                                          </p:val>
+                                        </p:tav>
+                                      </p:tavLst>
+                                    </p:anim>
+                                    <p:anim calcmode="lin" valueType="num">
+                                      <p:cBhvr additive="base">
+                                        <p:cTn id="36" dur="500" fill="hold"/>
+                                        <p:tgtEl>
+                                          <p:spTgt spid="14"/>
+                                        </p:tgtEl>
+                                        <p:attrNameLst>
+                                          <p:attrName>ppt_y</p:attrName>
+                                        </p:attrNameLst>
+                                      </p:cBhvr>
+                                      <p:tavLst>
+                                        <p:tav tm="0">
+                                          <p:val>
+                                            <p:strVal val="1+#ppt_h/2"/>
+                                          </p:val>
+                                        </p:tav>
+                                        <p:tav tm="100000">
+                                          <p:val>
+                                            <p:strVal val="#ppt_y"/>
+                                          </p:val>
+                                        </p:tav>
+                                      </p:tavLst>
+                                    </p:anim>
+                                  </p:childTnLst>
+                                </p:cTn>
+                              </p:par>
+                              <p:par>
+                                <p:cTn id="37" presetID="2" presetClass="entr" presetSubtype="4" fill="hold" grpId="0" nodeType="withEffect">
+                                  <p:stCondLst>
+                                    <p:cond delay="0"/>
+                                  </p:stCondLst>
+                                  <p:childTnLst>
+                                    <p:set>
+                                      <p:cBhvr>
+                                        <p:cTn id="38" dur="1" fill="hold">
+                                          <p:stCondLst>
+                                            <p:cond delay="0"/>
+                                          </p:stCondLst>
+                                        </p:cTn>
+                                        <p:tgtEl>
+                                          <p:spTgt spid="17"/>
+                                        </p:tgtEl>
+                                        <p:attrNameLst>
+                                          <p:attrName>style.visibility</p:attrName>
+                                        </p:attrNameLst>
+                                      </p:cBhvr>
+                                      <p:to>
+                                        <p:strVal val="visible"/>
+                                      </p:to>
+                                    </p:set>
+                                    <p:anim calcmode="lin" valueType="num">
+                                      <p:cBhvr additive="base">
+                                        <p:cTn id="39" dur="500" fill="hold"/>
+                                        <p:tgtEl>
+                                          <p:spTgt spid="17"/>
+                                        </p:tgtEl>
+                                        <p:attrNameLst>
+                                          <p:attrName>ppt_x</p:attrName>
+                                        </p:attrNameLst>
+                                      </p:cBhvr>
+                                      <p:tavLst>
+                                        <p:tav tm="0">
+                                          <p:val>
+                                            <p:strVal val="#ppt_x"/>
+                                          </p:val>
+                                        </p:tav>
+                                        <p:tav tm="100000">
+                                          <p:val>
+                                            <p:strVal val="#ppt_x"/>
+                                          </p:val>
+                                        </p:tav>
+                                      </p:tavLst>
+                                    </p:anim>
+                                    <p:anim calcmode="lin" valueType="num">
+                                      <p:cBhvr additive="base">
+                                        <p:cTn id="40" dur="500" fill="hold"/>
+                                        <p:tgtEl>
+                                          <p:spTgt spid="17"/>
+                                        </p:tgtEl>
+                                        <p:attrNameLst>
+                                          <p:attrName>ppt_y</p:attrName>
+                                        </p:attrNameLst>
+                                      </p:cBhvr>
+                                      <p:tavLst>
+                                        <p:tav tm="0">
+                                          <p:val>
+                                            <p:strVal val="1+#ppt_h/2"/>
+                                          </p:val>
+                                        </p:tav>
+                                        <p:tav tm="100000">
+                                          <p:val>
+                                            <p:strVal val="#ppt_y"/>
+                                          </p:val>
+                                        </p:tav>
+                                      </p:tavLst>
+                                    </p:anim>
+                                  </p:childTnLst>
+                                </p:cTn>
+                              </p:par>
+                              <p:par>
+                                <p:cTn id="41" presetID="2" presetClass="entr" presetSubtype="4" fill="hold" grpId="0" nodeType="withEffect">
+                                  <p:stCondLst>
+                                    <p:cond delay="0"/>
+                                  </p:stCondLst>
+                                  <p:childTnLst>
+                                    <p:set>
+                                      <p:cBhvr>
+                                        <p:cTn id="42" dur="1" fill="hold">
+                                          <p:stCondLst>
+                                            <p:cond delay="0"/>
+                                          </p:stCondLst>
+                                        </p:cTn>
+                                        <p:tgtEl>
+                                          <p:spTgt spid="16"/>
+                                        </p:tgtEl>
+                                        <p:attrNameLst>
+                                          <p:attrName>style.visibility</p:attrName>
+                                        </p:attrNameLst>
+                                      </p:cBhvr>
+                                      <p:to>
+                                        <p:strVal val="visible"/>
+                                      </p:to>
+                                    </p:set>
+                                    <p:anim calcmode="lin" valueType="num">
+                                      <p:cBhvr additive="base">
+                                        <p:cTn id="43" dur="500" fill="hold"/>
+                                        <p:tgtEl>
+                                          <p:spTgt spid="16"/>
+                                        </p:tgtEl>
+                                        <p:attrNameLst>
+                                          <p:attrName>ppt_x</p:attrName>
+                                        </p:attrNameLst>
+                                      </p:cBhvr>
+                                      <p:tavLst>
+                                        <p:tav tm="0">
+                                          <p:val>
+                                            <p:strVal val="#ppt_x"/>
+                                          </p:val>
+                                        </p:tav>
+                                        <p:tav tm="100000">
+                                          <p:val>
+                                            <p:strVal val="#ppt_x"/>
+                                          </p:val>
+                                        </p:tav>
+                                      </p:tavLst>
+                                    </p:anim>
+                                    <p:anim calcmode="lin" valueType="num">
+                                      <p:cBhvr additive="base">
+                                        <p:cTn id="44" dur="500" fill="hold"/>
+                                        <p:tgtEl>
+                                          <p:spTgt spid="16"/>
+                                        </p:tgtEl>
+                                        <p:attrNameLst>
+                                          <p:attrName>ppt_y</p:attrName>
+                                        </p:attrNameLst>
+                                      </p:cBhvr>
+                                      <p:tavLst>
+                                        <p:tav tm="0">
+                                          <p:val>
+                                            <p:strVal val="1+#ppt_h/2"/>
+                                          </p:val>
+                                        </p:tav>
+                                        <p:tav tm="100000">
+                                          <p:val>
+                                            <p:strVal val="#ppt_y"/>
+                                          </p:val>
+                                        </p:tav>
+                                      </p:tavLst>
+                                    </p:anim>
                                   </p:childTnLst>
                                 </p:cTn>
                               </p:par>
@@ -10220,32 +10796,32 @@
                     </p:cTn>
                   </p:par>
                   <p:par>
-                    <p:cTn id="15" fill="hold">
+                    <p:cTn id="45" fill="hold">
                       <p:stCondLst>
                         <p:cond delay="indefinite"/>
                       </p:stCondLst>
                       <p:childTnLst>
                         <p:par>
-                          <p:cTn id="16" fill="hold">
+                          <p:cTn id="46" fill="hold">
                             <p:stCondLst>
                               <p:cond delay="0"/>
                             </p:stCondLst>
                             <p:childTnLst>
                               <p:par>
-                                <p:cTn id="17" presetID="1" presetClass="entr" presetSubtype="0" fill="hold" grpId="0" nodeType="clickEffect">
+                                <p:cTn id="47" presetID="2" presetClass="entr" presetSubtype="4" fill="hold" nodeType="clickEffect">
                                   <p:stCondLst>
                                     <p:cond delay="0"/>
                                   </p:stCondLst>
                                   <p:childTnLst>
                                     <p:set>
                                       <p:cBhvr>
-                                        <p:cTn id="18" dur="1" fill="hold">
+                                        <p:cTn id="48" dur="1" fill="hold">
                                           <p:stCondLst>
-                                            <p:cond delay="499"/>
+                                            <p:cond delay="0"/>
                                           </p:stCondLst>
                                         </p:cTn>
                                         <p:tgtEl>
-                                          <p:spTgt spid="20"/>
+                                          <p:spTgt spid="15"/>
                                         </p:tgtEl>
                                         <p:attrNameLst>
                                           <p:attrName>style.visibility</p:attrName>
@@ -10255,51 +10831,52 @@
                                         <p:strVal val="visible"/>
                                       </p:to>
                                     </p:set>
-                                  </p:childTnLst>
-                                </p:cTn>
-                              </p:par>
-                            </p:childTnLst>
-                          </p:cTn>
-                        </p:par>
-                      </p:childTnLst>
-                    </p:cTn>
-                  </p:par>
-                  <p:par>
-                    <p:cTn id="19" fill="hold">
-                      <p:stCondLst>
-                        <p:cond delay="indefinite"/>
-                      </p:stCondLst>
-                      <p:childTnLst>
-                        <p:par>
-                          <p:cTn id="20" fill="hold">
-                            <p:stCondLst>
-                              <p:cond delay="0"/>
-                            </p:stCondLst>
-                            <p:childTnLst>
-                              <p:par>
-                                <p:cTn id="21" presetID="1" presetClass="entr" presetSubtype="0" fill="hold" grpId="0" nodeType="clickEffect">
-                                  <p:stCondLst>
-                                    <p:cond delay="0"/>
-                                  </p:stCondLst>
-                                  <p:childTnLst>
-                                    <p:set>
-                                      <p:cBhvr>
-                                        <p:cTn id="22" dur="1" fill="hold">
-                                          <p:stCondLst>
-                                            <p:cond delay="499"/>
-                                          </p:stCondLst>
-                                        </p:cTn>
+                                    <p:anim calcmode="lin" valueType="num">
+                                      <p:cBhvr additive="base">
+                                        <p:cTn id="49" dur="500" fill="hold"/>
                                         <p:tgtEl>
-                                          <p:spTgt spid="21"/>
+                                          <p:spTgt spid="15"/>
                                         </p:tgtEl>
                                         <p:attrNameLst>
-                                          <p:attrName>style.visibility</p:attrName>
+                                          <p:attrName>ppt_x</p:attrName>
                                         </p:attrNameLst>
                                       </p:cBhvr>
-                                      <p:to>
-                                        <p:strVal val="visible"/>
-                                      </p:to>
-                                    </p:set>
+                                      <p:tavLst>
+                                        <p:tav tm="0">
+                                          <p:val>
+                                            <p:strVal val="#ppt_x"/>
+                                          </p:val>
+                                        </p:tav>
+                                        <p:tav tm="100000">
+                                          <p:val>
+                                            <p:strVal val="#ppt_x"/>
+                                          </p:val>
+                                        </p:tav>
+                                      </p:tavLst>
+                                    </p:anim>
+                                    <p:anim calcmode="lin" valueType="num">
+                                      <p:cBhvr additive="base">
+                                        <p:cTn id="50" dur="500" fill="hold"/>
+                                        <p:tgtEl>
+                                          <p:spTgt spid="15"/>
+                                        </p:tgtEl>
+                                        <p:attrNameLst>
+                                          <p:attrName>ppt_y</p:attrName>
+                                        </p:attrNameLst>
+                                      </p:cBhvr>
+                                      <p:tavLst>
+                                        <p:tav tm="0">
+                                          <p:val>
+                                            <p:strVal val="1+#ppt_h/2"/>
+                                          </p:val>
+                                        </p:tav>
+                                        <p:tav tm="100000">
+                                          <p:val>
+                                            <p:strVal val="#ppt_y"/>
+                                          </p:val>
+                                        </p:tav>
+                                      </p:tavLst>
+                                    </p:anim>
                                   </p:childTnLst>
                                 </p:cTn>
                               </p:par>
@@ -10331,11 +10908,14 @@
       </p:par>
     </p:tnLst>
     <p:bldLst>
+      <p:bldP spid="3" grpId="0" animBg="1"/>
+      <p:bldP spid="6" grpId="0"/>
       <p:bldP spid="10" grpId="0"/>
       <p:bldP spid="11" grpId="0"/>
       <p:bldP spid="14" grpId="0"/>
-      <p:bldP spid="20" grpId="0" animBg="1"/>
-      <p:bldP spid="21" grpId="0" animBg="1"/>
+      <p:bldP spid="17" grpId="0"/>
+      <p:bldP spid="7" grpId="0"/>
+      <p:bldP spid="16" grpId="0"/>
     </p:bldLst>
   </p:timing>
 </p:sld>
@@ -11303,6 +11883,636 @@
   <p:clrMapOvr>
     <a:masterClrMapping/>
   </p:clrMapOvr>
+  <p:timing>
+    <p:tnLst>
+      <p:par>
+        <p:cTn id="1" dur="indefinite" restart="never" nodeType="tmRoot">
+          <p:childTnLst>
+            <p:seq concurrent="1" nextAc="seek">
+              <p:cTn id="2" dur="indefinite" nodeType="mainSeq">
+                <p:childTnLst>
+                  <p:par>
+                    <p:cTn id="3" fill="hold">
+                      <p:stCondLst>
+                        <p:cond delay="indefinite"/>
+                      </p:stCondLst>
+                      <p:childTnLst>
+                        <p:par>
+                          <p:cTn id="4" fill="hold">
+                            <p:stCondLst>
+                              <p:cond delay="0"/>
+                            </p:stCondLst>
+                            <p:childTnLst>
+                              <p:par>
+                                <p:cTn id="5" presetID="2" presetClass="entr" presetSubtype="4" fill="hold" nodeType="clickEffect">
+                                  <p:stCondLst>
+                                    <p:cond delay="0"/>
+                                  </p:stCondLst>
+                                  <p:childTnLst>
+                                    <p:set>
+                                      <p:cBhvr>
+                                        <p:cTn id="6" dur="1" fill="hold">
+                                          <p:stCondLst>
+                                            <p:cond delay="0"/>
+                                          </p:stCondLst>
+                                        </p:cTn>
+                                        <p:tgtEl>
+                                          <p:spTgt spid="3">
+                                            <p:txEl>
+                                              <p:pRg st="1" end="1"/>
+                                            </p:txEl>
+                                          </p:spTgt>
+                                        </p:tgtEl>
+                                        <p:attrNameLst>
+                                          <p:attrName>style.visibility</p:attrName>
+                                        </p:attrNameLst>
+                                      </p:cBhvr>
+                                      <p:to>
+                                        <p:strVal val="visible"/>
+                                      </p:to>
+                                    </p:set>
+                                    <p:anim calcmode="lin" valueType="num">
+                                      <p:cBhvr additive="base">
+                                        <p:cTn id="7" dur="500" fill="hold"/>
+                                        <p:tgtEl>
+                                          <p:spTgt spid="3">
+                                            <p:txEl>
+                                              <p:pRg st="1" end="1"/>
+                                            </p:txEl>
+                                          </p:spTgt>
+                                        </p:tgtEl>
+                                        <p:attrNameLst>
+                                          <p:attrName>ppt_x</p:attrName>
+                                        </p:attrNameLst>
+                                      </p:cBhvr>
+                                      <p:tavLst>
+                                        <p:tav tm="0">
+                                          <p:val>
+                                            <p:strVal val="#ppt_x"/>
+                                          </p:val>
+                                        </p:tav>
+                                        <p:tav tm="100000">
+                                          <p:val>
+                                            <p:strVal val="#ppt_x"/>
+                                          </p:val>
+                                        </p:tav>
+                                      </p:tavLst>
+                                    </p:anim>
+                                    <p:anim calcmode="lin" valueType="num">
+                                      <p:cBhvr additive="base">
+                                        <p:cTn id="8" dur="500" fill="hold"/>
+                                        <p:tgtEl>
+                                          <p:spTgt spid="3">
+                                            <p:txEl>
+                                              <p:pRg st="1" end="1"/>
+                                            </p:txEl>
+                                          </p:spTgt>
+                                        </p:tgtEl>
+                                        <p:attrNameLst>
+                                          <p:attrName>ppt_y</p:attrName>
+                                        </p:attrNameLst>
+                                      </p:cBhvr>
+                                      <p:tavLst>
+                                        <p:tav tm="0">
+                                          <p:val>
+                                            <p:strVal val="1+#ppt_h/2"/>
+                                          </p:val>
+                                        </p:tav>
+                                        <p:tav tm="100000">
+                                          <p:val>
+                                            <p:strVal val="#ppt_y"/>
+                                          </p:val>
+                                        </p:tav>
+                                      </p:tavLst>
+                                    </p:anim>
+                                  </p:childTnLst>
+                                </p:cTn>
+                              </p:par>
+                            </p:childTnLst>
+                          </p:cTn>
+                        </p:par>
+                      </p:childTnLst>
+                    </p:cTn>
+                  </p:par>
+                  <p:par>
+                    <p:cTn id="9" fill="hold">
+                      <p:stCondLst>
+                        <p:cond delay="indefinite"/>
+                      </p:stCondLst>
+                      <p:childTnLst>
+                        <p:par>
+                          <p:cTn id="10" fill="hold">
+                            <p:stCondLst>
+                              <p:cond delay="0"/>
+                            </p:stCondLst>
+                            <p:childTnLst>
+                              <p:par>
+                                <p:cTn id="11" presetID="2" presetClass="entr" presetSubtype="4" fill="hold" nodeType="clickEffect">
+                                  <p:stCondLst>
+                                    <p:cond delay="0"/>
+                                  </p:stCondLst>
+                                  <p:childTnLst>
+                                    <p:set>
+                                      <p:cBhvr>
+                                        <p:cTn id="12" dur="1" fill="hold">
+                                          <p:stCondLst>
+                                            <p:cond delay="0"/>
+                                          </p:stCondLst>
+                                        </p:cTn>
+                                        <p:tgtEl>
+                                          <p:spTgt spid="3">
+                                            <p:txEl>
+                                              <p:pRg st="2" end="2"/>
+                                            </p:txEl>
+                                          </p:spTgt>
+                                        </p:tgtEl>
+                                        <p:attrNameLst>
+                                          <p:attrName>style.visibility</p:attrName>
+                                        </p:attrNameLst>
+                                      </p:cBhvr>
+                                      <p:to>
+                                        <p:strVal val="visible"/>
+                                      </p:to>
+                                    </p:set>
+                                    <p:anim calcmode="lin" valueType="num">
+                                      <p:cBhvr additive="base">
+                                        <p:cTn id="13" dur="500" fill="hold"/>
+                                        <p:tgtEl>
+                                          <p:spTgt spid="3">
+                                            <p:txEl>
+                                              <p:pRg st="2" end="2"/>
+                                            </p:txEl>
+                                          </p:spTgt>
+                                        </p:tgtEl>
+                                        <p:attrNameLst>
+                                          <p:attrName>ppt_x</p:attrName>
+                                        </p:attrNameLst>
+                                      </p:cBhvr>
+                                      <p:tavLst>
+                                        <p:tav tm="0">
+                                          <p:val>
+                                            <p:strVal val="#ppt_x"/>
+                                          </p:val>
+                                        </p:tav>
+                                        <p:tav tm="100000">
+                                          <p:val>
+                                            <p:strVal val="#ppt_x"/>
+                                          </p:val>
+                                        </p:tav>
+                                      </p:tavLst>
+                                    </p:anim>
+                                    <p:anim calcmode="lin" valueType="num">
+                                      <p:cBhvr additive="base">
+                                        <p:cTn id="14" dur="500" fill="hold"/>
+                                        <p:tgtEl>
+                                          <p:spTgt spid="3">
+                                            <p:txEl>
+                                              <p:pRg st="2" end="2"/>
+                                            </p:txEl>
+                                          </p:spTgt>
+                                        </p:tgtEl>
+                                        <p:attrNameLst>
+                                          <p:attrName>ppt_y</p:attrName>
+                                        </p:attrNameLst>
+                                      </p:cBhvr>
+                                      <p:tavLst>
+                                        <p:tav tm="0">
+                                          <p:val>
+                                            <p:strVal val="1+#ppt_h/2"/>
+                                          </p:val>
+                                        </p:tav>
+                                        <p:tav tm="100000">
+                                          <p:val>
+                                            <p:strVal val="#ppt_y"/>
+                                          </p:val>
+                                        </p:tav>
+                                      </p:tavLst>
+                                    </p:anim>
+                                  </p:childTnLst>
+                                </p:cTn>
+                              </p:par>
+                            </p:childTnLst>
+                          </p:cTn>
+                        </p:par>
+                      </p:childTnLst>
+                    </p:cTn>
+                  </p:par>
+                  <p:par>
+                    <p:cTn id="15" fill="hold">
+                      <p:stCondLst>
+                        <p:cond delay="indefinite"/>
+                      </p:stCondLst>
+                      <p:childTnLst>
+                        <p:par>
+                          <p:cTn id="16" fill="hold">
+                            <p:stCondLst>
+                              <p:cond delay="0"/>
+                            </p:stCondLst>
+                            <p:childTnLst>
+                              <p:par>
+                                <p:cTn id="17" presetID="2" presetClass="entr" presetSubtype="4" fill="hold" nodeType="clickEffect">
+                                  <p:stCondLst>
+                                    <p:cond delay="0"/>
+                                  </p:stCondLst>
+                                  <p:childTnLst>
+                                    <p:set>
+                                      <p:cBhvr>
+                                        <p:cTn id="18" dur="1" fill="hold">
+                                          <p:stCondLst>
+                                            <p:cond delay="0"/>
+                                          </p:stCondLst>
+                                        </p:cTn>
+                                        <p:tgtEl>
+                                          <p:spTgt spid="3">
+                                            <p:txEl>
+                                              <p:pRg st="3" end="3"/>
+                                            </p:txEl>
+                                          </p:spTgt>
+                                        </p:tgtEl>
+                                        <p:attrNameLst>
+                                          <p:attrName>style.visibility</p:attrName>
+                                        </p:attrNameLst>
+                                      </p:cBhvr>
+                                      <p:to>
+                                        <p:strVal val="visible"/>
+                                      </p:to>
+                                    </p:set>
+                                    <p:anim calcmode="lin" valueType="num">
+                                      <p:cBhvr additive="base">
+                                        <p:cTn id="19" dur="500" fill="hold"/>
+                                        <p:tgtEl>
+                                          <p:spTgt spid="3">
+                                            <p:txEl>
+                                              <p:pRg st="3" end="3"/>
+                                            </p:txEl>
+                                          </p:spTgt>
+                                        </p:tgtEl>
+                                        <p:attrNameLst>
+                                          <p:attrName>ppt_x</p:attrName>
+                                        </p:attrNameLst>
+                                      </p:cBhvr>
+                                      <p:tavLst>
+                                        <p:tav tm="0">
+                                          <p:val>
+                                            <p:strVal val="#ppt_x"/>
+                                          </p:val>
+                                        </p:tav>
+                                        <p:tav tm="100000">
+                                          <p:val>
+                                            <p:strVal val="#ppt_x"/>
+                                          </p:val>
+                                        </p:tav>
+                                      </p:tavLst>
+                                    </p:anim>
+                                    <p:anim calcmode="lin" valueType="num">
+                                      <p:cBhvr additive="base">
+                                        <p:cTn id="20" dur="500" fill="hold"/>
+                                        <p:tgtEl>
+                                          <p:spTgt spid="3">
+                                            <p:txEl>
+                                              <p:pRg st="3" end="3"/>
+                                            </p:txEl>
+                                          </p:spTgt>
+                                        </p:tgtEl>
+                                        <p:attrNameLst>
+                                          <p:attrName>ppt_y</p:attrName>
+                                        </p:attrNameLst>
+                                      </p:cBhvr>
+                                      <p:tavLst>
+                                        <p:tav tm="0">
+                                          <p:val>
+                                            <p:strVal val="1+#ppt_h/2"/>
+                                          </p:val>
+                                        </p:tav>
+                                        <p:tav tm="100000">
+                                          <p:val>
+                                            <p:strVal val="#ppt_y"/>
+                                          </p:val>
+                                        </p:tav>
+                                      </p:tavLst>
+                                    </p:anim>
+                                  </p:childTnLst>
+                                </p:cTn>
+                              </p:par>
+                            </p:childTnLst>
+                          </p:cTn>
+                        </p:par>
+                      </p:childTnLst>
+                    </p:cTn>
+                  </p:par>
+                  <p:par>
+                    <p:cTn id="21" fill="hold">
+                      <p:stCondLst>
+                        <p:cond delay="indefinite"/>
+                      </p:stCondLst>
+                      <p:childTnLst>
+                        <p:par>
+                          <p:cTn id="22" fill="hold">
+                            <p:stCondLst>
+                              <p:cond delay="0"/>
+                            </p:stCondLst>
+                            <p:childTnLst>
+                              <p:par>
+                                <p:cTn id="23" presetID="2" presetClass="entr" presetSubtype="4" fill="hold" nodeType="clickEffect">
+                                  <p:stCondLst>
+                                    <p:cond delay="0"/>
+                                  </p:stCondLst>
+                                  <p:childTnLst>
+                                    <p:set>
+                                      <p:cBhvr>
+                                        <p:cTn id="24" dur="1" fill="hold">
+                                          <p:stCondLst>
+                                            <p:cond delay="0"/>
+                                          </p:stCondLst>
+                                        </p:cTn>
+                                        <p:tgtEl>
+                                          <p:spTgt spid="3">
+                                            <p:txEl>
+                                              <p:pRg st="4" end="4"/>
+                                            </p:txEl>
+                                          </p:spTgt>
+                                        </p:tgtEl>
+                                        <p:attrNameLst>
+                                          <p:attrName>style.visibility</p:attrName>
+                                        </p:attrNameLst>
+                                      </p:cBhvr>
+                                      <p:to>
+                                        <p:strVal val="visible"/>
+                                      </p:to>
+                                    </p:set>
+                                    <p:anim calcmode="lin" valueType="num">
+                                      <p:cBhvr additive="base">
+                                        <p:cTn id="25" dur="500" fill="hold"/>
+                                        <p:tgtEl>
+                                          <p:spTgt spid="3">
+                                            <p:txEl>
+                                              <p:pRg st="4" end="4"/>
+                                            </p:txEl>
+                                          </p:spTgt>
+                                        </p:tgtEl>
+                                        <p:attrNameLst>
+                                          <p:attrName>ppt_x</p:attrName>
+                                        </p:attrNameLst>
+                                      </p:cBhvr>
+                                      <p:tavLst>
+                                        <p:tav tm="0">
+                                          <p:val>
+                                            <p:strVal val="#ppt_x"/>
+                                          </p:val>
+                                        </p:tav>
+                                        <p:tav tm="100000">
+                                          <p:val>
+                                            <p:strVal val="#ppt_x"/>
+                                          </p:val>
+                                        </p:tav>
+                                      </p:tavLst>
+                                    </p:anim>
+                                    <p:anim calcmode="lin" valueType="num">
+                                      <p:cBhvr additive="base">
+                                        <p:cTn id="26" dur="500" fill="hold"/>
+                                        <p:tgtEl>
+                                          <p:spTgt spid="3">
+                                            <p:txEl>
+                                              <p:pRg st="4" end="4"/>
+                                            </p:txEl>
+                                          </p:spTgt>
+                                        </p:tgtEl>
+                                        <p:attrNameLst>
+                                          <p:attrName>ppt_y</p:attrName>
+                                        </p:attrNameLst>
+                                      </p:cBhvr>
+                                      <p:tavLst>
+                                        <p:tav tm="0">
+                                          <p:val>
+                                            <p:strVal val="1+#ppt_h/2"/>
+                                          </p:val>
+                                        </p:tav>
+                                        <p:tav tm="100000">
+                                          <p:val>
+                                            <p:strVal val="#ppt_y"/>
+                                          </p:val>
+                                        </p:tav>
+                                      </p:tavLst>
+                                    </p:anim>
+                                  </p:childTnLst>
+                                </p:cTn>
+                              </p:par>
+                            </p:childTnLst>
+                          </p:cTn>
+                        </p:par>
+                      </p:childTnLst>
+                    </p:cTn>
+                  </p:par>
+                  <p:par>
+                    <p:cTn id="27" fill="hold">
+                      <p:stCondLst>
+                        <p:cond delay="indefinite"/>
+                      </p:stCondLst>
+                      <p:childTnLst>
+                        <p:par>
+                          <p:cTn id="28" fill="hold">
+                            <p:stCondLst>
+                              <p:cond delay="0"/>
+                            </p:stCondLst>
+                            <p:childTnLst>
+                              <p:par>
+                                <p:cTn id="29" presetID="2" presetClass="entr" presetSubtype="4" fill="hold" nodeType="clickEffect">
+                                  <p:stCondLst>
+                                    <p:cond delay="0"/>
+                                  </p:stCondLst>
+                                  <p:childTnLst>
+                                    <p:set>
+                                      <p:cBhvr>
+                                        <p:cTn id="30" dur="1" fill="hold">
+                                          <p:stCondLst>
+                                            <p:cond delay="0"/>
+                                          </p:stCondLst>
+                                        </p:cTn>
+                                        <p:tgtEl>
+                                          <p:spTgt spid="3">
+                                            <p:txEl>
+                                              <p:pRg st="5" end="5"/>
+                                            </p:txEl>
+                                          </p:spTgt>
+                                        </p:tgtEl>
+                                        <p:attrNameLst>
+                                          <p:attrName>style.visibility</p:attrName>
+                                        </p:attrNameLst>
+                                      </p:cBhvr>
+                                      <p:to>
+                                        <p:strVal val="visible"/>
+                                      </p:to>
+                                    </p:set>
+                                    <p:anim calcmode="lin" valueType="num">
+                                      <p:cBhvr additive="base">
+                                        <p:cTn id="31" dur="500" fill="hold"/>
+                                        <p:tgtEl>
+                                          <p:spTgt spid="3">
+                                            <p:txEl>
+                                              <p:pRg st="5" end="5"/>
+                                            </p:txEl>
+                                          </p:spTgt>
+                                        </p:tgtEl>
+                                        <p:attrNameLst>
+                                          <p:attrName>ppt_x</p:attrName>
+                                        </p:attrNameLst>
+                                      </p:cBhvr>
+                                      <p:tavLst>
+                                        <p:tav tm="0">
+                                          <p:val>
+                                            <p:strVal val="#ppt_x"/>
+                                          </p:val>
+                                        </p:tav>
+                                        <p:tav tm="100000">
+                                          <p:val>
+                                            <p:strVal val="#ppt_x"/>
+                                          </p:val>
+                                        </p:tav>
+                                      </p:tavLst>
+                                    </p:anim>
+                                    <p:anim calcmode="lin" valueType="num">
+                                      <p:cBhvr additive="base">
+                                        <p:cTn id="32" dur="500" fill="hold"/>
+                                        <p:tgtEl>
+                                          <p:spTgt spid="3">
+                                            <p:txEl>
+                                              <p:pRg st="5" end="5"/>
+                                            </p:txEl>
+                                          </p:spTgt>
+                                        </p:tgtEl>
+                                        <p:attrNameLst>
+                                          <p:attrName>ppt_y</p:attrName>
+                                        </p:attrNameLst>
+                                      </p:cBhvr>
+                                      <p:tavLst>
+                                        <p:tav tm="0">
+                                          <p:val>
+                                            <p:strVal val="1+#ppt_h/2"/>
+                                          </p:val>
+                                        </p:tav>
+                                        <p:tav tm="100000">
+                                          <p:val>
+                                            <p:strVal val="#ppt_y"/>
+                                          </p:val>
+                                        </p:tav>
+                                      </p:tavLst>
+                                    </p:anim>
+                                  </p:childTnLst>
+                                </p:cTn>
+                              </p:par>
+                              <p:par>
+                                <p:cTn id="33" presetID="2" presetClass="entr" presetSubtype="4" fill="hold" nodeType="withEffect">
+                                  <p:stCondLst>
+                                    <p:cond delay="0"/>
+                                  </p:stCondLst>
+                                  <p:childTnLst>
+                                    <p:set>
+                                      <p:cBhvr>
+                                        <p:cTn id="34" dur="1" fill="hold">
+                                          <p:stCondLst>
+                                            <p:cond delay="0"/>
+                                          </p:stCondLst>
+                                        </p:cTn>
+                                        <p:tgtEl>
+                                          <p:spTgt spid="3">
+                                            <p:txEl>
+                                              <p:pRg st="6" end="6"/>
+                                            </p:txEl>
+                                          </p:spTgt>
+                                        </p:tgtEl>
+                                        <p:attrNameLst>
+                                          <p:attrName>style.visibility</p:attrName>
+                                        </p:attrNameLst>
+                                      </p:cBhvr>
+                                      <p:to>
+                                        <p:strVal val="visible"/>
+                                      </p:to>
+                                    </p:set>
+                                    <p:anim calcmode="lin" valueType="num">
+                                      <p:cBhvr additive="base">
+                                        <p:cTn id="35" dur="500" fill="hold"/>
+                                        <p:tgtEl>
+                                          <p:spTgt spid="3">
+                                            <p:txEl>
+                                              <p:pRg st="6" end="6"/>
+                                            </p:txEl>
+                                          </p:spTgt>
+                                        </p:tgtEl>
+                                        <p:attrNameLst>
+                                          <p:attrName>ppt_x</p:attrName>
+                                        </p:attrNameLst>
+                                      </p:cBhvr>
+                                      <p:tavLst>
+                                        <p:tav tm="0">
+                                          <p:val>
+                                            <p:strVal val="#ppt_x"/>
+                                          </p:val>
+                                        </p:tav>
+                                        <p:tav tm="100000">
+                                          <p:val>
+                                            <p:strVal val="#ppt_x"/>
+                                          </p:val>
+                                        </p:tav>
+                                      </p:tavLst>
+                                    </p:anim>
+                                    <p:anim calcmode="lin" valueType="num">
+                                      <p:cBhvr additive="base">
+                                        <p:cTn id="36" dur="500" fill="hold"/>
+                                        <p:tgtEl>
+                                          <p:spTgt spid="3">
+                                            <p:txEl>
+                                              <p:pRg st="6" end="6"/>
+                                            </p:txEl>
+                                          </p:spTgt>
+                                        </p:tgtEl>
+                                        <p:attrNameLst>
+                                          <p:attrName>ppt_y</p:attrName>
+                                        </p:attrNameLst>
+                                      </p:cBhvr>
+                                      <p:tavLst>
+                                        <p:tav tm="0">
+                                          <p:val>
+                                            <p:strVal val="1+#ppt_h/2"/>
+                                          </p:val>
+                                        </p:tav>
+                                        <p:tav tm="100000">
+                                          <p:val>
+                                            <p:strVal val="#ppt_y"/>
+                                          </p:val>
+                                        </p:tav>
+                                      </p:tavLst>
+                                    </p:anim>
+                                  </p:childTnLst>
+                                </p:cTn>
+                              </p:par>
+                            </p:childTnLst>
+                          </p:cTn>
+                        </p:par>
+                      </p:childTnLst>
+                    </p:cTn>
+                  </p:par>
+                </p:childTnLst>
+              </p:cTn>
+              <p:prevCondLst>
+                <p:cond evt="onPrev" delay="0">
+                  <p:tgtEl>
+                    <p:sldTgt/>
+                  </p:tgtEl>
+                </p:cond>
+              </p:prevCondLst>
+              <p:nextCondLst>
+                <p:cond evt="onNext" delay="0">
+                  <p:tgtEl>
+                    <p:sldTgt/>
+                  </p:tgtEl>
+                </p:cond>
+              </p:nextCondLst>
+            </p:seq>
+          </p:childTnLst>
+        </p:cTn>
+      </p:par>
+    </p:tnLst>
+  </p:timing>
 </p:sld>
 </file>
 
@@ -11362,8 +12572,8 @@
           </a:p>
         </p:txBody>
       </p:sp>
-      <mc:AlternateContent xmlns:mc="http://schemas.openxmlformats.org/markup-compatibility/2006" xmlns:a14="http://schemas.microsoft.com/office/drawing/2010/main">
-        <mc:Choice Requires="a14">
+      <mc:AlternateContent xmlns:mc="http://schemas.openxmlformats.org/markup-compatibility/2006">
+        <mc:Choice xmlns:a14="http://schemas.microsoft.com/office/drawing/2010/main" Requires="a14">
           <p:sp>
             <p:nvSpPr>
               <p:cNvPr id="3" name="Content Placeholder 2">
@@ -11393,7 +12603,7 @@
               <a:lstStyle/>
               <a:p>
                 <a:r>
-                  <a:rPr lang="en-US" sz="2200" dirty="0">
+                  <a:rPr lang="en-US" sz="2000" dirty="0">
                     <a:latin typeface="Calibri" panose="020F0502020204030204" pitchFamily="34" charset="0"/>
                     <a:ea typeface="Calibri" panose="020F0502020204030204" pitchFamily="34" charset="0"/>
                     <a:cs typeface="Calibri" panose="020F0502020204030204" pitchFamily="34" charset="0"/>
@@ -11404,7 +12614,7 @@
               <a:p>
                 <a:pPr lvl="1"/>
                 <a:r>
-                  <a:rPr lang="en-US" sz="2000" dirty="0">
+                  <a:rPr lang="en-US" sz="1800" dirty="0">
                     <a:latin typeface="Calibri" panose="020F0502020204030204" pitchFamily="34" charset="0"/>
                     <a:ea typeface="Calibri" panose="020F0502020204030204" pitchFamily="34" charset="0"/>
                     <a:cs typeface="Calibri" panose="020F0502020204030204" pitchFamily="34" charset="0"/>
@@ -11412,7 +12622,7 @@
                   <a:t>Useful when </a:t>
                 </a:r>
                 <a:r>
-                  <a:rPr lang="en-US" sz="2000" b="1" dirty="0">
+                  <a:rPr lang="en-US" sz="1800" b="1" dirty="0">
                     <a:latin typeface="Calibri" panose="020F0502020204030204" pitchFamily="34" charset="0"/>
                     <a:ea typeface="Calibri" panose="020F0502020204030204" pitchFamily="34" charset="0"/>
                     <a:cs typeface="Calibri" panose="020F0502020204030204" pitchFamily="34" charset="0"/>
@@ -11420,7 +12630,7 @@
                   <a:t>comparing two </a:t>
                 </a:r>
                 <a:r>
-                  <a:rPr lang="en-US" sz="2000" b="1" u="sng" dirty="0">
+                  <a:rPr lang="en-US" sz="1800" b="1" u="sng" dirty="0">
                     <a:latin typeface="Calibri" panose="020F0502020204030204" pitchFamily="34" charset="0"/>
                     <a:ea typeface="Calibri" panose="020F0502020204030204" pitchFamily="34" charset="0"/>
                     <a:cs typeface="Calibri" panose="020F0502020204030204" pitchFamily="34" charset="0"/>
@@ -11428,7 +12638,7 @@
                   <a:t>nested</a:t>
                 </a:r>
                 <a:r>
-                  <a:rPr lang="en-US" sz="2000" b="1" dirty="0">
+                  <a:rPr lang="en-US" sz="1800" b="1" dirty="0">
                     <a:latin typeface="Calibri" panose="020F0502020204030204" pitchFamily="34" charset="0"/>
                     <a:ea typeface="Calibri" panose="020F0502020204030204" pitchFamily="34" charset="0"/>
                     <a:cs typeface="Calibri" panose="020F0502020204030204" pitchFamily="34" charset="0"/>
@@ -11437,20 +12647,20 @@
                 </a:r>
               </a:p>
               <a:p>
-                <a:pPr lvl="1"/>
+                <a:pPr lvl="2"/>
                 <a:r>
-                  <a:rPr lang="en-US" sz="2000" dirty="0">
+                  <a:rPr lang="en-US" sz="1600" dirty="0">
                     <a:latin typeface="Calibri" panose="020F0502020204030204" pitchFamily="34" charset="0"/>
                     <a:ea typeface="Calibri" panose="020F0502020204030204" pitchFamily="34" charset="0"/>
                     <a:cs typeface="Calibri" panose="020F0502020204030204" pitchFamily="34" charset="0"/>
                   </a:rPr>
-                  <a:t>The test is based on the change in the log likelihood function from the smaller model (with fewer variables) to a larger model (with the same variables in the smaller model and one or more additional variables)</a:t>
+                  <a:t>The test is based on the change in the log-likelihood function from the smaller model (with fewer variables) to a larger model (with the same variables in the smaller model and one or more additional variables)</a:t>
                 </a:r>
               </a:p>
               <a:p>
                 <a:pPr lvl="1"/>
                 <a:r>
-                  <a:rPr lang="en-US" sz="1900" b="1" dirty="0">
+                  <a:rPr lang="en-US" sz="1800" b="1" dirty="0">
                     <a:latin typeface="Calibri" panose="020F0502020204030204" pitchFamily="34" charset="0"/>
                     <a:ea typeface="Calibri" panose="020F0502020204030204" pitchFamily="34" charset="0"/>
                     <a:cs typeface="Calibri" panose="020F0502020204030204" pitchFamily="34" charset="0"/>
@@ -11458,7 +12668,7 @@
                   <a:t>Note</a:t>
                 </a:r>
                 <a:r>
-                  <a:rPr lang="en-US" sz="1900" dirty="0">
+                  <a:rPr lang="en-US" sz="1800" dirty="0">
                     <a:latin typeface="Calibri" panose="020F0502020204030204" pitchFamily="34" charset="0"/>
                     <a:ea typeface="Calibri" panose="020F0502020204030204" pitchFamily="34" charset="0"/>
                     <a:cs typeface="Calibri" panose="020F0502020204030204" pitchFamily="34" charset="0"/>
@@ -11468,7 +12678,7 @@
               </a:p>
               <a:p>
                 <a:r>
-                  <a:rPr lang="en-US" dirty="0">
+                  <a:rPr lang="en-US" sz="2000" dirty="0">
                     <a:latin typeface="Calibri" panose="020F0502020204030204" pitchFamily="34" charset="0"/>
                     <a:ea typeface="Calibri" panose="020F0502020204030204" pitchFamily="34" charset="0"/>
                     <a:cs typeface="Calibri" panose="020F0502020204030204" pitchFamily="34" charset="0"/>
@@ -11476,7 +12686,7 @@
                   <a:t>The test is all regression coefficients are 0 </a:t>
                 </a:r>
                 <a:r>
-                  <a:rPr lang="en-US" dirty="0">
+                  <a:rPr lang="en-US" sz="2000" dirty="0">
                     <a:latin typeface="Calibri" panose="020F0502020204030204" pitchFamily="34" charset="0"/>
                     <a:ea typeface="Calibri" panose="020F0502020204030204" pitchFamily="34" charset="0"/>
                     <a:cs typeface="Calibri" panose="020F0502020204030204" pitchFamily="34" charset="0"/>
@@ -11484,7 +12694,7 @@
                   </a:rPr>
                   <a:t></a:t>
                 </a:r>
-                <a:endParaRPr lang="en-US" dirty="0">
+                <a:endParaRPr lang="en-US" sz="2000" dirty="0">
                   <a:latin typeface="Calibri" panose="020F0502020204030204" pitchFamily="34" charset="0"/>
                   <a:ea typeface="Calibri" panose="020F0502020204030204" pitchFamily="34" charset="0"/>
                   <a:cs typeface="Calibri" panose="020F0502020204030204" pitchFamily="34" charset="0"/>
@@ -11499,7 +12709,7 @@
               </a:p>
               <a:p>
                 <a:r>
-                  <a:rPr lang="en-US" dirty="0">
+                  <a:rPr lang="en-US" sz="2000" dirty="0">
                     <a:latin typeface="Calibri" panose="020F0502020204030204" pitchFamily="34" charset="0"/>
                     <a:ea typeface="Calibri" panose="020F0502020204030204" pitchFamily="34" charset="0"/>
                     <a:cs typeface="Calibri" panose="020F0502020204030204" pitchFamily="34" charset="0"/>
@@ -11512,7 +12722,7 @@
                   <a:buNone/>
                 </a:pPr>
                 <a:r>
-                  <a:rPr lang="en-US" dirty="0">
+                  <a:rPr lang="en-US" sz="1800" dirty="0">
                     <a:latin typeface="Calibri" panose="020F0502020204030204" pitchFamily="34" charset="0"/>
                     <a:ea typeface="Calibri" panose="020F0502020204030204" pitchFamily="34" charset="0"/>
                     <a:cs typeface="Calibri" panose="020F0502020204030204" pitchFamily="34" charset="0"/>
@@ -11520,7 +12730,7 @@
                   <a:t>	  -2 * </a:t>
                 </a:r>
                 <a:r>
-                  <a:rPr lang="en-US" i="1" dirty="0">
+                  <a:rPr lang="en-US" sz="1800" i="1" dirty="0">
                     <a:latin typeface="Calibri" panose="020F0502020204030204" pitchFamily="34" charset="0"/>
                     <a:ea typeface="Calibri" panose="020F0502020204030204" pitchFamily="34" charset="0"/>
                     <a:cs typeface="Calibri" panose="020F0502020204030204" pitchFamily="34" charset="0"/>
@@ -11528,7 +12738,7 @@
                   <a:t>LL</a:t>
                 </a:r>
                 <a:r>
-                  <a:rPr lang="en-US" sz="1400" dirty="0">
+                  <a:rPr lang="en-US" sz="1800" dirty="0">
                     <a:latin typeface="Calibri" panose="020F0502020204030204" pitchFamily="34" charset="0"/>
                     <a:ea typeface="Calibri" panose="020F0502020204030204" pitchFamily="34" charset="0"/>
                     <a:cs typeface="Calibri" panose="020F0502020204030204" pitchFamily="34" charset="0"/>
@@ -11536,7 +12746,7 @@
                   <a:t>[diff]</a:t>
                 </a:r>
                 <a:r>
-                  <a:rPr lang="en-US" i="1" dirty="0">
+                  <a:rPr lang="en-US" sz="1800" i="1" dirty="0">
                     <a:latin typeface="Calibri" panose="020F0502020204030204" pitchFamily="34" charset="0"/>
                     <a:ea typeface="Calibri" panose="020F0502020204030204" pitchFamily="34" charset="0"/>
                     <a:cs typeface="Calibri" panose="020F0502020204030204" pitchFamily="34" charset="0"/>
@@ -11544,7 +12754,7 @@
                   <a:t> </a:t>
                 </a:r>
                 <a:r>
-                  <a:rPr lang="en-US" dirty="0">
+                  <a:rPr lang="en-US" sz="1800" dirty="0">
                     <a:latin typeface="Calibri" panose="020F0502020204030204" pitchFamily="34" charset="0"/>
                     <a:ea typeface="Calibri" panose="020F0502020204030204" pitchFamily="34" charset="0"/>
                     <a:cs typeface="Calibri" panose="020F0502020204030204" pitchFamily="34" charset="0"/>
@@ -11556,14 +12766,14 @@
                     <m:sSub>
                       <m:sSubPr>
                         <m:ctrlPr>
-                          <a:rPr lang="en-US" i="1" smtClean="0">
+                          <a:rPr lang="en-US" sz="1800" i="1" smtClean="0">
                             <a:latin typeface="Cambria Math" panose="02040503050406030204" pitchFamily="18" charset="0"/>
                           </a:rPr>
                         </m:ctrlPr>
                       </m:sSubPr>
                       <m:e>
                         <m:r>
-                          <a:rPr lang="en-US" i="1">
+                          <a:rPr lang="en-US" sz="1800" i="1">
                             <a:latin typeface="Cambria Math" panose="02040503050406030204" pitchFamily="18" charset="0"/>
                             <a:ea typeface="Cambria Math" panose="02040503050406030204" pitchFamily="18" charset="0"/>
                           </a:rPr>
@@ -11572,7 +12782,7 @@
                       </m:e>
                       <m:sub>
                         <m:r>
-                          <a:rPr lang="en-US" b="0" i="1" smtClean="0">
+                          <a:rPr lang="en-US" sz="1800" b="0" i="1" smtClean="0">
                             <a:latin typeface="Cambria Math" panose="02040503050406030204" pitchFamily="18" charset="0"/>
                           </a:rPr>
                           <m:t>2</m:t>
@@ -11582,7 +12792,7 @@
                   </m:oMath>
                 </a14:m>
                 <a:r>
-                  <a:rPr lang="en-US" dirty="0">
+                  <a:rPr lang="en-US" sz="1800" dirty="0">
                     <a:latin typeface="Calibri" panose="020F0502020204030204" pitchFamily="34" charset="0"/>
                     <a:ea typeface="Calibri" panose="020F0502020204030204" pitchFamily="34" charset="0"/>
                     <a:cs typeface="Calibri" panose="020F0502020204030204" pitchFamily="34" charset="0"/>
@@ -11590,7 +12800,7 @@
                   <a:t> with </a:t>
                 </a:r>
                 <a:r>
-                  <a:rPr lang="en-US" i="1" dirty="0">
+                  <a:rPr lang="en-US" sz="1800" i="1" dirty="0">
                     <a:latin typeface="Calibri" panose="020F0502020204030204" pitchFamily="34" charset="0"/>
                     <a:ea typeface="Calibri" panose="020F0502020204030204" pitchFamily="34" charset="0"/>
                     <a:cs typeface="Calibri" panose="020F0502020204030204" pitchFamily="34" charset="0"/>
@@ -11598,7 +12808,7 @@
                   <a:t>df </a:t>
                 </a:r>
                 <a:r>
-                  <a:rPr lang="en-US" dirty="0">
+                  <a:rPr lang="en-US" sz="1800" dirty="0">
                     <a:latin typeface="Calibri" panose="020F0502020204030204" pitchFamily="34" charset="0"/>
                     <a:ea typeface="Calibri" panose="020F0502020204030204" pitchFamily="34" charset="0"/>
                     <a:cs typeface="Calibri" panose="020F0502020204030204" pitchFamily="34" charset="0"/>
@@ -11606,7 +12816,7 @@
                   <a:t>= </a:t>
                 </a:r>
                 <a:r>
-                  <a:rPr lang="en-US" i="1" dirty="0">
+                  <a:rPr lang="en-US" sz="1800" i="1" dirty="0">
                     <a:latin typeface="Calibri" panose="020F0502020204030204" pitchFamily="34" charset="0"/>
                     <a:ea typeface="Calibri" panose="020F0502020204030204" pitchFamily="34" charset="0"/>
                     <a:cs typeface="Calibri" panose="020F0502020204030204" pitchFamily="34" charset="0"/>
@@ -11614,7 +12824,7 @@
                   <a:t>df</a:t>
                 </a:r>
                 <a:r>
-                  <a:rPr lang="en-US" sz="2000" dirty="0">
+                  <a:rPr lang="en-US" sz="1800" dirty="0">
                     <a:latin typeface="Calibri" panose="020F0502020204030204" pitchFamily="34" charset="0"/>
                     <a:ea typeface="Calibri" panose="020F0502020204030204" pitchFamily="34" charset="0"/>
                     <a:cs typeface="Calibri" panose="020F0502020204030204" pitchFamily="34" charset="0"/>
@@ -11622,7 +12832,7 @@
                   <a:t>[larger model] </a:t>
                 </a:r>
                 <a:r>
-                  <a:rPr lang="en-US" i="1" dirty="0">
+                  <a:rPr lang="en-US" sz="1800" i="1" dirty="0">
                     <a:latin typeface="Calibri" panose="020F0502020204030204" pitchFamily="34" charset="0"/>
                     <a:ea typeface="Calibri" panose="020F0502020204030204" pitchFamily="34" charset="0"/>
                     <a:cs typeface="Calibri" panose="020F0502020204030204" pitchFamily="34" charset="0"/>
@@ -11630,7 +12840,7 @@
                   <a:t>– df</a:t>
                 </a:r>
                 <a:r>
-                  <a:rPr lang="en-US" sz="2000" dirty="0">
+                  <a:rPr lang="en-US" sz="1800" dirty="0">
                     <a:latin typeface="Calibri" panose="020F0502020204030204" pitchFamily="34" charset="0"/>
                     <a:ea typeface="Calibri" panose="020F0502020204030204" pitchFamily="34" charset="0"/>
                     <a:cs typeface="Calibri" panose="020F0502020204030204" pitchFamily="34" charset="0"/>
@@ -11640,7 +12850,7 @@
               </a:p>
               <a:p>
                 <a:r>
-                  <a:rPr lang="en-US" dirty="0">
+                  <a:rPr lang="en-US" sz="2000" dirty="0">
                     <a:latin typeface="Calibri" panose="020F0502020204030204" pitchFamily="34" charset="0"/>
                     <a:ea typeface="Calibri" panose="020F0502020204030204" pitchFamily="34" charset="0"/>
                     <a:cs typeface="Calibri" panose="020F0502020204030204" pitchFamily="34" charset="0"/>
@@ -11651,7 +12861,7 @@
             </p:txBody>
           </p:sp>
         </mc:Choice>
-        <mc:Fallback xmlns="">
+        <mc:Fallback>
           <p:sp>
             <p:nvSpPr>
               <p:cNvPr id="3" name="Content Placeholder 2">
@@ -11676,7 +12886,7 @@
               <a:blipFill>
                 <a:blip r:embed="rId3"/>
                 <a:stretch>
-                  <a:fillRect l="-929" t="-1585"/>
+                  <a:fillRect l="-464" t="-1341"/>
                 </a:stretch>
               </a:blipFill>
             </p:spPr>
@@ -11695,8 +12905,8 @@
           </p:sp>
         </mc:Fallback>
       </mc:AlternateContent>
-      <mc:AlternateContent xmlns:mc="http://schemas.openxmlformats.org/markup-compatibility/2006" xmlns:a14="http://schemas.microsoft.com/office/drawing/2010/main">
-        <mc:Choice Requires="a14">
+      <mc:AlternateContent xmlns:mc="http://schemas.openxmlformats.org/markup-compatibility/2006">
+        <mc:Choice xmlns:a14="http://schemas.microsoft.com/office/drawing/2010/main" Requires="a14">
           <p:sp>
             <p:nvSpPr>
               <p:cNvPr id="5" name="TextBox 4">
@@ -11711,7 +12921,7 @@
             </p:nvSpPr>
             <p:spPr>
               <a:xfrm>
-                <a:off x="1655039" y="3429000"/>
+                <a:off x="1655039" y="2967145"/>
                 <a:ext cx="2345386" cy="307777"/>
               </a:xfrm>
               <a:prstGeom prst="rect">
@@ -11871,7 +13081,7 @@
             </p:txBody>
           </p:sp>
         </mc:Choice>
-        <mc:Fallback xmlns="">
+        <mc:Fallback>
           <p:sp>
             <p:nvSpPr>
               <p:cNvPr id="5" name="TextBox 4">
@@ -11888,7 +13098,7 @@
             </p:nvSpPr>
             <p:spPr>
               <a:xfrm>
-                <a:off x="1655039" y="3429000"/>
+                <a:off x="1655039" y="2967145"/>
                 <a:ext cx="2345386" cy="307777"/>
               </a:xfrm>
               <a:prstGeom prst="rect">
@@ -11916,8 +13126,8 @@
           </p:sp>
         </mc:Fallback>
       </mc:AlternateContent>
-      <mc:AlternateContent xmlns:mc="http://schemas.openxmlformats.org/markup-compatibility/2006" xmlns:a14="http://schemas.microsoft.com/office/drawing/2010/main">
-        <mc:Choice Requires="a14">
+      <mc:AlternateContent xmlns:mc="http://schemas.openxmlformats.org/markup-compatibility/2006">
+        <mc:Choice xmlns:a14="http://schemas.microsoft.com/office/drawing/2010/main" Requires="a14">
           <p:sp>
             <p:nvSpPr>
               <p:cNvPr id="6" name="TextBox 5">
@@ -11932,7 +13142,7 @@
             </p:nvSpPr>
             <p:spPr>
               <a:xfrm>
-                <a:off x="4685944" y="3428811"/>
+                <a:off x="4620630" y="2976220"/>
                 <a:ext cx="2560509" cy="307777"/>
               </a:xfrm>
               <a:prstGeom prst="rect">
@@ -12042,7 +13252,7 @@
             </p:txBody>
           </p:sp>
         </mc:Choice>
-        <mc:Fallback xmlns="">
+        <mc:Fallback>
           <p:sp>
             <p:nvSpPr>
               <p:cNvPr id="6" name="TextBox 5">
@@ -12059,7 +13269,7 @@
             </p:nvSpPr>
             <p:spPr>
               <a:xfrm>
-                <a:off x="4685944" y="3428811"/>
+                <a:off x="4620630" y="2976220"/>
                 <a:ext cx="2560509" cy="307777"/>
               </a:xfrm>
               <a:prstGeom prst="rect">
@@ -12415,16 +13625,6 @@
                 <a:cs typeface="Calibri" panose="020F0502020204030204" pitchFamily="34" charset="0"/>
               </a:rPr>
               <a:t>: You don’t have the disease and we said you didn’t</a:t>
-            </a:r>
-          </a:p>
-          <a:p>
-            <a:r>
-              <a:rPr lang="en-US" dirty="0">
-                <a:latin typeface="Calibri" panose="020F0502020204030204" pitchFamily="34" charset="0"/>
-                <a:ea typeface="Calibri" panose="020F0502020204030204" pitchFamily="34" charset="0"/>
-                <a:cs typeface="Calibri" panose="020F0502020204030204" pitchFamily="34" charset="0"/>
-              </a:rPr>
-              <a:t>This should sound really familiar</a:t>
             </a:r>
           </a:p>
         </p:txBody>
@@ -12897,109 +14097,6 @@
                                           <p:spTgt spid="3">
                                             <p:txEl>
                                               <p:pRg st="5" end="5"/>
-                                            </p:txEl>
-                                          </p:spTgt>
-                                        </p:tgtEl>
-                                        <p:attrNameLst>
-                                          <p:attrName>ppt_y</p:attrName>
-                                        </p:attrNameLst>
-                                      </p:cBhvr>
-                                      <p:tavLst>
-                                        <p:tav tm="0">
-                                          <p:val>
-                                            <p:strVal val="1+#ppt_h/2"/>
-                                          </p:val>
-                                        </p:tav>
-                                        <p:tav tm="100000">
-                                          <p:val>
-                                            <p:strVal val="#ppt_y"/>
-                                          </p:val>
-                                        </p:tav>
-                                      </p:tavLst>
-                                    </p:anim>
-                                  </p:childTnLst>
-                                </p:cTn>
-                              </p:par>
-                            </p:childTnLst>
-                          </p:cTn>
-                        </p:par>
-                      </p:childTnLst>
-                    </p:cTn>
-                  </p:par>
-                  <p:par>
-                    <p:cTn id="29" fill="hold">
-                      <p:stCondLst>
-                        <p:cond delay="indefinite"/>
-                      </p:stCondLst>
-                      <p:childTnLst>
-                        <p:par>
-                          <p:cTn id="30" fill="hold">
-                            <p:stCondLst>
-                              <p:cond delay="0"/>
-                            </p:stCondLst>
-                            <p:childTnLst>
-                              <p:par>
-                                <p:cTn id="31" presetID="2" presetClass="entr" presetSubtype="4" fill="hold" nodeType="clickEffect">
-                                  <p:stCondLst>
-                                    <p:cond delay="0"/>
-                                  </p:stCondLst>
-                                  <p:childTnLst>
-                                    <p:set>
-                                      <p:cBhvr>
-                                        <p:cTn id="32" dur="1" fill="hold">
-                                          <p:stCondLst>
-                                            <p:cond delay="0"/>
-                                          </p:stCondLst>
-                                        </p:cTn>
-                                        <p:tgtEl>
-                                          <p:spTgt spid="3">
-                                            <p:txEl>
-                                              <p:pRg st="6" end="6"/>
-                                            </p:txEl>
-                                          </p:spTgt>
-                                        </p:tgtEl>
-                                        <p:attrNameLst>
-                                          <p:attrName>style.visibility</p:attrName>
-                                        </p:attrNameLst>
-                                      </p:cBhvr>
-                                      <p:to>
-                                        <p:strVal val="visible"/>
-                                      </p:to>
-                                    </p:set>
-                                    <p:anim calcmode="lin" valueType="num">
-                                      <p:cBhvr additive="base">
-                                        <p:cTn id="33" dur="500" fill="hold"/>
-                                        <p:tgtEl>
-                                          <p:spTgt spid="3">
-                                            <p:txEl>
-                                              <p:pRg st="6" end="6"/>
-                                            </p:txEl>
-                                          </p:spTgt>
-                                        </p:tgtEl>
-                                        <p:attrNameLst>
-                                          <p:attrName>ppt_x</p:attrName>
-                                        </p:attrNameLst>
-                                      </p:cBhvr>
-                                      <p:tavLst>
-                                        <p:tav tm="0">
-                                          <p:val>
-                                            <p:strVal val="#ppt_x"/>
-                                          </p:val>
-                                        </p:tav>
-                                        <p:tav tm="100000">
-                                          <p:val>
-                                            <p:strVal val="#ppt_x"/>
-                                          </p:val>
-                                        </p:tav>
-                                      </p:tavLst>
-                                    </p:anim>
-                                    <p:anim calcmode="lin" valueType="num">
-                                      <p:cBhvr additive="base">
-                                        <p:cTn id="34" dur="500" fill="hold"/>
-                                        <p:tgtEl>
-                                          <p:spTgt spid="3">
-                                            <p:txEl>
-                                              <p:pRg st="6" end="6"/>
                                             </p:txEl>
                                           </p:spTgt>
                                         </p:tgtEl>
@@ -15739,6 +16836,18 @@
           <a:p>
             <a:pPr lvl="1"/>
             <a:r>
+              <a:rPr lang="en-US" sz="1600" b="1" i="0" dirty="0">
+                <a:solidFill>
+                  <a:srgbClr val="242424"/>
+                </a:solidFill>
+                <a:effectLst/>
+                <a:latin typeface="Calibri" panose="020F0502020204030204" pitchFamily="34" charset="0"/>
+                <a:ea typeface="Calibri" panose="020F0502020204030204" pitchFamily="34" charset="0"/>
+                <a:cs typeface="Calibri" panose="020F0502020204030204" pitchFamily="34" charset="0"/>
+              </a:rPr>
+              <a:t>Nominal</a:t>
+            </a:r>
+            <a:r>
               <a:rPr lang="en-US" sz="1600" b="0" i="0" dirty="0">
                 <a:solidFill>
                   <a:srgbClr val="242424"/>
@@ -15748,7 +16857,7 @@
                 <a:ea typeface="Calibri" panose="020F0502020204030204" pitchFamily="34" charset="0"/>
                 <a:cs typeface="Calibri" panose="020F0502020204030204" pitchFamily="34" charset="0"/>
               </a:rPr>
-              <a:t>Nominal: no ordering is possible or implied in the categories (for example </a:t>
+              <a:t>: no ordering is possible or implied in the categories (for example </a:t>
             </a:r>
             <a:r>
               <a:rPr lang="en-US" sz="1600" b="0" i="1" dirty="0">
@@ -15778,6 +16887,18 @@
           <a:p>
             <a:pPr lvl="1"/>
             <a:r>
+              <a:rPr lang="en-US" sz="1600" b="1" i="0" dirty="0">
+                <a:solidFill>
+                  <a:srgbClr val="242424"/>
+                </a:solidFill>
+                <a:effectLst/>
+                <a:latin typeface="Calibri" panose="020F0502020204030204" pitchFamily="34" charset="0"/>
+                <a:ea typeface="Calibri" panose="020F0502020204030204" pitchFamily="34" charset="0"/>
+                <a:cs typeface="Calibri" panose="020F0502020204030204" pitchFamily="34" charset="0"/>
+              </a:rPr>
+              <a:t>Ordinal</a:t>
+            </a:r>
+            <a:r>
               <a:rPr lang="en-US" sz="1600" b="0" i="0" dirty="0">
                 <a:solidFill>
                   <a:srgbClr val="242424"/>
@@ -15787,7 +16908,7 @@
                 <a:ea typeface="Calibri" panose="020F0502020204030204" pitchFamily="34" charset="0"/>
                 <a:cs typeface="Calibri" panose="020F0502020204030204" pitchFamily="34" charset="0"/>
               </a:rPr>
-              <a:t>Ordinal: an order is implied in the categories (for example the health status, such as poor/reasonable/good, a Likert scale)</a:t>
+              <a:t>: an order is implied in the categories (for example the health status, such as poor/reasonable/good, a Likert scale)</a:t>
             </a:r>
           </a:p>
           <a:p>
@@ -16183,8 +17304,8 @@
           </a:p>
         </p:txBody>
       </p:sp>
-      <mc:AlternateContent xmlns:mc="http://schemas.openxmlformats.org/markup-compatibility/2006" xmlns:a14="http://schemas.microsoft.com/office/drawing/2010/main">
-        <mc:Choice Requires="a14">
+      <mc:AlternateContent xmlns:mc="http://schemas.openxmlformats.org/markup-compatibility/2006">
+        <mc:Choice xmlns:a14="http://schemas.microsoft.com/office/drawing/2010/main" Requires="a14">
           <p:sp>
             <p:nvSpPr>
               <p:cNvPr id="6" name="TextBox 5">
@@ -16286,38 +17407,7 @@
                       <m:sSup>
                         <m:sSupPr>
                           <m:ctrlPr>
-                            <a:rPr lang="en-US" sz="2400" i="1">
-                              <a:latin typeface="Cambria Math" panose="02040503050406030204" pitchFamily="18" charset="0"/>
-                            </a:rPr>
-                          </m:ctrlPr>
-                        </m:sSupPr>
-                        <m:e>
-                          <m:r>
-                            <a:rPr lang="en-US" sz="2400" i="1">
-                              <a:latin typeface="Cambria Math" panose="02040503050406030204" pitchFamily="18" charset="0"/>
-                            </a:rPr>
-                            <m:t>𝑒</m:t>
-                          </m:r>
-                        </m:e>
-                        <m:sup>
-                          <m:r>
-                            <a:rPr lang="en-US" sz="2400" i="1">
-                              <a:latin typeface="Cambria Math" panose="02040503050406030204" pitchFamily="18" charset="0"/>
-                            </a:rPr>
-                            <m:t>𝑥</m:t>
-                          </m:r>
-                        </m:sup>
-                      </m:sSup>
-                      <m:r>
-                        <a:rPr lang="en-US" sz="2400" b="0" i="1" smtClean="0">
-                          <a:latin typeface="Cambria Math" panose="02040503050406030204" pitchFamily="18" charset="0"/>
-                        </a:rPr>
-                        <m:t>+</m:t>
-                      </m:r>
-                      <m:sSup>
-                        <m:sSupPr>
-                          <m:ctrlPr>
-                            <a:rPr lang="en-US" sz="2400" i="1">
+                            <a:rPr lang="en-US" sz="2400" i="1" smtClean="0">
                               <a:latin typeface="Cambria Math" panose="02040503050406030204" pitchFamily="18" charset="0"/>
                             </a:rPr>
                           </m:ctrlPr>
@@ -16335,6 +17425,18 @@
                             <a:rPr lang="en-US" sz="2400" b="0" i="1" smtClean="0">
                               <a:latin typeface="Cambria Math" panose="02040503050406030204" pitchFamily="18" charset="0"/>
                             </a:rPr>
+                            <m:t>𝑥</m:t>
+                          </m:r>
+                          <m:r>
+                            <a:rPr lang="en-US" sz="2400" b="0" i="1" smtClean="0">
+                              <a:latin typeface="Cambria Math" panose="02040503050406030204" pitchFamily="18" charset="0"/>
+                            </a:rPr>
+                            <m:t>+</m:t>
+                          </m:r>
+                          <m:r>
+                            <a:rPr lang="en-US" sz="2400" b="0" i="1" smtClean="0">
+                              <a:latin typeface="Cambria Math" panose="02040503050406030204" pitchFamily="18" charset="0"/>
+                            </a:rPr>
                             <m:t>𝑦</m:t>
                           </m:r>
                         </m:sup>
@@ -16347,7 +17449,7 @@
             </p:txBody>
           </p:sp>
         </mc:Choice>
-        <mc:Fallback xmlns="">
+        <mc:Fallback>
           <p:sp>
             <p:nvSpPr>
               <p:cNvPr id="6" name="TextBox 5">
@@ -16373,7 +17475,7 @@
               <a:blipFill>
                 <a:blip r:embed="rId2"/>
                 <a:stretch>
-                  <a:fillRect b="-6667"/>
+                  <a:fillRect b="-1667"/>
                 </a:stretch>
               </a:blipFill>
             </p:spPr>
@@ -16815,8 +17917,8 @@
           </p:sp>
         </mc:Fallback>
       </mc:AlternateContent>
-      <mc:AlternateContent xmlns:mc="http://schemas.openxmlformats.org/markup-compatibility/2006" xmlns:a14="http://schemas.microsoft.com/office/drawing/2010/main">
-        <mc:Choice Requires="a14">
+      <mc:AlternateContent xmlns:mc="http://schemas.openxmlformats.org/markup-compatibility/2006">
+        <mc:Choice xmlns:a14="http://schemas.microsoft.com/office/drawing/2010/main" Requires="a14">
           <p:sp>
             <p:nvSpPr>
               <p:cNvPr id="10" name="TextBox 9">
@@ -16831,8 +17933,8 @@
             </p:nvSpPr>
             <p:spPr>
               <a:xfrm>
-                <a:off x="348462" y="2176321"/>
-                <a:ext cx="6486525" cy="461665"/>
+                <a:off x="528074" y="2183859"/>
+                <a:ext cx="6486525" cy="476990"/>
               </a:xfrm>
               <a:prstGeom prst="rect">
                 <a:avLst/>
@@ -16868,6 +17970,12 @@
                           <a:rPr lang="en-US" sz="2400" b="0" i="1" smtClean="0">
                             <a:latin typeface="Cambria Math" panose="02040503050406030204" pitchFamily="18" charset="0"/>
                           </a:rPr>
+                          <m:t>(</m:t>
+                        </m:r>
+                        <m:r>
+                          <a:rPr lang="en-US" sz="2400" b="0" i="1" smtClean="0">
+                            <a:latin typeface="Cambria Math" panose="02040503050406030204" pitchFamily="18" charset="0"/>
+                          </a:rPr>
                           <m:t>𝑥</m:t>
                         </m:r>
                         <m:r>
@@ -16881,6 +17989,12 @@
                             <a:latin typeface="Cambria Math" panose="02040503050406030204" pitchFamily="18" charset="0"/>
                           </a:rPr>
                           <m:t>𝑦</m:t>
+                        </m:r>
+                        <m:r>
+                          <a:rPr lang="en-US" sz="2400" b="0" i="1" smtClean="0">
+                            <a:latin typeface="Cambria Math" panose="02040503050406030204" pitchFamily="18" charset="0"/>
+                          </a:rPr>
+                          <m:t>)</m:t>
                         </m:r>
                       </m:sup>
                     </m:sSup>
@@ -16955,7 +18069,7 @@
             </p:txBody>
           </p:sp>
         </mc:Choice>
-        <mc:Fallback xmlns="">
+        <mc:Fallback>
           <p:sp>
             <p:nvSpPr>
               <p:cNvPr id="10" name="TextBox 9">
@@ -16972,8 +18086,8 @@
             </p:nvSpPr>
             <p:spPr>
               <a:xfrm>
-                <a:off x="348462" y="2176321"/>
-                <a:ext cx="6486525" cy="461665"/>
+                <a:off x="528074" y="2183859"/>
+                <a:ext cx="6486525" cy="476990"/>
               </a:xfrm>
               <a:prstGeom prst="rect">
                 <a:avLst/>
@@ -16981,7 +18095,7 @@
               <a:blipFill>
                 <a:blip r:embed="rId6"/>
                 <a:stretch>
-                  <a:fillRect t="-10526" b="-28947"/>
+                  <a:fillRect t="-6410" b="-29487"/>
                 </a:stretch>
               </a:blipFill>
             </p:spPr>
@@ -27380,7 +28494,7 @@
               <a:defRPr/>
             </a:pPr>
             <a:r>
-              <a:rPr kumimoji="0" lang="en-US" sz="2000" b="0" i="0" u="none" strike="noStrike" kern="1200" cap="none" spc="0" normalizeH="0" baseline="0" noProof="0" dirty="0">
+              <a:rPr kumimoji="0" lang="en-US" sz="2000" b="1" i="0" u="none" strike="noStrike" kern="1200" cap="none" spc="0" normalizeH="0" baseline="0" noProof="0" dirty="0">
                 <a:ln>
                   <a:noFill/>
                 </a:ln>
@@ -27524,7 +28638,7 @@
               <a:defRPr/>
             </a:pPr>
             <a:r>
-              <a:rPr kumimoji="0" lang="en-US" sz="2000" b="0" i="0" u="none" strike="noStrike" kern="1200" cap="none" spc="0" normalizeH="0" baseline="0" noProof="0" dirty="0">
+              <a:rPr kumimoji="0" lang="en-US" sz="2000" b="1" i="0" u="none" strike="noStrike" kern="1200" cap="none" spc="0" normalizeH="0" baseline="0" noProof="0" dirty="0">
                 <a:ln>
                   <a:noFill/>
                 </a:ln>
@@ -27632,7 +28746,7 @@
               <a:defRPr/>
             </a:pPr>
             <a:r>
-              <a:rPr kumimoji="0" lang="en-US" sz="2000" b="0" i="0" u="none" strike="noStrike" kern="1200" cap="none" spc="0" normalizeH="0" baseline="0" noProof="0" dirty="0">
+              <a:rPr kumimoji="0" lang="en-US" sz="2000" b="1" i="0" u="none" strike="noStrike" kern="1200" cap="none" spc="0" normalizeH="0" baseline="0" noProof="0" dirty="0">
                 <a:ln>
                   <a:noFill/>
                 </a:ln>
@@ -27704,7 +28818,7 @@
               <a:defRPr/>
             </a:pPr>
             <a:r>
-              <a:rPr kumimoji="0" lang="en-US" sz="2000" b="0" i="0" u="none" strike="noStrike" kern="1200" cap="none" spc="0" normalizeH="0" baseline="0" noProof="0" dirty="0">
+              <a:rPr kumimoji="0" lang="en-US" sz="2000" b="1" i="0" u="none" strike="noStrike" kern="1200" cap="none" spc="0" normalizeH="0" baseline="0" noProof="0" dirty="0">
                 <a:ln>
                   <a:noFill/>
                 </a:ln>
@@ -30676,10 +31790,33 @@
                 <a:ea typeface="Calibri" panose="020F0502020204030204" pitchFamily="34" charset="0"/>
                 <a:cs typeface="Calibri" panose="020F0502020204030204" pitchFamily="34" charset="0"/>
               </a:rPr>
-              <a:t>Two categories: Binary</a:t>
-            </a:r>
-            <a:r>
-              <a:rPr lang="en-US" sz="2000" b="0" i="0" dirty="0">
+              <a:t>Two categories</a:t>
+            </a:r>
+            <a:endParaRPr lang="en-US" sz="2000" b="1" dirty="0">
+              <a:solidFill>
+                <a:srgbClr val="242424"/>
+              </a:solidFill>
+              <a:latin typeface="Calibri" panose="020F0502020204030204" pitchFamily="34" charset="0"/>
+              <a:ea typeface="Calibri" panose="020F0502020204030204" pitchFamily="34" charset="0"/>
+              <a:cs typeface="Calibri" panose="020F0502020204030204" pitchFamily="34" charset="0"/>
+            </a:endParaRPr>
+          </a:p>
+          <a:p>
+            <a:pPr lvl="1"/>
+            <a:r>
+              <a:rPr lang="en-US" sz="1800" b="1" i="0" dirty="0">
+                <a:solidFill>
+                  <a:srgbClr val="242424"/>
+                </a:solidFill>
+                <a:effectLst/>
+                <a:latin typeface="Calibri" panose="020F0502020204030204" pitchFamily="34" charset="0"/>
+                <a:ea typeface="Calibri" panose="020F0502020204030204" pitchFamily="34" charset="0"/>
+                <a:cs typeface="Calibri" panose="020F0502020204030204" pitchFamily="34" charset="0"/>
+              </a:rPr>
+              <a:t>Binary</a:t>
+            </a:r>
+            <a:r>
+              <a:rPr lang="en-US" sz="1800" b="0" i="0" dirty="0">
                 <a:solidFill>
                   <a:srgbClr val="242424"/>
                 </a:solidFill>
@@ -30691,6 +31828,32 @@
               <a:t> logistic regression is used when the goal is to estimate the relationship between a </a:t>
             </a:r>
             <a:r>
+              <a:rPr lang="en-US" sz="1800" b="1" i="0" dirty="0">
+                <a:solidFill>
+                  <a:srgbClr val="242424"/>
+                </a:solidFill>
+                <a:effectLst/>
+                <a:latin typeface="Calibri" panose="020F0502020204030204" pitchFamily="34" charset="0"/>
+                <a:ea typeface="Calibri" panose="020F0502020204030204" pitchFamily="34" charset="0"/>
+                <a:cs typeface="Calibri" panose="020F0502020204030204" pitchFamily="34" charset="0"/>
+              </a:rPr>
+              <a:t>binary dependent variable</a:t>
+            </a:r>
+            <a:r>
+              <a:rPr lang="en-US" sz="1800" b="0" i="0" dirty="0">
+                <a:solidFill>
+                  <a:srgbClr val="242424"/>
+                </a:solidFill>
+                <a:effectLst/>
+                <a:latin typeface="Calibri" panose="020F0502020204030204" pitchFamily="34" charset="0"/>
+                <a:ea typeface="Calibri" panose="020F0502020204030204" pitchFamily="34" charset="0"/>
+                <a:cs typeface="Calibri" panose="020F0502020204030204" pitchFamily="34" charset="0"/>
+              </a:rPr>
+              <a:t> (= two outcomes), and one or more independent variables (of any type)</a:t>
+            </a:r>
+          </a:p>
+          <a:p>
+            <a:r>
               <a:rPr lang="en-US" sz="2000" b="1" i="0" dirty="0">
                 <a:solidFill>
                   <a:srgbClr val="242424"/>
@@ -30700,10 +31863,13 @@
                 <a:ea typeface="Calibri" panose="020F0502020204030204" pitchFamily="34" charset="0"/>
                 <a:cs typeface="Calibri" panose="020F0502020204030204" pitchFamily="34" charset="0"/>
               </a:rPr>
-              <a:t>binary dependent variable</a:t>
-            </a:r>
-            <a:r>
-              <a:rPr lang="en-US" sz="2000" b="0" i="0" dirty="0">
+              <a:t>More than two categories</a:t>
+            </a:r>
+          </a:p>
+          <a:p>
+            <a:pPr lvl="1"/>
+            <a:r>
+              <a:rPr lang="en-US" sz="1800" b="1" i="0" dirty="0">
                 <a:solidFill>
                   <a:srgbClr val="242424"/>
                 </a:solidFill>
@@ -30712,24 +31878,10 @@
                 <a:ea typeface="Calibri" panose="020F0502020204030204" pitchFamily="34" charset="0"/>
                 <a:cs typeface="Calibri" panose="020F0502020204030204" pitchFamily="34" charset="0"/>
               </a:rPr>
-              <a:t> (= two outcomes), and one or more independent variables (of any type)</a:t>
-            </a:r>
-          </a:p>
-          <a:p>
-            <a:r>
-              <a:rPr lang="en-US" sz="2000" b="1" i="0" dirty="0">
-                <a:solidFill>
-                  <a:srgbClr val="242424"/>
-                </a:solidFill>
-                <a:effectLst/>
-                <a:latin typeface="Calibri" panose="020F0502020204030204" pitchFamily="34" charset="0"/>
-                <a:ea typeface="Calibri" panose="020F0502020204030204" pitchFamily="34" charset="0"/>
-                <a:cs typeface="Calibri" panose="020F0502020204030204" pitchFamily="34" charset="0"/>
-              </a:rPr>
-              <a:t>More than two categories: Multinomial</a:t>
-            </a:r>
-            <a:r>
-              <a:rPr lang="en-US" sz="2000" b="0" i="0" dirty="0">
+              <a:t>Multinomial</a:t>
+            </a:r>
+            <a:r>
+              <a:rPr lang="en-US" sz="1800" b="0" i="0" dirty="0">
                 <a:solidFill>
                   <a:srgbClr val="242424"/>
                 </a:solidFill>
@@ -30741,7 +31893,7 @@
               <a:t> logistic regression is used when the goal is to estimate the relationship between a </a:t>
             </a:r>
             <a:r>
-              <a:rPr lang="en-US" sz="2000" b="1" i="0" dirty="0">
+              <a:rPr lang="en-US" sz="1800" b="1" i="0" dirty="0">
                 <a:solidFill>
                   <a:srgbClr val="242424"/>
                 </a:solidFill>
@@ -30753,7 +31905,7 @@
               <a:t>nominal dependent variable</a:t>
             </a:r>
             <a:r>
-              <a:rPr lang="en-US" sz="2000" b="0" i="0" dirty="0">
+              <a:rPr lang="en-US" sz="1800" b="0" i="0" dirty="0">
                 <a:solidFill>
                   <a:srgbClr val="242424"/>
                 </a:solidFill>
@@ -30765,7 +31917,7 @@
               <a:t> with three or more </a:t>
             </a:r>
             <a:r>
-              <a:rPr lang="en-US" sz="2000" b="0" i="1" dirty="0">
+              <a:rPr lang="en-US" sz="1800" b="0" i="1" dirty="0">
                 <a:solidFill>
                   <a:srgbClr val="242424"/>
                 </a:solidFill>
@@ -30777,7 +31929,7 @@
               <a:t>unordered</a:t>
             </a:r>
             <a:r>
-              <a:rPr lang="en-US" sz="2000" b="0" i="0" dirty="0">
+              <a:rPr lang="en-US" sz="1800" b="0" i="0" dirty="0">
                 <a:solidFill>
                   <a:srgbClr val="242424"/>
                 </a:solidFill>
@@ -30821,10 +31973,13 @@
                 <a:ea typeface="Calibri" panose="020F0502020204030204" pitchFamily="34" charset="0"/>
                 <a:cs typeface="Calibri" panose="020F0502020204030204" pitchFamily="34" charset="0"/>
               </a:rPr>
-              <a:t>categories: </a:t>
-            </a:r>
-            <a:r>
-              <a:rPr lang="en-US" sz="2000" b="1" i="0" dirty="0">
+              <a:t>categories</a:t>
+            </a:r>
+          </a:p>
+          <a:p>
+            <a:pPr lvl="1"/>
+            <a:r>
+              <a:rPr lang="en-US" sz="1800" b="1" i="0" dirty="0">
                 <a:solidFill>
                   <a:srgbClr val="242424"/>
                 </a:solidFill>
@@ -30836,7 +31991,7 @@
               <a:t>Ordinal</a:t>
             </a:r>
             <a:r>
-              <a:rPr lang="en-US" sz="2000" b="0" i="0" dirty="0">
+              <a:rPr lang="en-US" sz="1800" b="0" i="0" dirty="0">
                 <a:solidFill>
                   <a:srgbClr val="242424"/>
                 </a:solidFill>
@@ -30848,7 +32003,7 @@
               <a:t> logistic regression is used when the goal is to estimate the relationship between an </a:t>
             </a:r>
             <a:r>
-              <a:rPr lang="en-US" sz="2000" b="1" i="0" dirty="0">
+              <a:rPr lang="en-US" sz="1800" b="1" i="0" dirty="0">
                 <a:solidFill>
                   <a:srgbClr val="242424"/>
                 </a:solidFill>
@@ -30860,7 +32015,7 @@
               <a:t>ordinal dependent variable</a:t>
             </a:r>
             <a:r>
-              <a:rPr lang="en-US" sz="2000" b="0" i="0" dirty="0">
+              <a:rPr lang="en-US" sz="1800" b="0" i="0" dirty="0">
                 <a:solidFill>
                   <a:srgbClr val="242424"/>
                 </a:solidFill>
@@ -30872,7 +32027,7 @@
               <a:t> with three or more </a:t>
             </a:r>
             <a:r>
-              <a:rPr lang="en-US" sz="2000" b="0" i="1" dirty="0">
+              <a:rPr lang="en-US" sz="1800" b="0" i="1" dirty="0">
                 <a:solidFill>
                   <a:srgbClr val="242424"/>
                 </a:solidFill>
@@ -30884,7 +32039,7 @@
               <a:t>ordered</a:t>
             </a:r>
             <a:r>
-              <a:rPr lang="en-US" sz="2000" b="0" i="0" dirty="0">
+              <a:rPr lang="en-US" sz="1800" b="0" i="0" dirty="0">
                 <a:solidFill>
                   <a:srgbClr val="242424"/>
                 </a:solidFill>
@@ -30975,6 +32130,703 @@
   <p:clrMapOvr>
     <a:masterClrMapping/>
   </p:clrMapOvr>
+  <p:timing>
+    <p:tnLst>
+      <p:par>
+        <p:cTn id="1" dur="indefinite" restart="never" nodeType="tmRoot">
+          <p:childTnLst>
+            <p:seq concurrent="1" nextAc="seek">
+              <p:cTn id="2" dur="indefinite" nodeType="mainSeq">
+                <p:childTnLst>
+                  <p:par>
+                    <p:cTn id="3" fill="hold">
+                      <p:stCondLst>
+                        <p:cond delay="indefinite"/>
+                      </p:stCondLst>
+                      <p:childTnLst>
+                        <p:par>
+                          <p:cTn id="4" fill="hold">
+                            <p:stCondLst>
+                              <p:cond delay="0"/>
+                            </p:stCondLst>
+                            <p:childTnLst>
+                              <p:par>
+                                <p:cTn id="5" presetID="2" presetClass="entr" presetSubtype="4" fill="hold" nodeType="clickEffect">
+                                  <p:stCondLst>
+                                    <p:cond delay="0"/>
+                                  </p:stCondLst>
+                                  <p:childTnLst>
+                                    <p:set>
+                                      <p:cBhvr>
+                                        <p:cTn id="6" dur="1" fill="hold">
+                                          <p:stCondLst>
+                                            <p:cond delay="0"/>
+                                          </p:stCondLst>
+                                        </p:cTn>
+                                        <p:tgtEl>
+                                          <p:spTgt spid="3">
+                                            <p:txEl>
+                                              <p:pRg st="0" end="0"/>
+                                            </p:txEl>
+                                          </p:spTgt>
+                                        </p:tgtEl>
+                                        <p:attrNameLst>
+                                          <p:attrName>style.visibility</p:attrName>
+                                        </p:attrNameLst>
+                                      </p:cBhvr>
+                                      <p:to>
+                                        <p:strVal val="visible"/>
+                                      </p:to>
+                                    </p:set>
+                                    <p:anim calcmode="lin" valueType="num">
+                                      <p:cBhvr additive="base">
+                                        <p:cTn id="7" dur="500" fill="hold"/>
+                                        <p:tgtEl>
+                                          <p:spTgt spid="3">
+                                            <p:txEl>
+                                              <p:pRg st="0" end="0"/>
+                                            </p:txEl>
+                                          </p:spTgt>
+                                        </p:tgtEl>
+                                        <p:attrNameLst>
+                                          <p:attrName>ppt_x</p:attrName>
+                                        </p:attrNameLst>
+                                      </p:cBhvr>
+                                      <p:tavLst>
+                                        <p:tav tm="0">
+                                          <p:val>
+                                            <p:strVal val="#ppt_x"/>
+                                          </p:val>
+                                        </p:tav>
+                                        <p:tav tm="100000">
+                                          <p:val>
+                                            <p:strVal val="#ppt_x"/>
+                                          </p:val>
+                                        </p:tav>
+                                      </p:tavLst>
+                                    </p:anim>
+                                    <p:anim calcmode="lin" valueType="num">
+                                      <p:cBhvr additive="base">
+                                        <p:cTn id="8" dur="500" fill="hold"/>
+                                        <p:tgtEl>
+                                          <p:spTgt spid="3">
+                                            <p:txEl>
+                                              <p:pRg st="0" end="0"/>
+                                            </p:txEl>
+                                          </p:spTgt>
+                                        </p:tgtEl>
+                                        <p:attrNameLst>
+                                          <p:attrName>ppt_y</p:attrName>
+                                        </p:attrNameLst>
+                                      </p:cBhvr>
+                                      <p:tavLst>
+                                        <p:tav tm="0">
+                                          <p:val>
+                                            <p:strVal val="1+#ppt_h/2"/>
+                                          </p:val>
+                                        </p:tav>
+                                        <p:tav tm="100000">
+                                          <p:val>
+                                            <p:strVal val="#ppt_y"/>
+                                          </p:val>
+                                        </p:tav>
+                                      </p:tavLst>
+                                    </p:anim>
+                                  </p:childTnLst>
+                                </p:cTn>
+                              </p:par>
+                              <p:par>
+                                <p:cTn id="9" presetID="2" presetClass="entr" presetSubtype="4" fill="hold" nodeType="withEffect">
+                                  <p:stCondLst>
+                                    <p:cond delay="0"/>
+                                  </p:stCondLst>
+                                  <p:childTnLst>
+                                    <p:set>
+                                      <p:cBhvr>
+                                        <p:cTn id="10" dur="1" fill="hold">
+                                          <p:stCondLst>
+                                            <p:cond delay="0"/>
+                                          </p:stCondLst>
+                                        </p:cTn>
+                                        <p:tgtEl>
+                                          <p:spTgt spid="3">
+                                            <p:txEl>
+                                              <p:pRg st="1" end="1"/>
+                                            </p:txEl>
+                                          </p:spTgt>
+                                        </p:tgtEl>
+                                        <p:attrNameLst>
+                                          <p:attrName>style.visibility</p:attrName>
+                                        </p:attrNameLst>
+                                      </p:cBhvr>
+                                      <p:to>
+                                        <p:strVal val="visible"/>
+                                      </p:to>
+                                    </p:set>
+                                    <p:anim calcmode="lin" valueType="num">
+                                      <p:cBhvr additive="base">
+                                        <p:cTn id="11" dur="500" fill="hold"/>
+                                        <p:tgtEl>
+                                          <p:spTgt spid="3">
+                                            <p:txEl>
+                                              <p:pRg st="1" end="1"/>
+                                            </p:txEl>
+                                          </p:spTgt>
+                                        </p:tgtEl>
+                                        <p:attrNameLst>
+                                          <p:attrName>ppt_x</p:attrName>
+                                        </p:attrNameLst>
+                                      </p:cBhvr>
+                                      <p:tavLst>
+                                        <p:tav tm="0">
+                                          <p:val>
+                                            <p:strVal val="#ppt_x"/>
+                                          </p:val>
+                                        </p:tav>
+                                        <p:tav tm="100000">
+                                          <p:val>
+                                            <p:strVal val="#ppt_x"/>
+                                          </p:val>
+                                        </p:tav>
+                                      </p:tavLst>
+                                    </p:anim>
+                                    <p:anim calcmode="lin" valueType="num">
+                                      <p:cBhvr additive="base">
+                                        <p:cTn id="12" dur="500" fill="hold"/>
+                                        <p:tgtEl>
+                                          <p:spTgt spid="3">
+                                            <p:txEl>
+                                              <p:pRg st="1" end="1"/>
+                                            </p:txEl>
+                                          </p:spTgt>
+                                        </p:tgtEl>
+                                        <p:attrNameLst>
+                                          <p:attrName>ppt_y</p:attrName>
+                                        </p:attrNameLst>
+                                      </p:cBhvr>
+                                      <p:tavLst>
+                                        <p:tav tm="0">
+                                          <p:val>
+                                            <p:strVal val="1+#ppt_h/2"/>
+                                          </p:val>
+                                        </p:tav>
+                                        <p:tav tm="100000">
+                                          <p:val>
+                                            <p:strVal val="#ppt_y"/>
+                                          </p:val>
+                                        </p:tav>
+                                      </p:tavLst>
+                                    </p:anim>
+                                  </p:childTnLst>
+                                </p:cTn>
+                              </p:par>
+                            </p:childTnLst>
+                          </p:cTn>
+                        </p:par>
+                      </p:childTnLst>
+                    </p:cTn>
+                  </p:par>
+                  <p:par>
+                    <p:cTn id="13" fill="hold">
+                      <p:stCondLst>
+                        <p:cond delay="indefinite"/>
+                      </p:stCondLst>
+                      <p:childTnLst>
+                        <p:par>
+                          <p:cTn id="14" fill="hold">
+                            <p:stCondLst>
+                              <p:cond delay="0"/>
+                            </p:stCondLst>
+                            <p:childTnLst>
+                              <p:par>
+                                <p:cTn id="15" presetID="2" presetClass="entr" presetSubtype="4" fill="hold" nodeType="clickEffect">
+                                  <p:stCondLst>
+                                    <p:cond delay="0"/>
+                                  </p:stCondLst>
+                                  <p:childTnLst>
+                                    <p:set>
+                                      <p:cBhvr>
+                                        <p:cTn id="16" dur="1" fill="hold">
+                                          <p:stCondLst>
+                                            <p:cond delay="0"/>
+                                          </p:stCondLst>
+                                        </p:cTn>
+                                        <p:tgtEl>
+                                          <p:spTgt spid="3">
+                                            <p:txEl>
+                                              <p:pRg st="2" end="2"/>
+                                            </p:txEl>
+                                          </p:spTgt>
+                                        </p:tgtEl>
+                                        <p:attrNameLst>
+                                          <p:attrName>style.visibility</p:attrName>
+                                        </p:attrNameLst>
+                                      </p:cBhvr>
+                                      <p:to>
+                                        <p:strVal val="visible"/>
+                                      </p:to>
+                                    </p:set>
+                                    <p:anim calcmode="lin" valueType="num">
+                                      <p:cBhvr additive="base">
+                                        <p:cTn id="17" dur="500" fill="hold"/>
+                                        <p:tgtEl>
+                                          <p:spTgt spid="3">
+                                            <p:txEl>
+                                              <p:pRg st="2" end="2"/>
+                                            </p:txEl>
+                                          </p:spTgt>
+                                        </p:tgtEl>
+                                        <p:attrNameLst>
+                                          <p:attrName>ppt_x</p:attrName>
+                                        </p:attrNameLst>
+                                      </p:cBhvr>
+                                      <p:tavLst>
+                                        <p:tav tm="0">
+                                          <p:val>
+                                            <p:strVal val="#ppt_x"/>
+                                          </p:val>
+                                        </p:tav>
+                                        <p:tav tm="100000">
+                                          <p:val>
+                                            <p:strVal val="#ppt_x"/>
+                                          </p:val>
+                                        </p:tav>
+                                      </p:tavLst>
+                                    </p:anim>
+                                    <p:anim calcmode="lin" valueType="num">
+                                      <p:cBhvr additive="base">
+                                        <p:cTn id="18" dur="500" fill="hold"/>
+                                        <p:tgtEl>
+                                          <p:spTgt spid="3">
+                                            <p:txEl>
+                                              <p:pRg st="2" end="2"/>
+                                            </p:txEl>
+                                          </p:spTgt>
+                                        </p:tgtEl>
+                                        <p:attrNameLst>
+                                          <p:attrName>ppt_y</p:attrName>
+                                        </p:attrNameLst>
+                                      </p:cBhvr>
+                                      <p:tavLst>
+                                        <p:tav tm="0">
+                                          <p:val>
+                                            <p:strVal val="1+#ppt_h/2"/>
+                                          </p:val>
+                                        </p:tav>
+                                        <p:tav tm="100000">
+                                          <p:val>
+                                            <p:strVal val="#ppt_y"/>
+                                          </p:val>
+                                        </p:tav>
+                                      </p:tavLst>
+                                    </p:anim>
+                                  </p:childTnLst>
+                                </p:cTn>
+                              </p:par>
+                              <p:par>
+                                <p:cTn id="19" presetID="2" presetClass="entr" presetSubtype="4" fill="hold" nodeType="withEffect">
+                                  <p:stCondLst>
+                                    <p:cond delay="0"/>
+                                  </p:stCondLst>
+                                  <p:childTnLst>
+                                    <p:set>
+                                      <p:cBhvr>
+                                        <p:cTn id="20" dur="1" fill="hold">
+                                          <p:stCondLst>
+                                            <p:cond delay="0"/>
+                                          </p:stCondLst>
+                                        </p:cTn>
+                                        <p:tgtEl>
+                                          <p:spTgt spid="3">
+                                            <p:txEl>
+                                              <p:pRg st="3" end="3"/>
+                                            </p:txEl>
+                                          </p:spTgt>
+                                        </p:tgtEl>
+                                        <p:attrNameLst>
+                                          <p:attrName>style.visibility</p:attrName>
+                                        </p:attrNameLst>
+                                      </p:cBhvr>
+                                      <p:to>
+                                        <p:strVal val="visible"/>
+                                      </p:to>
+                                    </p:set>
+                                    <p:anim calcmode="lin" valueType="num">
+                                      <p:cBhvr additive="base">
+                                        <p:cTn id="21" dur="500" fill="hold"/>
+                                        <p:tgtEl>
+                                          <p:spTgt spid="3">
+                                            <p:txEl>
+                                              <p:pRg st="3" end="3"/>
+                                            </p:txEl>
+                                          </p:spTgt>
+                                        </p:tgtEl>
+                                        <p:attrNameLst>
+                                          <p:attrName>ppt_x</p:attrName>
+                                        </p:attrNameLst>
+                                      </p:cBhvr>
+                                      <p:tavLst>
+                                        <p:tav tm="0">
+                                          <p:val>
+                                            <p:strVal val="#ppt_x"/>
+                                          </p:val>
+                                        </p:tav>
+                                        <p:tav tm="100000">
+                                          <p:val>
+                                            <p:strVal val="#ppt_x"/>
+                                          </p:val>
+                                        </p:tav>
+                                      </p:tavLst>
+                                    </p:anim>
+                                    <p:anim calcmode="lin" valueType="num">
+                                      <p:cBhvr additive="base">
+                                        <p:cTn id="22" dur="500" fill="hold"/>
+                                        <p:tgtEl>
+                                          <p:spTgt spid="3">
+                                            <p:txEl>
+                                              <p:pRg st="3" end="3"/>
+                                            </p:txEl>
+                                          </p:spTgt>
+                                        </p:tgtEl>
+                                        <p:attrNameLst>
+                                          <p:attrName>ppt_y</p:attrName>
+                                        </p:attrNameLst>
+                                      </p:cBhvr>
+                                      <p:tavLst>
+                                        <p:tav tm="0">
+                                          <p:val>
+                                            <p:strVal val="1+#ppt_h/2"/>
+                                          </p:val>
+                                        </p:tav>
+                                        <p:tav tm="100000">
+                                          <p:val>
+                                            <p:strVal val="#ppt_y"/>
+                                          </p:val>
+                                        </p:tav>
+                                      </p:tavLst>
+                                    </p:anim>
+                                  </p:childTnLst>
+                                </p:cTn>
+                              </p:par>
+                            </p:childTnLst>
+                          </p:cTn>
+                        </p:par>
+                      </p:childTnLst>
+                    </p:cTn>
+                  </p:par>
+                  <p:par>
+                    <p:cTn id="23" fill="hold">
+                      <p:stCondLst>
+                        <p:cond delay="indefinite"/>
+                      </p:stCondLst>
+                      <p:childTnLst>
+                        <p:par>
+                          <p:cTn id="24" fill="hold">
+                            <p:stCondLst>
+                              <p:cond delay="0"/>
+                            </p:stCondLst>
+                            <p:childTnLst>
+                              <p:par>
+                                <p:cTn id="25" presetID="2" presetClass="entr" presetSubtype="4" fill="hold" nodeType="clickEffect">
+                                  <p:stCondLst>
+                                    <p:cond delay="0"/>
+                                  </p:stCondLst>
+                                  <p:childTnLst>
+                                    <p:set>
+                                      <p:cBhvr>
+                                        <p:cTn id="26" dur="1" fill="hold">
+                                          <p:stCondLst>
+                                            <p:cond delay="0"/>
+                                          </p:stCondLst>
+                                        </p:cTn>
+                                        <p:tgtEl>
+                                          <p:spTgt spid="3">
+                                            <p:txEl>
+                                              <p:pRg st="4" end="4"/>
+                                            </p:txEl>
+                                          </p:spTgt>
+                                        </p:tgtEl>
+                                        <p:attrNameLst>
+                                          <p:attrName>style.visibility</p:attrName>
+                                        </p:attrNameLst>
+                                      </p:cBhvr>
+                                      <p:to>
+                                        <p:strVal val="visible"/>
+                                      </p:to>
+                                    </p:set>
+                                    <p:anim calcmode="lin" valueType="num">
+                                      <p:cBhvr additive="base">
+                                        <p:cTn id="27" dur="500" fill="hold"/>
+                                        <p:tgtEl>
+                                          <p:spTgt spid="3">
+                                            <p:txEl>
+                                              <p:pRg st="4" end="4"/>
+                                            </p:txEl>
+                                          </p:spTgt>
+                                        </p:tgtEl>
+                                        <p:attrNameLst>
+                                          <p:attrName>ppt_x</p:attrName>
+                                        </p:attrNameLst>
+                                      </p:cBhvr>
+                                      <p:tavLst>
+                                        <p:tav tm="0">
+                                          <p:val>
+                                            <p:strVal val="#ppt_x"/>
+                                          </p:val>
+                                        </p:tav>
+                                        <p:tav tm="100000">
+                                          <p:val>
+                                            <p:strVal val="#ppt_x"/>
+                                          </p:val>
+                                        </p:tav>
+                                      </p:tavLst>
+                                    </p:anim>
+                                    <p:anim calcmode="lin" valueType="num">
+                                      <p:cBhvr additive="base">
+                                        <p:cTn id="28" dur="500" fill="hold"/>
+                                        <p:tgtEl>
+                                          <p:spTgt spid="3">
+                                            <p:txEl>
+                                              <p:pRg st="4" end="4"/>
+                                            </p:txEl>
+                                          </p:spTgt>
+                                        </p:tgtEl>
+                                        <p:attrNameLst>
+                                          <p:attrName>ppt_y</p:attrName>
+                                        </p:attrNameLst>
+                                      </p:cBhvr>
+                                      <p:tavLst>
+                                        <p:tav tm="0">
+                                          <p:val>
+                                            <p:strVal val="1+#ppt_h/2"/>
+                                          </p:val>
+                                        </p:tav>
+                                        <p:tav tm="100000">
+                                          <p:val>
+                                            <p:strVal val="#ppt_y"/>
+                                          </p:val>
+                                        </p:tav>
+                                      </p:tavLst>
+                                    </p:anim>
+                                  </p:childTnLst>
+                                </p:cTn>
+                              </p:par>
+                              <p:par>
+                                <p:cTn id="29" presetID="2" presetClass="entr" presetSubtype="4" fill="hold" nodeType="withEffect">
+                                  <p:stCondLst>
+                                    <p:cond delay="0"/>
+                                  </p:stCondLst>
+                                  <p:childTnLst>
+                                    <p:set>
+                                      <p:cBhvr>
+                                        <p:cTn id="30" dur="1" fill="hold">
+                                          <p:stCondLst>
+                                            <p:cond delay="0"/>
+                                          </p:stCondLst>
+                                        </p:cTn>
+                                        <p:tgtEl>
+                                          <p:spTgt spid="3">
+                                            <p:txEl>
+                                              <p:pRg st="5" end="5"/>
+                                            </p:txEl>
+                                          </p:spTgt>
+                                        </p:tgtEl>
+                                        <p:attrNameLst>
+                                          <p:attrName>style.visibility</p:attrName>
+                                        </p:attrNameLst>
+                                      </p:cBhvr>
+                                      <p:to>
+                                        <p:strVal val="visible"/>
+                                      </p:to>
+                                    </p:set>
+                                    <p:anim calcmode="lin" valueType="num">
+                                      <p:cBhvr additive="base">
+                                        <p:cTn id="31" dur="500" fill="hold"/>
+                                        <p:tgtEl>
+                                          <p:spTgt spid="3">
+                                            <p:txEl>
+                                              <p:pRg st="5" end="5"/>
+                                            </p:txEl>
+                                          </p:spTgt>
+                                        </p:tgtEl>
+                                        <p:attrNameLst>
+                                          <p:attrName>ppt_x</p:attrName>
+                                        </p:attrNameLst>
+                                      </p:cBhvr>
+                                      <p:tavLst>
+                                        <p:tav tm="0">
+                                          <p:val>
+                                            <p:strVal val="#ppt_x"/>
+                                          </p:val>
+                                        </p:tav>
+                                        <p:tav tm="100000">
+                                          <p:val>
+                                            <p:strVal val="#ppt_x"/>
+                                          </p:val>
+                                        </p:tav>
+                                      </p:tavLst>
+                                    </p:anim>
+                                    <p:anim calcmode="lin" valueType="num">
+                                      <p:cBhvr additive="base">
+                                        <p:cTn id="32" dur="500" fill="hold"/>
+                                        <p:tgtEl>
+                                          <p:spTgt spid="3">
+                                            <p:txEl>
+                                              <p:pRg st="5" end="5"/>
+                                            </p:txEl>
+                                          </p:spTgt>
+                                        </p:tgtEl>
+                                        <p:attrNameLst>
+                                          <p:attrName>ppt_y</p:attrName>
+                                        </p:attrNameLst>
+                                      </p:cBhvr>
+                                      <p:tavLst>
+                                        <p:tav tm="0">
+                                          <p:val>
+                                            <p:strVal val="1+#ppt_h/2"/>
+                                          </p:val>
+                                        </p:tav>
+                                        <p:tav tm="100000">
+                                          <p:val>
+                                            <p:strVal val="#ppt_y"/>
+                                          </p:val>
+                                        </p:tav>
+                                      </p:tavLst>
+                                    </p:anim>
+                                  </p:childTnLst>
+                                </p:cTn>
+                              </p:par>
+                            </p:childTnLst>
+                          </p:cTn>
+                        </p:par>
+                      </p:childTnLst>
+                    </p:cTn>
+                  </p:par>
+                  <p:par>
+                    <p:cTn id="33" fill="hold">
+                      <p:stCondLst>
+                        <p:cond delay="indefinite"/>
+                      </p:stCondLst>
+                      <p:childTnLst>
+                        <p:par>
+                          <p:cTn id="34" fill="hold">
+                            <p:stCondLst>
+                              <p:cond delay="0"/>
+                            </p:stCondLst>
+                            <p:childTnLst>
+                              <p:par>
+                                <p:cTn id="35" presetID="2" presetClass="entr" presetSubtype="4" fill="hold" nodeType="clickEffect">
+                                  <p:stCondLst>
+                                    <p:cond delay="0"/>
+                                  </p:stCondLst>
+                                  <p:childTnLst>
+                                    <p:set>
+                                      <p:cBhvr>
+                                        <p:cTn id="36" dur="1" fill="hold">
+                                          <p:stCondLst>
+                                            <p:cond delay="0"/>
+                                          </p:stCondLst>
+                                        </p:cTn>
+                                        <p:tgtEl>
+                                          <p:spTgt spid="3">
+                                            <p:txEl>
+                                              <p:pRg st="6" end="6"/>
+                                            </p:txEl>
+                                          </p:spTgt>
+                                        </p:tgtEl>
+                                        <p:attrNameLst>
+                                          <p:attrName>style.visibility</p:attrName>
+                                        </p:attrNameLst>
+                                      </p:cBhvr>
+                                      <p:to>
+                                        <p:strVal val="visible"/>
+                                      </p:to>
+                                    </p:set>
+                                    <p:anim calcmode="lin" valueType="num">
+                                      <p:cBhvr additive="base">
+                                        <p:cTn id="37" dur="500" fill="hold"/>
+                                        <p:tgtEl>
+                                          <p:spTgt spid="3">
+                                            <p:txEl>
+                                              <p:pRg st="6" end="6"/>
+                                            </p:txEl>
+                                          </p:spTgt>
+                                        </p:tgtEl>
+                                        <p:attrNameLst>
+                                          <p:attrName>ppt_x</p:attrName>
+                                        </p:attrNameLst>
+                                      </p:cBhvr>
+                                      <p:tavLst>
+                                        <p:tav tm="0">
+                                          <p:val>
+                                            <p:strVal val="#ppt_x"/>
+                                          </p:val>
+                                        </p:tav>
+                                        <p:tav tm="100000">
+                                          <p:val>
+                                            <p:strVal val="#ppt_x"/>
+                                          </p:val>
+                                        </p:tav>
+                                      </p:tavLst>
+                                    </p:anim>
+                                    <p:anim calcmode="lin" valueType="num">
+                                      <p:cBhvr additive="base">
+                                        <p:cTn id="38" dur="500" fill="hold"/>
+                                        <p:tgtEl>
+                                          <p:spTgt spid="3">
+                                            <p:txEl>
+                                              <p:pRg st="6" end="6"/>
+                                            </p:txEl>
+                                          </p:spTgt>
+                                        </p:tgtEl>
+                                        <p:attrNameLst>
+                                          <p:attrName>ppt_y</p:attrName>
+                                        </p:attrNameLst>
+                                      </p:cBhvr>
+                                      <p:tavLst>
+                                        <p:tav tm="0">
+                                          <p:val>
+                                            <p:strVal val="1+#ppt_h/2"/>
+                                          </p:val>
+                                        </p:tav>
+                                        <p:tav tm="100000">
+                                          <p:val>
+                                            <p:strVal val="#ppt_y"/>
+                                          </p:val>
+                                        </p:tav>
+                                      </p:tavLst>
+                                    </p:anim>
+                                  </p:childTnLst>
+                                </p:cTn>
+                              </p:par>
+                            </p:childTnLst>
+                          </p:cTn>
+                        </p:par>
+                      </p:childTnLst>
+                    </p:cTn>
+                  </p:par>
+                </p:childTnLst>
+              </p:cTn>
+              <p:prevCondLst>
+                <p:cond evt="onPrev" delay="0">
+                  <p:tgtEl>
+                    <p:sldTgt/>
+                  </p:tgtEl>
+                </p:cond>
+              </p:prevCondLst>
+              <p:nextCondLst>
+                <p:cond evt="onNext" delay="0">
+                  <p:tgtEl>
+                    <p:sldTgt/>
+                  </p:tgtEl>
+                </p:cond>
+              </p:nextCondLst>
+            </p:seq>
+          </p:childTnLst>
+        </p:cTn>
+      </p:par>
+    </p:tnLst>
+  </p:timing>
 </p:sld>
 </file>
 
@@ -38714,130 +40566,6 @@
   <p:clrMapOvr>
     <a:masterClrMapping/>
   </p:clrMapOvr>
-  <p:timing>
-    <p:tnLst>
-      <p:par>
-        <p:cTn id="1" dur="indefinite" restart="never" nodeType="tmRoot">
-          <p:childTnLst>
-            <p:seq concurrent="1" nextAc="seek">
-              <p:cTn id="2" dur="indefinite" nodeType="mainSeq">
-                <p:childTnLst>
-                  <p:par>
-                    <p:cTn id="3" fill="hold">
-                      <p:stCondLst>
-                        <p:cond delay="indefinite"/>
-                      </p:stCondLst>
-                      <p:childTnLst>
-                        <p:par>
-                          <p:cTn id="4" fill="hold">
-                            <p:stCondLst>
-                              <p:cond delay="0"/>
-                            </p:stCondLst>
-                            <p:childTnLst>
-                              <p:par>
-                                <p:cTn id="5" presetID="2" presetClass="entr" presetSubtype="4" fill="hold" grpId="0" nodeType="clickEffect">
-                                  <p:stCondLst>
-                                    <p:cond delay="0"/>
-                                  </p:stCondLst>
-                                  <p:childTnLst>
-                                    <p:set>
-                                      <p:cBhvr>
-                                        <p:cTn id="6" dur="1" fill="hold">
-                                          <p:stCondLst>
-                                            <p:cond delay="0"/>
-                                          </p:stCondLst>
-                                        </p:cTn>
-                                        <p:tgtEl>
-                                          <p:spTgt spid="2"/>
-                                        </p:tgtEl>
-                                        <p:attrNameLst>
-                                          <p:attrName>style.visibility</p:attrName>
-                                        </p:attrNameLst>
-                                      </p:cBhvr>
-                                      <p:to>
-                                        <p:strVal val="visible"/>
-                                      </p:to>
-                                    </p:set>
-                                    <p:anim calcmode="lin" valueType="num">
-                                      <p:cBhvr additive="base">
-                                        <p:cTn id="7" dur="500" fill="hold"/>
-                                        <p:tgtEl>
-                                          <p:spTgt spid="2"/>
-                                        </p:tgtEl>
-                                        <p:attrNameLst>
-                                          <p:attrName>ppt_x</p:attrName>
-                                        </p:attrNameLst>
-                                      </p:cBhvr>
-                                      <p:tavLst>
-                                        <p:tav tm="0">
-                                          <p:val>
-                                            <p:strVal val="#ppt_x"/>
-                                          </p:val>
-                                        </p:tav>
-                                        <p:tav tm="100000">
-                                          <p:val>
-                                            <p:strVal val="#ppt_x"/>
-                                          </p:val>
-                                        </p:tav>
-                                      </p:tavLst>
-                                    </p:anim>
-                                    <p:anim calcmode="lin" valueType="num">
-                                      <p:cBhvr additive="base">
-                                        <p:cTn id="8" dur="500" fill="hold"/>
-                                        <p:tgtEl>
-                                          <p:spTgt spid="2"/>
-                                        </p:tgtEl>
-                                        <p:attrNameLst>
-                                          <p:attrName>ppt_y</p:attrName>
-                                        </p:attrNameLst>
-                                      </p:cBhvr>
-                                      <p:tavLst>
-                                        <p:tav tm="0">
-                                          <p:val>
-                                            <p:strVal val="1+#ppt_h/2"/>
-                                          </p:val>
-                                        </p:tav>
-                                        <p:tav tm="100000">
-                                          <p:val>
-                                            <p:strVal val="#ppt_y"/>
-                                          </p:val>
-                                        </p:tav>
-                                      </p:tavLst>
-                                    </p:anim>
-                                  </p:childTnLst>
-                                </p:cTn>
-                              </p:par>
-                            </p:childTnLst>
-                          </p:cTn>
-                        </p:par>
-                      </p:childTnLst>
-                    </p:cTn>
-                  </p:par>
-                </p:childTnLst>
-              </p:cTn>
-              <p:prevCondLst>
-                <p:cond evt="onPrev" delay="0">
-                  <p:tgtEl>
-                    <p:sldTgt/>
-                  </p:tgtEl>
-                </p:cond>
-              </p:prevCondLst>
-              <p:nextCondLst>
-                <p:cond evt="onNext" delay="0">
-                  <p:tgtEl>
-                    <p:sldTgt/>
-                  </p:tgtEl>
-                </p:cond>
-              </p:nextCondLst>
-            </p:seq>
-          </p:childTnLst>
-        </p:cTn>
-      </p:par>
-    </p:tnLst>
-    <p:bldLst>
-      <p:bldP spid="2" grpId="0"/>
-    </p:bldLst>
-  </p:timing>
 </p:sld>
 </file>
 
@@ -39157,7 +40885,7 @@
               </a:spcAft>
             </a:pPr>
             <a:r>
-              <a:rPr lang="en-US" altLang="en-US" sz="2160" kern="1200" dirty="0">
+              <a:rPr lang="en-US" altLang="en-US" sz="2000" kern="1200" dirty="0">
                 <a:solidFill>
                   <a:schemeClr val="tx1"/>
                 </a:solidFill>
@@ -39200,8 +40928,8 @@
         </p:nvSpPr>
         <p:spPr bwMode="auto">
           <a:xfrm>
-            <a:off x="435935" y="1822389"/>
-            <a:ext cx="9956523" cy="753376"/>
+            <a:off x="435935" y="1522770"/>
+            <a:ext cx="9956523" cy="400110"/>
           </a:xfrm>
           <a:prstGeom prst="rect">
             <a:avLst/>
@@ -39348,7 +41076,7 @@
               </a:spcAft>
             </a:pPr>
             <a:r>
-              <a:rPr lang="en-US" altLang="en-US" sz="2160" kern="1200" dirty="0">
+              <a:rPr lang="en-US" altLang="en-US" sz="2000" kern="1200" dirty="0">
                 <a:solidFill>
                   <a:schemeClr val="tx1"/>
                 </a:solidFill>
@@ -39359,7 +41087,7 @@
               <a:t>In ordinary regression the model predicts the mean of </a:t>
             </a:r>
             <a:r>
-              <a:rPr lang="en-US" altLang="en-US" sz="2160" i="1" kern="1200" dirty="0">
+              <a:rPr lang="en-US" altLang="en-US" sz="2000" i="1" kern="1200" dirty="0">
                 <a:solidFill>
                   <a:schemeClr val="tx1"/>
                 </a:solidFill>
@@ -39370,7 +41098,7 @@
               <a:t>Y</a:t>
             </a:r>
             <a:r>
-              <a:rPr lang="en-US" altLang="en-US" sz="2160" kern="1200" dirty="0">
+              <a:rPr lang="en-US" altLang="en-US" sz="2000" kern="1200" dirty="0">
                 <a:solidFill>
                   <a:schemeClr val="tx1"/>
                 </a:solidFill>
@@ -39380,7 +41108,7 @@
               </a:rPr>
               <a:t> for any combination of predictors</a:t>
             </a:r>
-            <a:endParaRPr lang="en-US" altLang="en-US" dirty="0">
+            <a:endParaRPr lang="en-US" altLang="en-US" sz="2000" dirty="0">
               <a:latin typeface="Calibri" panose="020F0502020204030204" pitchFamily="34" charset="0"/>
               <a:ea typeface="Calibri" panose="020F0502020204030204" pitchFamily="34" charset="0"/>
               <a:cs typeface="Calibri" panose="020F0502020204030204" pitchFamily="34" charset="0"/>
@@ -39388,8 +41116,8 @@
           </a:p>
         </p:txBody>
       </p:sp>
-      <mc:AlternateContent xmlns:mc="http://schemas.openxmlformats.org/markup-compatibility/2006" xmlns:a14="http://schemas.microsoft.com/office/drawing/2010/main">
-        <mc:Choice Requires="a14">
+      <mc:AlternateContent xmlns:mc="http://schemas.openxmlformats.org/markup-compatibility/2006">
+        <mc:Choice xmlns:a14="http://schemas.microsoft.com/office/drawing/2010/main" Requires="a14">
           <p:sp>
             <p:nvSpPr>
               <p:cNvPr id="5" name="Object 2">
@@ -39404,7 +41132,7 @@
             </p:nvSpPr>
             <p:spPr bwMode="auto">
               <a:xfrm>
-                <a:off x="5554563" y="3710098"/>
+                <a:off x="5452686" y="2840746"/>
                 <a:ext cx="4939772" cy="673738"/>
               </a:xfrm>
               <a:prstGeom prst="rect">
@@ -39832,7 +41560,7 @@
                     </m:oMath>
                   </m:oMathPara>
                 </a14:m>
-                <a:endParaRPr lang="en-US" sz="2000">
+                <a:endParaRPr lang="en-US" sz="2000" dirty="0">
                   <a:latin typeface="Calibri" panose="020F0502020204030204" pitchFamily="34" charset="0"/>
                   <a:ea typeface="Calibri" panose="020F0502020204030204" pitchFamily="34" charset="0"/>
                   <a:cs typeface="Calibri" panose="020F0502020204030204" pitchFamily="34" charset="0"/>
@@ -39841,7 +41569,7 @@
             </p:txBody>
           </p:sp>
         </mc:Choice>
-        <mc:Fallback xmlns="">
+        <mc:Fallback>
           <p:sp>
             <p:nvSpPr>
               <p:cNvPr id="5" name="Object 2">
@@ -39858,7 +41586,7 @@
             </p:nvSpPr>
             <p:spPr bwMode="auto">
               <a:xfrm>
-                <a:off x="5554563" y="3710098"/>
+                <a:off x="5452686" y="2840746"/>
                 <a:ext cx="4939772" cy="673738"/>
               </a:xfrm>
               <a:prstGeom prst="rect">
@@ -39905,8 +41633,8 @@
         </p:nvSpPr>
         <p:spPr bwMode="auto">
           <a:xfrm>
-            <a:off x="435935" y="2857859"/>
-            <a:ext cx="4827529" cy="1089529"/>
+            <a:off x="435935" y="2106504"/>
+            <a:ext cx="4827529" cy="923330"/>
           </a:xfrm>
           <a:prstGeom prst="rect">
             <a:avLst/>
@@ -40053,7 +41781,7 @@
               </a:spcAft>
             </a:pPr>
             <a:r>
-              <a:rPr lang="en-US" altLang="en-US" sz="2160" kern="1200" dirty="0">
+              <a:rPr lang="en-US" altLang="en-US" sz="1800" kern="1200" dirty="0">
                 <a:solidFill>
                   <a:schemeClr val="tx1"/>
                 </a:solidFill>
@@ -40064,7 +41792,7 @@
               <a:t>Goal of logistic regression: Predict the </a:t>
             </a:r>
             <a:r>
-              <a:rPr lang="ja-JP" altLang="en-US" sz="2160" kern="1200" dirty="0">
+              <a:rPr lang="ja-JP" altLang="en-US" sz="1800" kern="1200" dirty="0">
                 <a:solidFill>
                   <a:schemeClr val="tx1"/>
                 </a:solidFill>
@@ -40075,7 +41803,7 @@
               <a:t>“</a:t>
             </a:r>
             <a:r>
-              <a:rPr lang="en-US" altLang="ja-JP" sz="2160" kern="1200" dirty="0">
+              <a:rPr lang="en-US" altLang="ja-JP" sz="1800" kern="1200" dirty="0">
                 <a:solidFill>
                   <a:schemeClr val="tx1"/>
                 </a:solidFill>
@@ -40086,7 +41814,7 @@
               <a:t>true</a:t>
             </a:r>
             <a:r>
-              <a:rPr lang="ja-JP" altLang="en-US" sz="2160" kern="1200" dirty="0">
+              <a:rPr lang="ja-JP" altLang="en-US" sz="1800" kern="1200" dirty="0">
                 <a:solidFill>
                   <a:schemeClr val="tx1"/>
                 </a:solidFill>
@@ -40097,7 +41825,7 @@
               <a:t>”</a:t>
             </a:r>
             <a:r>
-              <a:rPr lang="en-US" altLang="ja-JP" sz="2160" kern="1200" dirty="0">
+              <a:rPr lang="en-US" altLang="ja-JP" sz="1800" kern="1200" dirty="0">
                 <a:solidFill>
                   <a:schemeClr val="tx1"/>
                 </a:solidFill>
@@ -40108,7 +41836,7 @@
               <a:t> proportion of success, </a:t>
             </a:r>
             <a:r>
-              <a:rPr lang="en-US" altLang="ja-JP" sz="2160" i="1" kern="1200" dirty="0">
+              <a:rPr lang="en-US" altLang="ja-JP" sz="1800" i="1" kern="1200" dirty="0">
                 <a:solidFill>
                   <a:schemeClr val="tx1"/>
                 </a:solidFill>
@@ -40119,7 +41847,7 @@
               <a:t>p</a:t>
             </a:r>
             <a:r>
-              <a:rPr lang="en-US" altLang="ja-JP" sz="2160" kern="1200" dirty="0">
+              <a:rPr lang="en-US" altLang="ja-JP" sz="1800" kern="1200" dirty="0">
                 <a:solidFill>
                   <a:schemeClr val="tx1"/>
                 </a:solidFill>
@@ -40129,7 +41857,7 @@
               </a:rPr>
               <a:t>, at any value of the predictor. </a:t>
             </a:r>
-            <a:endParaRPr lang="en-US" altLang="en-US" dirty="0">
+            <a:endParaRPr lang="en-US" altLang="en-US" sz="2000" dirty="0">
               <a:latin typeface="Calibri" panose="020F0502020204030204" pitchFamily="34" charset="0"/>
               <a:ea typeface="Calibri" panose="020F0502020204030204" pitchFamily="34" charset="0"/>
               <a:cs typeface="Calibri" panose="020F0502020204030204" pitchFamily="34" charset="0"/>
@@ -40153,8 +41881,8 @@
         </p:nvSpPr>
         <p:spPr bwMode="auto">
           <a:xfrm>
-            <a:off x="5554562" y="2857859"/>
-            <a:ext cx="4467027" cy="753376"/>
+            <a:off x="5325888" y="2109196"/>
+            <a:ext cx="4467027" cy="646331"/>
           </a:xfrm>
           <a:prstGeom prst="rect">
             <a:avLst/>
@@ -40301,72 +42029,66 @@
               </a:spcAft>
             </a:pPr>
             <a:r>
-              <a:rPr lang="en-US" altLang="en-US" sz="2160" kern="1200" dirty="0">
+              <a:rPr lang="en-US" altLang="en-US" sz="1800" kern="1200" dirty="0">
                 <a:solidFill>
                   <a:schemeClr val="tx1"/>
                 </a:solidFill>
                 <a:latin typeface="Calibri" panose="020F0502020204030204" pitchFamily="34" charset="0"/>
-                <a:ea typeface="ＭＳ Ｐゴシック" panose="020B0600070205080204" pitchFamily="34" charset="-128"/>
                 <a:cs typeface="Calibri" panose="020F0502020204030204" pitchFamily="34" charset="0"/>
               </a:rPr>
               <a:t>What’</a:t>
             </a:r>
             <a:r>
-              <a:rPr lang="en-US" altLang="ja-JP" sz="2160" kern="1200" dirty="0">
+              <a:rPr lang="en-US" altLang="ja-JP" sz="1800" kern="1200" dirty="0">
                 <a:solidFill>
                   <a:schemeClr val="tx1"/>
                 </a:solidFill>
                 <a:latin typeface="Calibri" panose="020F0502020204030204" pitchFamily="34" charset="0"/>
-                <a:ea typeface="ＭＳ Ｐゴシック" panose="020B0600070205080204" pitchFamily="34" charset="-128"/>
                 <a:cs typeface="Calibri" panose="020F0502020204030204" pitchFamily="34" charset="0"/>
               </a:rPr>
               <a:t>s the </a:t>
             </a:r>
             <a:r>
-              <a:rPr lang="ja-JP" altLang="en-US" sz="2160" kern="1200" dirty="0">
+              <a:rPr lang="ja-JP" altLang="en-US" sz="1800" kern="1200" dirty="0">
                 <a:solidFill>
                   <a:schemeClr val="tx1"/>
                 </a:solidFill>
                 <a:latin typeface="Calibri" panose="020F0502020204030204" pitchFamily="34" charset="0"/>
-                <a:ea typeface="ＭＳ Ｐゴシック" panose="020B0600070205080204" pitchFamily="34" charset="-128"/>
                 <a:cs typeface="Calibri" panose="020F0502020204030204" pitchFamily="34" charset="0"/>
               </a:rPr>
               <a:t>“</a:t>
             </a:r>
             <a:r>
-              <a:rPr lang="en-US" altLang="ja-JP" sz="2160" kern="1200" dirty="0">
+              <a:rPr lang="en-US" altLang="ja-JP" sz="1800" kern="1200" dirty="0">
                 <a:solidFill>
                   <a:schemeClr val="tx1"/>
                 </a:solidFill>
                 <a:latin typeface="Calibri" panose="020F0502020204030204" pitchFamily="34" charset="0"/>
-                <a:ea typeface="ＭＳ Ｐゴシック" panose="020B0600070205080204" pitchFamily="34" charset="-128"/>
                 <a:cs typeface="Calibri" panose="020F0502020204030204" pitchFamily="34" charset="0"/>
               </a:rPr>
               <a:t>mean</a:t>
             </a:r>
             <a:r>
-              <a:rPr lang="ja-JP" altLang="en-US" sz="2160" kern="1200" dirty="0">
+              <a:rPr lang="ja-JP" altLang="en-US" sz="1800" kern="1200" dirty="0">
                 <a:solidFill>
                   <a:schemeClr val="tx1"/>
                 </a:solidFill>
                 <a:latin typeface="Calibri" panose="020F0502020204030204" pitchFamily="34" charset="0"/>
-                <a:ea typeface="ＭＳ Ｐゴシック" panose="020B0600070205080204" pitchFamily="34" charset="-128"/>
                 <a:cs typeface="Calibri" panose="020F0502020204030204" pitchFamily="34" charset="0"/>
               </a:rPr>
               <a:t>”</a:t>
             </a:r>
             <a:r>
-              <a:rPr lang="en-US" altLang="ja-JP" sz="2160" kern="1200" dirty="0">
+              <a:rPr lang="en-US" altLang="ja-JP" sz="1800" kern="1200" dirty="0">
                 <a:solidFill>
                   <a:schemeClr val="tx1"/>
                 </a:solidFill>
                 <a:latin typeface="Calibri" panose="020F0502020204030204" pitchFamily="34" charset="0"/>
-                <a:ea typeface="ＭＳ Ｐゴシック" panose="020B0600070205080204" pitchFamily="34" charset="-128"/>
                 <a:cs typeface="Calibri" panose="020F0502020204030204" pitchFamily="34" charset="0"/>
               </a:rPr>
               <a:t> of a 0/1 indicator variable?</a:t>
             </a:r>
-            <a:endParaRPr lang="en-US" altLang="en-US" dirty="0">
+            <a:endParaRPr lang="en-US" altLang="en-US" sz="1800" dirty="0">
               <a:latin typeface="Calibri" panose="020F0502020204030204" pitchFamily="34" charset="0"/>
               <a:ea typeface="Calibri" panose="020F0502020204030204" pitchFamily="34" charset="0"/>
               <a:cs typeface="Calibri" panose="020F0502020204030204" pitchFamily="34" charset="0"/>
@@ -40388,7 +42110,7 @@
         </p:nvSpPr>
         <p:spPr>
           <a:xfrm>
-            <a:off x="435935" y="4036445"/>
+            <a:off x="435935" y="2992949"/>
             <a:ext cx="2790740" cy="369332"/>
           </a:xfrm>
           <a:prstGeom prst="rect">
@@ -40408,7 +42130,7 @@
               </a:spcAft>
             </a:pPr>
             <a:r>
-              <a:rPr lang="en-US" altLang="en-US" i="1" kern="1200">
+              <a:rPr lang="en-US" altLang="en-US" i="1" kern="1200" dirty="0">
                 <a:solidFill>
                   <a:schemeClr val="tx1"/>
                 </a:solidFill>
@@ -40419,7 +42141,7 @@
               <a:t>p</a:t>
             </a:r>
             <a:r>
-              <a:rPr lang="en-US" altLang="en-US" kern="1200">
+              <a:rPr lang="en-US" altLang="en-US" kern="1200" dirty="0">
                 <a:solidFill>
                   <a:schemeClr val="tx1"/>
                 </a:solidFill>
@@ -40430,7 +42152,7 @@
               <a:t> = Proportion of </a:t>
             </a:r>
             <a:r>
-              <a:rPr lang="ja-JP" altLang="en-US" kern="1200">
+              <a:rPr lang="ja-JP" altLang="en-US" kern="1200" dirty="0">
                 <a:solidFill>
                   <a:schemeClr val="tx1"/>
                 </a:solidFill>
@@ -40441,7 +42163,7 @@
               <a:t>“</a:t>
             </a:r>
             <a:r>
-              <a:rPr lang="en-US" altLang="ja-JP" kern="1200">
+              <a:rPr lang="en-US" altLang="ja-JP" kern="1200" dirty="0">
                 <a:solidFill>
                   <a:schemeClr val="tx1"/>
                 </a:solidFill>
@@ -40451,7 +42173,7 @@
               </a:rPr>
               <a:t>Success”</a:t>
             </a:r>
-            <a:endParaRPr lang="en-US">
+            <a:endParaRPr lang="en-US" dirty="0">
               <a:latin typeface="Calibri" panose="020F0502020204030204" pitchFamily="34" charset="0"/>
               <a:ea typeface="Calibri" panose="020F0502020204030204" pitchFamily="34" charset="0"/>
               <a:cs typeface="Calibri" panose="020F0502020204030204" pitchFamily="34" charset="0"/>
@@ -40473,19 +42195,19 @@
               <p:cTn id="2" dur="indefinite" nodeType="mainSeq">
                 <p:childTnLst>
                   <p:par>
-                    <p:cTn id="3" fill="hold" nodeType="clickPar">
+                    <p:cTn id="3" fill="hold">
                       <p:stCondLst>
                         <p:cond delay="indefinite"/>
                       </p:stCondLst>
                       <p:childTnLst>
                         <p:par>
-                          <p:cTn id="4" fill="hold" nodeType="withGroup">
+                          <p:cTn id="4" fill="hold">
                             <p:stCondLst>
                               <p:cond delay="0"/>
                             </p:stCondLst>
                             <p:childTnLst>
                               <p:par>
-                                <p:cTn id="5" presetID="1" presetClass="entr" presetSubtype="0" fill="hold" grpId="0" nodeType="clickEffect">
+                                <p:cTn id="5" presetID="2" presetClass="entr" presetSubtype="4" fill="hold" grpId="0" nodeType="clickEffect">
                                   <p:stCondLst>
                                     <p:cond delay="0"/>
                                   </p:stCondLst>
@@ -40498,7 +42220,7 @@
                                           </p:stCondLst>
                                         </p:cTn>
                                         <p:tgtEl>
-                                          <p:spTgt spid="4"/>
+                                          <p:spTgt spid="7"/>
                                         </p:tgtEl>
                                         <p:attrNameLst>
                                           <p:attrName>style.visibility</p:attrName>
@@ -40508,29 +42230,57 @@
                                         <p:strVal val="visible"/>
                                       </p:to>
                                     </p:set>
+                                    <p:anim calcmode="lin" valueType="num">
+                                      <p:cBhvr additive="base">
+                                        <p:cTn id="7" dur="500" fill="hold"/>
+                                        <p:tgtEl>
+                                          <p:spTgt spid="7"/>
+                                        </p:tgtEl>
+                                        <p:attrNameLst>
+                                          <p:attrName>ppt_x</p:attrName>
+                                        </p:attrNameLst>
+                                      </p:cBhvr>
+                                      <p:tavLst>
+                                        <p:tav tm="0">
+                                          <p:val>
+                                            <p:strVal val="#ppt_x"/>
+                                          </p:val>
+                                        </p:tav>
+                                        <p:tav tm="100000">
+                                          <p:val>
+                                            <p:strVal val="#ppt_x"/>
+                                          </p:val>
+                                        </p:tav>
+                                      </p:tavLst>
+                                    </p:anim>
+                                    <p:anim calcmode="lin" valueType="num">
+                                      <p:cBhvr additive="base">
+                                        <p:cTn id="8" dur="500" fill="hold"/>
+                                        <p:tgtEl>
+                                          <p:spTgt spid="7"/>
+                                        </p:tgtEl>
+                                        <p:attrNameLst>
+                                          <p:attrName>ppt_y</p:attrName>
+                                        </p:attrNameLst>
+                                      </p:cBhvr>
+                                      <p:tavLst>
+                                        <p:tav tm="0">
+                                          <p:val>
+                                            <p:strVal val="1+#ppt_h/2"/>
+                                          </p:val>
+                                        </p:tav>
+                                        <p:tav tm="100000">
+                                          <p:val>
+                                            <p:strVal val="#ppt_y"/>
+                                          </p:val>
+                                        </p:tav>
+                                      </p:tavLst>
+                                    </p:anim>
                                   </p:childTnLst>
                                 </p:cTn>
                               </p:par>
-                            </p:childTnLst>
-                          </p:cTn>
-                        </p:par>
-                      </p:childTnLst>
-                    </p:cTn>
-                  </p:par>
-                  <p:par>
-                    <p:cTn id="7" fill="hold" nodeType="clickPar">
-                      <p:stCondLst>
-                        <p:cond delay="indefinite"/>
-                      </p:stCondLst>
-                      <p:childTnLst>
-                        <p:par>
-                          <p:cTn id="8" fill="hold" nodeType="withGroup">
-                            <p:stCondLst>
-                              <p:cond delay="0"/>
-                            </p:stCondLst>
-                            <p:childTnLst>
                               <p:par>
-                                <p:cTn id="9" presetID="9" presetClass="entr" presetSubtype="0" fill="hold" grpId="0" nodeType="clickEffect">
+                                <p:cTn id="9" presetID="2" presetClass="entr" presetSubtype="4" fill="hold" grpId="0" nodeType="withEffect">
                                   <p:stCondLst>
                                     <p:cond delay="0"/>
                                   </p:stCondLst>
@@ -40543,7 +42293,7 @@
                                           </p:stCondLst>
                                         </p:cTn>
                                         <p:tgtEl>
-                                          <p:spTgt spid="6"/>
+                                          <p:spTgt spid="5"/>
                                         </p:tgtEl>
                                         <p:attrNameLst>
                                           <p:attrName>style.visibility</p:attrName>
@@ -40553,14 +42303,52 @@
                                         <p:strVal val="visible"/>
                                       </p:to>
                                     </p:set>
-                                    <p:animEffect transition="in" filter="dissolve">
-                                      <p:cBhvr>
-                                        <p:cTn id="11" dur="500"/>
+                                    <p:anim calcmode="lin" valueType="num">
+                                      <p:cBhvr additive="base">
+                                        <p:cTn id="11" dur="500" fill="hold"/>
                                         <p:tgtEl>
-                                          <p:spTgt spid="6"/>
+                                          <p:spTgt spid="5"/>
                                         </p:tgtEl>
+                                        <p:attrNameLst>
+                                          <p:attrName>ppt_x</p:attrName>
+                                        </p:attrNameLst>
                                       </p:cBhvr>
-                                    </p:animEffect>
+                                      <p:tavLst>
+                                        <p:tav tm="0">
+                                          <p:val>
+                                            <p:strVal val="#ppt_x"/>
+                                          </p:val>
+                                        </p:tav>
+                                        <p:tav tm="100000">
+                                          <p:val>
+                                            <p:strVal val="#ppt_x"/>
+                                          </p:val>
+                                        </p:tav>
+                                      </p:tavLst>
+                                    </p:anim>
+                                    <p:anim calcmode="lin" valueType="num">
+                                      <p:cBhvr additive="base">
+                                        <p:cTn id="12" dur="500" fill="hold"/>
+                                        <p:tgtEl>
+                                          <p:spTgt spid="5"/>
+                                        </p:tgtEl>
+                                        <p:attrNameLst>
+                                          <p:attrName>ppt_y</p:attrName>
+                                        </p:attrNameLst>
+                                      </p:cBhvr>
+                                      <p:tavLst>
+                                        <p:tav tm="0">
+                                          <p:val>
+                                            <p:strVal val="1+#ppt_h/2"/>
+                                          </p:val>
+                                        </p:tav>
+                                        <p:tav tm="100000">
+                                          <p:val>
+                                            <p:strVal val="#ppt_y"/>
+                                          </p:val>
+                                        </p:tav>
+                                      </p:tavLst>
+                                    </p:anim>
                                   </p:childTnLst>
                                 </p:cTn>
                               </p:par>
@@ -40592,8 +42380,8 @@
       </p:par>
     </p:tnLst>
     <p:bldLst>
-      <p:bldP spid="6" grpId="0"/>
-      <p:bldP spid="4" grpId="0"/>
+      <p:bldP spid="5" grpId="0" animBg="1"/>
+      <p:bldP spid="7" grpId="0"/>
     </p:bldLst>
   </p:timing>
 </p:sld>
@@ -40800,7 +42588,7 @@
         </p:spPr>
         <p:txBody>
           <a:bodyPr>
-            <a:normAutofit fontScale="85000" lnSpcReduction="20000"/>
+            <a:noAutofit/>
           </a:bodyPr>
           <a:lstStyle/>
           <a:p>
@@ -40810,7 +42598,7 @@
               </a:lnSpc>
             </a:pPr>
             <a:r>
-              <a:rPr lang="en-US" dirty="0">
+              <a:rPr lang="en-US" sz="2000" dirty="0">
                 <a:latin typeface="Calibri" panose="020F0502020204030204" pitchFamily="34" charset="0"/>
                 <a:ea typeface="Calibri" panose="020F0502020204030204" pitchFamily="34" charset="0"/>
                 <a:cs typeface="Calibri" panose="020F0502020204030204" pitchFamily="34" charset="0"/>
@@ -40825,7 +42613,7 @@
               </a:lnSpc>
             </a:pPr>
             <a:r>
-              <a:rPr lang="en-US" b="1" dirty="0">
+              <a:rPr lang="en-US" sz="2000" b="1" dirty="0">
                 <a:latin typeface="Calibri" panose="020F0502020204030204" pitchFamily="34" charset="0"/>
                 <a:ea typeface="Calibri" panose="020F0502020204030204" pitchFamily="34" charset="0"/>
                 <a:cs typeface="Calibri" panose="020F0502020204030204" pitchFamily="34" charset="0"/>
@@ -40833,7 +42621,7 @@
               <a:t>Odds</a:t>
             </a:r>
             <a:r>
-              <a:rPr lang="en-US" dirty="0">
+              <a:rPr lang="en-US" sz="2000" dirty="0">
                 <a:latin typeface="Calibri" panose="020F0502020204030204" pitchFamily="34" charset="0"/>
                 <a:ea typeface="Calibri" panose="020F0502020204030204" pitchFamily="34" charset="0"/>
                 <a:cs typeface="Calibri" panose="020F0502020204030204" pitchFamily="34" charset="0"/>
@@ -40848,7 +42636,7 @@
               </a:lnSpc>
             </a:pPr>
             <a:r>
-              <a:rPr lang="en-US" sz="2600" dirty="0">
+              <a:rPr lang="en-US" sz="2000" dirty="0">
                 <a:latin typeface="Calibri" panose="020F0502020204030204" pitchFamily="34" charset="0"/>
                 <a:ea typeface="Calibri" panose="020F0502020204030204" pitchFamily="34" charset="0"/>
                 <a:cs typeface="Calibri" panose="020F0502020204030204" pitchFamily="34" charset="0"/>
@@ -40856,7 +42644,7 @@
               <a:t>Taking the log odds of </a:t>
             </a:r>
             <a:r>
-              <a:rPr lang="en-US" sz="2600" i="1" dirty="0">
+              <a:rPr lang="en-US" sz="2000" i="1" dirty="0">
                 <a:latin typeface="Calibri" panose="020F0502020204030204" pitchFamily="34" charset="0"/>
                 <a:ea typeface="Calibri" panose="020F0502020204030204" pitchFamily="34" charset="0"/>
                 <a:cs typeface="Calibri" panose="020F0502020204030204" pitchFamily="34" charset="0"/>
@@ -40864,7 +42652,7 @@
               <a:t>Y </a:t>
             </a:r>
             <a:r>
-              <a:rPr lang="en-US" sz="2600" dirty="0">
+              <a:rPr lang="en-US" sz="2000" dirty="0">
                 <a:latin typeface="Calibri" panose="020F0502020204030204" pitchFamily="34" charset="0"/>
                 <a:ea typeface="Calibri" panose="020F0502020204030204" pitchFamily="34" charset="0"/>
                 <a:cs typeface="Calibri" panose="020F0502020204030204" pitchFamily="34" charset="0"/>
@@ -40872,7 +42660,7 @@
               <a:t>creates a linear relationship between </a:t>
             </a:r>
             <a:r>
-              <a:rPr lang="en-US" sz="2600" i="1" dirty="0">
+              <a:rPr lang="en-US" sz="2000" i="1" dirty="0">
                 <a:latin typeface="Calibri" panose="020F0502020204030204" pitchFamily="34" charset="0"/>
                 <a:ea typeface="Calibri" panose="020F0502020204030204" pitchFamily="34" charset="0"/>
                 <a:cs typeface="Calibri" panose="020F0502020204030204" pitchFamily="34" charset="0"/>
@@ -40880,7 +42668,7 @@
               <a:t>X </a:t>
             </a:r>
             <a:r>
-              <a:rPr lang="en-US" sz="2600" dirty="0">
+              <a:rPr lang="en-US" sz="2000" dirty="0">
                 <a:latin typeface="Calibri" panose="020F0502020204030204" pitchFamily="34" charset="0"/>
                 <a:ea typeface="Calibri" panose="020F0502020204030204" pitchFamily="34" charset="0"/>
                 <a:cs typeface="Calibri" panose="020F0502020204030204" pitchFamily="34" charset="0"/>
@@ -40888,7 +42676,7 @@
               <a:t>and the probability of </a:t>
             </a:r>
             <a:r>
-              <a:rPr lang="en-US" sz="2600" i="1" dirty="0">
+              <a:rPr lang="en-US" sz="2000" i="1" dirty="0">
                 <a:latin typeface="Calibri" panose="020F0502020204030204" pitchFamily="34" charset="0"/>
                 <a:ea typeface="Calibri" panose="020F0502020204030204" pitchFamily="34" charset="0"/>
                 <a:cs typeface="Calibri" panose="020F0502020204030204" pitchFamily="34" charset="0"/>
@@ -40896,7 +42684,7 @@
               <a:t>Y </a:t>
             </a:r>
             <a:r>
-              <a:rPr lang="en-US" sz="2600" dirty="0">
+              <a:rPr lang="en-US" sz="2000" dirty="0">
                 <a:latin typeface="Calibri" panose="020F0502020204030204" pitchFamily="34" charset="0"/>
                 <a:ea typeface="Calibri" panose="020F0502020204030204" pitchFamily="34" charset="0"/>
                 <a:cs typeface="Calibri" panose="020F0502020204030204" pitchFamily="34" charset="0"/>
@@ -40904,7 +42692,7 @@
               <a:t>(</a:t>
             </a:r>
             <a:r>
-              <a:rPr lang="en-US" sz="2600" dirty="0" err="1">
+              <a:rPr lang="en-US" sz="2000" dirty="0" err="1">
                 <a:latin typeface="Calibri" panose="020F0502020204030204" pitchFamily="34" charset="0"/>
                 <a:ea typeface="Calibri" panose="020F0502020204030204" pitchFamily="34" charset="0"/>
                 <a:cs typeface="Calibri" panose="020F0502020204030204" pitchFamily="34" charset="0"/>
@@ -40912,7 +42700,7 @@
               <a:t>Pampel</a:t>
             </a:r>
             <a:r>
-              <a:rPr lang="en-US" sz="2600" dirty="0">
+              <a:rPr lang="en-US" sz="2000" dirty="0">
                 <a:latin typeface="Calibri" panose="020F0502020204030204" pitchFamily="34" charset="0"/>
                 <a:ea typeface="Calibri" panose="020F0502020204030204" pitchFamily="34" charset="0"/>
                 <a:cs typeface="Calibri" panose="020F0502020204030204" pitchFamily="34" charset="0"/>
@@ -40922,8 +42710,8 @@
           </a:p>
         </p:txBody>
       </p:sp>
-      <mc:AlternateContent xmlns:mc="http://schemas.openxmlformats.org/markup-compatibility/2006" xmlns:a14="http://schemas.microsoft.com/office/drawing/2010/main">
-        <mc:Choice Requires="a14">
+      <mc:AlternateContent xmlns:mc="http://schemas.openxmlformats.org/markup-compatibility/2006">
+        <mc:Choice xmlns:a14="http://schemas.microsoft.com/office/drawing/2010/main" Requires="a14">
           <p:sp>
             <p:nvSpPr>
               <p:cNvPr id="5" name="Object 8">
@@ -40938,7 +42726,7 @@
             </p:nvSpPr>
             <p:spPr bwMode="auto">
               <a:xfrm>
-                <a:off x="2273654" y="4001361"/>
+                <a:off x="2338968" y="3080775"/>
                 <a:ext cx="8901165" cy="886568"/>
               </a:xfrm>
               <a:prstGeom prst="rect">
@@ -41418,7 +43206,7 @@
             </p:txBody>
           </p:sp>
         </mc:Choice>
-        <mc:Fallback xmlns="">
+        <mc:Fallback>
           <p:sp>
             <p:nvSpPr>
               <p:cNvPr id="5" name="Object 8">
@@ -41435,7 +43223,7 @@
             </p:nvSpPr>
             <p:spPr bwMode="auto">
               <a:xfrm>
-                <a:off x="2273654" y="4001361"/>
+                <a:off x="2338968" y="3080775"/>
                 <a:ext cx="8901165" cy="886568"/>
               </a:xfrm>
               <a:prstGeom prst="rect">
@@ -41463,8 +43251,8 @@
           </p:sp>
         </mc:Fallback>
       </mc:AlternateContent>
-      <mc:AlternateContent xmlns:mc="http://schemas.openxmlformats.org/markup-compatibility/2006" xmlns:a14="http://schemas.microsoft.com/office/drawing/2010/main">
-        <mc:Choice Requires="a14">
+      <mc:AlternateContent xmlns:mc="http://schemas.openxmlformats.org/markup-compatibility/2006">
+        <mc:Choice xmlns:a14="http://schemas.microsoft.com/office/drawing/2010/main" Requires="a14">
           <p:sp>
             <p:nvSpPr>
               <p:cNvPr id="7" name="TextBox 6">
@@ -41479,7 +43267,7 @@
             </p:nvSpPr>
             <p:spPr>
               <a:xfrm>
-                <a:off x="3156155" y="3429000"/>
+                <a:off x="3048342" y="2519254"/>
                 <a:ext cx="6095316" cy="461665"/>
               </a:xfrm>
               <a:prstGeom prst="rect">
@@ -41791,7 +43579,7 @@
             </p:txBody>
           </p:sp>
         </mc:Choice>
-        <mc:Fallback xmlns="">
+        <mc:Fallback>
           <p:sp>
             <p:nvSpPr>
               <p:cNvPr id="7" name="TextBox 6">
@@ -41808,7 +43596,7 @@
             </p:nvSpPr>
             <p:spPr>
               <a:xfrm>
-                <a:off x="3156155" y="3429000"/>
+                <a:off x="3048342" y="2519254"/>
                 <a:ext cx="6095316" cy="461665"/>
               </a:xfrm>
               <a:prstGeom prst="rect">
@@ -41817,7 +43605,7 @@
               <a:blipFill>
                 <a:blip r:embed="rId3"/>
                 <a:stretch>
-                  <a:fillRect b="-17333"/>
+                  <a:fillRect b="-17105"/>
                 </a:stretch>
               </a:blipFill>
             </p:spPr>
@@ -41846,386 +43634,6 @@
   <p:clrMapOvr>
     <a:masterClrMapping/>
   </p:clrMapOvr>
-  <p:timing>
-    <p:tnLst>
-      <p:par>
-        <p:cTn id="1" dur="indefinite" restart="never" nodeType="tmRoot">
-          <p:childTnLst>
-            <p:seq concurrent="1" nextAc="seek">
-              <p:cTn id="2" dur="indefinite" nodeType="mainSeq">
-                <p:childTnLst>
-                  <p:par>
-                    <p:cTn id="3" fill="hold">
-                      <p:stCondLst>
-                        <p:cond delay="indefinite"/>
-                      </p:stCondLst>
-                      <p:childTnLst>
-                        <p:par>
-                          <p:cTn id="4" fill="hold">
-                            <p:stCondLst>
-                              <p:cond delay="0"/>
-                            </p:stCondLst>
-                            <p:childTnLst>
-                              <p:par>
-                                <p:cTn id="5" presetID="2" presetClass="entr" presetSubtype="4" fill="hold" grpId="0" nodeType="clickEffect">
-                                  <p:stCondLst>
-                                    <p:cond delay="0"/>
-                                  </p:stCondLst>
-                                  <p:childTnLst>
-                                    <p:set>
-                                      <p:cBhvr>
-                                        <p:cTn id="6" dur="1" fill="hold">
-                                          <p:stCondLst>
-                                            <p:cond delay="0"/>
-                                          </p:stCondLst>
-                                        </p:cTn>
-                                        <p:tgtEl>
-                                          <p:spTgt spid="3">
-                                            <p:txEl>
-                                              <p:pRg st="0" end="0"/>
-                                            </p:txEl>
-                                          </p:spTgt>
-                                        </p:tgtEl>
-                                        <p:attrNameLst>
-                                          <p:attrName>style.visibility</p:attrName>
-                                        </p:attrNameLst>
-                                      </p:cBhvr>
-                                      <p:to>
-                                        <p:strVal val="visible"/>
-                                      </p:to>
-                                    </p:set>
-                                    <p:anim calcmode="lin" valueType="num">
-                                      <p:cBhvr additive="base">
-                                        <p:cTn id="7" dur="500" fill="hold"/>
-                                        <p:tgtEl>
-                                          <p:spTgt spid="3">
-                                            <p:txEl>
-                                              <p:pRg st="0" end="0"/>
-                                            </p:txEl>
-                                          </p:spTgt>
-                                        </p:tgtEl>
-                                        <p:attrNameLst>
-                                          <p:attrName>ppt_x</p:attrName>
-                                        </p:attrNameLst>
-                                      </p:cBhvr>
-                                      <p:tavLst>
-                                        <p:tav tm="0">
-                                          <p:val>
-                                            <p:strVal val="#ppt_x"/>
-                                          </p:val>
-                                        </p:tav>
-                                        <p:tav tm="100000">
-                                          <p:val>
-                                            <p:strVal val="#ppt_x"/>
-                                          </p:val>
-                                        </p:tav>
-                                      </p:tavLst>
-                                    </p:anim>
-                                    <p:anim calcmode="lin" valueType="num">
-                                      <p:cBhvr additive="base">
-                                        <p:cTn id="8" dur="500" fill="hold"/>
-                                        <p:tgtEl>
-                                          <p:spTgt spid="3">
-                                            <p:txEl>
-                                              <p:pRg st="0" end="0"/>
-                                            </p:txEl>
-                                          </p:spTgt>
-                                        </p:tgtEl>
-                                        <p:attrNameLst>
-                                          <p:attrName>ppt_y</p:attrName>
-                                        </p:attrNameLst>
-                                      </p:cBhvr>
-                                      <p:tavLst>
-                                        <p:tav tm="0">
-                                          <p:val>
-                                            <p:strVal val="1+#ppt_h/2"/>
-                                          </p:val>
-                                        </p:tav>
-                                        <p:tav tm="100000">
-                                          <p:val>
-                                            <p:strVal val="#ppt_y"/>
-                                          </p:val>
-                                        </p:tav>
-                                      </p:tavLst>
-                                    </p:anim>
-                                  </p:childTnLst>
-                                </p:cTn>
-                              </p:par>
-                              <p:par>
-                                <p:cTn id="9" presetID="2" presetClass="entr" presetSubtype="4" fill="hold" grpId="0" nodeType="withEffect">
-                                  <p:stCondLst>
-                                    <p:cond delay="0"/>
-                                  </p:stCondLst>
-                                  <p:childTnLst>
-                                    <p:set>
-                                      <p:cBhvr>
-                                        <p:cTn id="10" dur="1" fill="hold">
-                                          <p:stCondLst>
-                                            <p:cond delay="0"/>
-                                          </p:stCondLst>
-                                        </p:cTn>
-                                        <p:tgtEl>
-                                          <p:spTgt spid="3">
-                                            <p:txEl>
-                                              <p:pRg st="1" end="1"/>
-                                            </p:txEl>
-                                          </p:spTgt>
-                                        </p:tgtEl>
-                                        <p:attrNameLst>
-                                          <p:attrName>style.visibility</p:attrName>
-                                        </p:attrNameLst>
-                                      </p:cBhvr>
-                                      <p:to>
-                                        <p:strVal val="visible"/>
-                                      </p:to>
-                                    </p:set>
-                                    <p:anim calcmode="lin" valueType="num">
-                                      <p:cBhvr additive="base">
-                                        <p:cTn id="11" dur="500" fill="hold"/>
-                                        <p:tgtEl>
-                                          <p:spTgt spid="3">
-                                            <p:txEl>
-                                              <p:pRg st="1" end="1"/>
-                                            </p:txEl>
-                                          </p:spTgt>
-                                        </p:tgtEl>
-                                        <p:attrNameLst>
-                                          <p:attrName>ppt_x</p:attrName>
-                                        </p:attrNameLst>
-                                      </p:cBhvr>
-                                      <p:tavLst>
-                                        <p:tav tm="0">
-                                          <p:val>
-                                            <p:strVal val="#ppt_x"/>
-                                          </p:val>
-                                        </p:tav>
-                                        <p:tav tm="100000">
-                                          <p:val>
-                                            <p:strVal val="#ppt_x"/>
-                                          </p:val>
-                                        </p:tav>
-                                      </p:tavLst>
-                                    </p:anim>
-                                    <p:anim calcmode="lin" valueType="num">
-                                      <p:cBhvr additive="base">
-                                        <p:cTn id="12" dur="500" fill="hold"/>
-                                        <p:tgtEl>
-                                          <p:spTgt spid="3">
-                                            <p:txEl>
-                                              <p:pRg st="1" end="1"/>
-                                            </p:txEl>
-                                          </p:spTgt>
-                                        </p:tgtEl>
-                                        <p:attrNameLst>
-                                          <p:attrName>ppt_y</p:attrName>
-                                        </p:attrNameLst>
-                                      </p:cBhvr>
-                                      <p:tavLst>
-                                        <p:tav tm="0">
-                                          <p:val>
-                                            <p:strVal val="1+#ppt_h/2"/>
-                                          </p:val>
-                                        </p:tav>
-                                        <p:tav tm="100000">
-                                          <p:val>
-                                            <p:strVal val="#ppt_y"/>
-                                          </p:val>
-                                        </p:tav>
-                                      </p:tavLst>
-                                    </p:anim>
-                                  </p:childTnLst>
-                                </p:cTn>
-                              </p:par>
-                              <p:par>
-                                <p:cTn id="13" presetID="2" presetClass="entr" presetSubtype="4" fill="hold" grpId="0" nodeType="withEffect">
-                                  <p:stCondLst>
-                                    <p:cond delay="0"/>
-                                  </p:stCondLst>
-                                  <p:childTnLst>
-                                    <p:set>
-                                      <p:cBhvr>
-                                        <p:cTn id="14" dur="1" fill="hold">
-                                          <p:stCondLst>
-                                            <p:cond delay="0"/>
-                                          </p:stCondLst>
-                                        </p:cTn>
-                                        <p:tgtEl>
-                                          <p:spTgt spid="3">
-                                            <p:txEl>
-                                              <p:pRg st="2" end="2"/>
-                                            </p:txEl>
-                                          </p:spTgt>
-                                        </p:tgtEl>
-                                        <p:attrNameLst>
-                                          <p:attrName>style.visibility</p:attrName>
-                                        </p:attrNameLst>
-                                      </p:cBhvr>
-                                      <p:to>
-                                        <p:strVal val="visible"/>
-                                      </p:to>
-                                    </p:set>
-                                    <p:anim calcmode="lin" valueType="num">
-                                      <p:cBhvr additive="base">
-                                        <p:cTn id="15" dur="500" fill="hold"/>
-                                        <p:tgtEl>
-                                          <p:spTgt spid="3">
-                                            <p:txEl>
-                                              <p:pRg st="2" end="2"/>
-                                            </p:txEl>
-                                          </p:spTgt>
-                                        </p:tgtEl>
-                                        <p:attrNameLst>
-                                          <p:attrName>ppt_x</p:attrName>
-                                        </p:attrNameLst>
-                                      </p:cBhvr>
-                                      <p:tavLst>
-                                        <p:tav tm="0">
-                                          <p:val>
-                                            <p:strVal val="#ppt_x"/>
-                                          </p:val>
-                                        </p:tav>
-                                        <p:tav tm="100000">
-                                          <p:val>
-                                            <p:strVal val="#ppt_x"/>
-                                          </p:val>
-                                        </p:tav>
-                                      </p:tavLst>
-                                    </p:anim>
-                                    <p:anim calcmode="lin" valueType="num">
-                                      <p:cBhvr additive="base">
-                                        <p:cTn id="16" dur="500" fill="hold"/>
-                                        <p:tgtEl>
-                                          <p:spTgt spid="3">
-                                            <p:txEl>
-                                              <p:pRg st="2" end="2"/>
-                                            </p:txEl>
-                                          </p:spTgt>
-                                        </p:tgtEl>
-                                        <p:attrNameLst>
-                                          <p:attrName>ppt_y</p:attrName>
-                                        </p:attrNameLst>
-                                      </p:cBhvr>
-                                      <p:tavLst>
-                                        <p:tav tm="0">
-                                          <p:val>
-                                            <p:strVal val="1+#ppt_h/2"/>
-                                          </p:val>
-                                        </p:tav>
-                                        <p:tav tm="100000">
-                                          <p:val>
-                                            <p:strVal val="#ppt_y"/>
-                                          </p:val>
-                                        </p:tav>
-                                      </p:tavLst>
-                                    </p:anim>
-                                  </p:childTnLst>
-                                </p:cTn>
-                              </p:par>
-                              <p:par>
-                                <p:cTn id="17" presetID="2" presetClass="entr" presetSubtype="4" fill="hold" grpId="0" nodeType="withEffect">
-                                  <p:stCondLst>
-                                    <p:cond delay="0"/>
-                                  </p:stCondLst>
-                                  <p:childTnLst>
-                                    <p:set>
-                                      <p:cBhvr>
-                                        <p:cTn id="18" dur="1" fill="hold">
-                                          <p:stCondLst>
-                                            <p:cond delay="0"/>
-                                          </p:stCondLst>
-                                        </p:cTn>
-                                        <p:tgtEl>
-                                          <p:spTgt spid="5"/>
-                                        </p:tgtEl>
-                                        <p:attrNameLst>
-                                          <p:attrName>style.visibility</p:attrName>
-                                        </p:attrNameLst>
-                                      </p:cBhvr>
-                                      <p:to>
-                                        <p:strVal val="visible"/>
-                                      </p:to>
-                                    </p:set>
-                                    <p:anim calcmode="lin" valueType="num">
-                                      <p:cBhvr additive="base">
-                                        <p:cTn id="19" dur="500" fill="hold"/>
-                                        <p:tgtEl>
-                                          <p:spTgt spid="5"/>
-                                        </p:tgtEl>
-                                        <p:attrNameLst>
-                                          <p:attrName>ppt_x</p:attrName>
-                                        </p:attrNameLst>
-                                      </p:cBhvr>
-                                      <p:tavLst>
-                                        <p:tav tm="0">
-                                          <p:val>
-                                            <p:strVal val="#ppt_x"/>
-                                          </p:val>
-                                        </p:tav>
-                                        <p:tav tm="100000">
-                                          <p:val>
-                                            <p:strVal val="#ppt_x"/>
-                                          </p:val>
-                                        </p:tav>
-                                      </p:tavLst>
-                                    </p:anim>
-                                    <p:anim calcmode="lin" valueType="num">
-                                      <p:cBhvr additive="base">
-                                        <p:cTn id="20" dur="500" fill="hold"/>
-                                        <p:tgtEl>
-                                          <p:spTgt spid="5"/>
-                                        </p:tgtEl>
-                                        <p:attrNameLst>
-                                          <p:attrName>ppt_y</p:attrName>
-                                        </p:attrNameLst>
-                                      </p:cBhvr>
-                                      <p:tavLst>
-                                        <p:tav tm="0">
-                                          <p:val>
-                                            <p:strVal val="1+#ppt_h/2"/>
-                                          </p:val>
-                                        </p:tav>
-                                        <p:tav tm="100000">
-                                          <p:val>
-                                            <p:strVal val="#ppt_y"/>
-                                          </p:val>
-                                        </p:tav>
-                                      </p:tavLst>
-                                    </p:anim>
-                                  </p:childTnLst>
-                                </p:cTn>
-                              </p:par>
-                            </p:childTnLst>
-                          </p:cTn>
-                        </p:par>
-                      </p:childTnLst>
-                    </p:cTn>
-                  </p:par>
-                </p:childTnLst>
-              </p:cTn>
-              <p:prevCondLst>
-                <p:cond evt="onPrev" delay="0">
-                  <p:tgtEl>
-                    <p:sldTgt/>
-                  </p:tgtEl>
-                </p:cond>
-              </p:prevCondLst>
-              <p:nextCondLst>
-                <p:cond evt="onNext" delay="0">
-                  <p:tgtEl>
-                    <p:sldTgt/>
-                  </p:tgtEl>
-                </p:cond>
-              </p:nextCondLst>
-            </p:seq>
-          </p:childTnLst>
-        </p:cTn>
-      </p:par>
-    </p:tnLst>
-    <p:bldLst>
-      <p:bldP spid="3" grpId="0" uiExpand="1" build="p"/>
-      <p:bldP spid="5" grpId="0"/>
-    </p:bldLst>
-  </p:timing>
 </p:sld>
 </file>
 
@@ -43103,6 +44511,23 @@
 </file>
 
 <file path=customXml/item1.xml><?xml version="1.0" encoding="utf-8"?>
+<p:properties xmlns:p="http://schemas.microsoft.com/office/2006/metadata/properties" xmlns:xsi="http://www.w3.org/2001/XMLSchema-instance" xmlns:pc="http://schemas.microsoft.com/office/infopath/2007/PartnerControls">
+  <documentManagement>
+    <_activity xmlns="8af2c334-a430-41de-afde-7e5b02016b08" xsi:nil="true"/>
+  </documentManagement>
+</p:properties>
+</file>
+
+<file path=customXml/item2.xml><?xml version="1.0" encoding="utf-8"?>
+<?mso-contentType ?>
+<FormTemplates xmlns="http://schemas.microsoft.com/sharepoint/v3/contenttype/forms">
+  <Display>DocumentLibraryForm</Display>
+  <Edit>DocumentLibraryForm</Edit>
+  <New>DocumentLibraryForm</New>
+</FormTemplates>
+</file>
+
+<file path=customXml/item3.xml><?xml version="1.0" encoding="utf-8"?>
 <ct:contentTypeSchema xmlns:ct="http://schemas.microsoft.com/office/2006/metadata/contentType" xmlns:ma="http://schemas.microsoft.com/office/2006/metadata/properties/metaAttributes" ct:_="" ma:_="" ma:contentTypeName="Document" ma:contentTypeID="0x010100A89A7FC12CB50A4097C486CD8CD69117" ma:contentTypeVersion="18" ma:contentTypeDescription="Create a new document." ma:contentTypeScope="" ma:versionID="5c596426e029c3bf96e8f575ab8c5d52">
   <xsd:schema xmlns:xsd="http://www.w3.org/2001/XMLSchema" xmlns:xs="http://www.w3.org/2001/XMLSchema" xmlns:p="http://schemas.microsoft.com/office/2006/metadata/properties" xmlns:ns3="8af2c334-a430-41de-afde-7e5b02016b08" xmlns:ns4="c4f41175-a8a9-44da-a6ab-b9a6b5c297b1" targetNamespace="http://schemas.microsoft.com/office/2006/metadata/properties" ma:root="true" ma:fieldsID="5030ff6c0d614aeeb250d09e255b9f02" ns3:_="" ns4:_="">
     <xsd:import namespace="8af2c334-a430-41de-afde-7e5b02016b08"/>
@@ -43355,24 +44780,32 @@
 </ct:contentTypeSchema>
 </file>
 
-<file path=customXml/item2.xml><?xml version="1.0" encoding="utf-8"?>
-<p:properties xmlns:p="http://schemas.microsoft.com/office/2006/metadata/properties" xmlns:xsi="http://www.w3.org/2001/XMLSchema-instance" xmlns:pc="http://schemas.microsoft.com/office/infopath/2007/PartnerControls">
-  <documentManagement>
-    <_activity xmlns="8af2c334-a430-41de-afde-7e5b02016b08" xsi:nil="true"/>
-  </documentManagement>
-</p:properties>
+<file path=customXml/itemProps1.xml><?xml version="1.0" encoding="utf-8"?>
+<ds:datastoreItem xmlns:ds="http://schemas.openxmlformats.org/officeDocument/2006/customXml" ds:itemID="{79BFB997-11AF-42E3-BCA1-DE0EAF7DA776}">
+  <ds:schemaRefs>
+    <ds:schemaRef ds:uri="http://schemas.microsoft.com/office/2006/documentManagement/types"/>
+    <ds:schemaRef ds:uri="c4f41175-a8a9-44da-a6ab-b9a6b5c297b1"/>
+    <ds:schemaRef ds:uri="http://schemas.microsoft.com/office/2006/metadata/properties"/>
+    <ds:schemaRef ds:uri="http://schemas.openxmlformats.org/package/2006/metadata/core-properties"/>
+    <ds:schemaRef ds:uri="http://purl.org/dc/terms/"/>
+    <ds:schemaRef ds:uri="http://purl.org/dc/elements/1.1/"/>
+    <ds:schemaRef ds:uri="http://schemas.microsoft.com/office/infopath/2007/PartnerControls"/>
+    <ds:schemaRef ds:uri="8af2c334-a430-41de-afde-7e5b02016b08"/>
+    <ds:schemaRef ds:uri="http://www.w3.org/XML/1998/namespace"/>
+    <ds:schemaRef ds:uri="http://purl.org/dc/dcmitype/"/>
+  </ds:schemaRefs>
+</ds:datastoreItem>
 </file>
 
-<file path=customXml/item3.xml><?xml version="1.0" encoding="utf-8"?>
-<?mso-contentType ?>
-<FormTemplates xmlns="http://schemas.microsoft.com/sharepoint/v3/contenttype/forms">
-  <Display>DocumentLibraryForm</Display>
-  <Edit>DocumentLibraryForm</Edit>
-  <New>DocumentLibraryForm</New>
-</FormTemplates>
+<file path=customXml/itemProps2.xml><?xml version="1.0" encoding="utf-8"?>
+<ds:datastoreItem xmlns:ds="http://schemas.openxmlformats.org/officeDocument/2006/customXml" ds:itemID="{76016826-2327-483A-A4D4-719C38940902}">
+  <ds:schemaRefs>
+    <ds:schemaRef ds:uri="http://schemas.microsoft.com/sharepoint/v3/contenttype/forms"/>
+  </ds:schemaRefs>
+</ds:datastoreItem>
 </file>
 
-<file path=customXml/itemProps1.xml><?xml version="1.0" encoding="utf-8"?>
+<file path=customXml/itemProps3.xml><?xml version="1.0" encoding="utf-8"?>
 <ds:datastoreItem xmlns:ds="http://schemas.openxmlformats.org/officeDocument/2006/customXml" ds:itemID="{F130217C-F380-4AB9-B296-54D64B6453DA}">
   <ds:schemaRefs>
     <ds:schemaRef ds:uri="http://schemas.microsoft.com/office/2006/metadata/contentType"/>
@@ -43389,29 +44822,4 @@
     <ds:schemaRef ds:uri="http://schemas.microsoft.com/internal/obd"/>
   </ds:schemaRefs>
 </ds:datastoreItem>
-</file>
-
-<file path=customXml/itemProps2.xml><?xml version="1.0" encoding="utf-8"?>
-<ds:datastoreItem xmlns:ds="http://schemas.openxmlformats.org/officeDocument/2006/customXml" ds:itemID="{79BFB997-11AF-42E3-BCA1-DE0EAF7DA776}">
-  <ds:schemaRefs>
-    <ds:schemaRef ds:uri="http://schemas.microsoft.com/office/2006/documentManagement/types"/>
-    <ds:schemaRef ds:uri="c4f41175-a8a9-44da-a6ab-b9a6b5c297b1"/>
-    <ds:schemaRef ds:uri="http://schemas.microsoft.com/office/2006/metadata/properties"/>
-    <ds:schemaRef ds:uri="http://schemas.openxmlformats.org/package/2006/metadata/core-properties"/>
-    <ds:schemaRef ds:uri="http://purl.org/dc/terms/"/>
-    <ds:schemaRef ds:uri="http://purl.org/dc/elements/1.1/"/>
-    <ds:schemaRef ds:uri="http://schemas.microsoft.com/office/infopath/2007/PartnerControls"/>
-    <ds:schemaRef ds:uri="8af2c334-a430-41de-afde-7e5b02016b08"/>
-    <ds:schemaRef ds:uri="http://www.w3.org/XML/1998/namespace"/>
-    <ds:schemaRef ds:uri="http://purl.org/dc/dcmitype/"/>
-  </ds:schemaRefs>
-</ds:datastoreItem>
-</file>
-
-<file path=customXml/itemProps3.xml><?xml version="1.0" encoding="utf-8"?>
-<ds:datastoreItem xmlns:ds="http://schemas.openxmlformats.org/officeDocument/2006/customXml" ds:itemID="{76016826-2327-483A-A4D4-719C38940902}">
-  <ds:schemaRefs>
-    <ds:schemaRef ds:uri="http://schemas.microsoft.com/sharepoint/v3/contenttype/forms"/>
-  </ds:schemaRefs>
-</ds:datastoreItem>
 </file>
--- a/_book/slides/logistic/logistic_regression.pptx
+++ b/_book/slides/logistic/logistic_regression.pptx
@@ -6,7 +6,7 @@
     <p:sldMasterId id="2147483726" r:id="rId5"/>
   </p:sldMasterIdLst>
   <p:notesMasterIdLst>
-    <p:notesMasterId r:id="rId52"/>
+    <p:notesMasterId r:id="rId54"/>
   </p:notesMasterIdLst>
   <p:sldIdLst>
     <p:sldId id="256" r:id="rId6"/>
@@ -18,43 +18,45 @@
     <p:sldId id="1229" r:id="rId12"/>
     <p:sldId id="1282" r:id="rId13"/>
     <p:sldId id="259" r:id="rId14"/>
-    <p:sldId id="1231" r:id="rId15"/>
-    <p:sldId id="1237" r:id="rId16"/>
-    <p:sldId id="261" r:id="rId17"/>
-    <p:sldId id="1240" r:id="rId18"/>
-    <p:sldId id="1241" r:id="rId19"/>
-    <p:sldId id="1242" r:id="rId20"/>
-    <p:sldId id="1286" r:id="rId21"/>
-    <p:sldId id="1243" r:id="rId22"/>
-    <p:sldId id="270" r:id="rId23"/>
-    <p:sldId id="1270" r:id="rId24"/>
-    <p:sldId id="265" r:id="rId25"/>
-    <p:sldId id="272" r:id="rId26"/>
-    <p:sldId id="1257" r:id="rId27"/>
-    <p:sldId id="274" r:id="rId28"/>
-    <p:sldId id="1232" r:id="rId29"/>
-    <p:sldId id="1233" r:id="rId30"/>
-    <p:sldId id="1292" r:id="rId31"/>
-    <p:sldId id="1293" r:id="rId32"/>
-    <p:sldId id="1244" r:id="rId33"/>
-    <p:sldId id="1277" r:id="rId34"/>
-    <p:sldId id="1275" r:id="rId35"/>
-    <p:sldId id="1276" r:id="rId36"/>
-    <p:sldId id="1278" r:id="rId37"/>
-    <p:sldId id="1279" r:id="rId38"/>
-    <p:sldId id="1246" r:id="rId39"/>
-    <p:sldId id="1245" r:id="rId40"/>
-    <p:sldId id="1247" r:id="rId41"/>
-    <p:sldId id="1294" r:id="rId42"/>
-    <p:sldId id="1274" r:id="rId43"/>
-    <p:sldId id="1295" r:id="rId44"/>
-    <p:sldId id="1296" r:id="rId45"/>
-    <p:sldId id="1297" r:id="rId46"/>
-    <p:sldId id="1298" r:id="rId47"/>
-    <p:sldId id="1273" r:id="rId48"/>
-    <p:sldId id="1272" r:id="rId49"/>
-    <p:sldId id="1271" r:id="rId50"/>
-    <p:sldId id="1285" r:id="rId51"/>
+    <p:sldId id="1299" r:id="rId15"/>
+    <p:sldId id="1300" r:id="rId16"/>
+    <p:sldId id="1231" r:id="rId17"/>
+    <p:sldId id="1237" r:id="rId18"/>
+    <p:sldId id="261" r:id="rId19"/>
+    <p:sldId id="1240" r:id="rId20"/>
+    <p:sldId id="1241" r:id="rId21"/>
+    <p:sldId id="1242" r:id="rId22"/>
+    <p:sldId id="1286" r:id="rId23"/>
+    <p:sldId id="1243" r:id="rId24"/>
+    <p:sldId id="270" r:id="rId25"/>
+    <p:sldId id="1270" r:id="rId26"/>
+    <p:sldId id="265" r:id="rId27"/>
+    <p:sldId id="272" r:id="rId28"/>
+    <p:sldId id="1257" r:id="rId29"/>
+    <p:sldId id="274" r:id="rId30"/>
+    <p:sldId id="1232" r:id="rId31"/>
+    <p:sldId id="1233" r:id="rId32"/>
+    <p:sldId id="1292" r:id="rId33"/>
+    <p:sldId id="1293" r:id="rId34"/>
+    <p:sldId id="1244" r:id="rId35"/>
+    <p:sldId id="1277" r:id="rId36"/>
+    <p:sldId id="1275" r:id="rId37"/>
+    <p:sldId id="1276" r:id="rId38"/>
+    <p:sldId id="1278" r:id="rId39"/>
+    <p:sldId id="1279" r:id="rId40"/>
+    <p:sldId id="1246" r:id="rId41"/>
+    <p:sldId id="1245" r:id="rId42"/>
+    <p:sldId id="1247" r:id="rId43"/>
+    <p:sldId id="1294" r:id="rId44"/>
+    <p:sldId id="1274" r:id="rId45"/>
+    <p:sldId id="1295" r:id="rId46"/>
+    <p:sldId id="1296" r:id="rId47"/>
+    <p:sldId id="1297" r:id="rId48"/>
+    <p:sldId id="1298" r:id="rId49"/>
+    <p:sldId id="1273" r:id="rId50"/>
+    <p:sldId id="1272" r:id="rId51"/>
+    <p:sldId id="1271" r:id="rId52"/>
+    <p:sldId id="1285" r:id="rId53"/>
   </p:sldIdLst>
   <p:sldSz cx="12192000" cy="6858000"/>
   <p:notesSz cx="6858000" cy="9144000"/>
@@ -270,7 +272,7 @@
           <a:p>
             <a:fld id="{7F04DB63-9D86-684F-A9E3-E3196FF1FBD0}" type="datetimeFigureOut">
               <a:rPr lang="en-US" smtClean="0"/>
-              <a:t>2/23/2025</a:t>
+              <a:t>2/24/2025</a:t>
             </a:fld>
             <a:endParaRPr lang="en-US"/>
           </a:p>
@@ -873,7 +875,7 @@
           <a:p>
             <a:fld id="{20DF63CE-93CB-D64C-B697-0053631666FA}" type="slidenum">
               <a:rPr lang="en-US" smtClean="0"/>
-              <a:t>10</a:t>
+              <a:t>12</a:t>
             </a:fld>
             <a:endParaRPr lang="en-US"/>
           </a:p>
@@ -957,7 +959,7 @@
           <a:p>
             <a:fld id="{20DF63CE-93CB-D64C-B697-0053631666FA}" type="slidenum">
               <a:rPr lang="en-US" smtClean="0"/>
-              <a:t>13</a:t>
+              <a:t>15</a:t>
             </a:fld>
             <a:endParaRPr lang="en-US"/>
           </a:p>
@@ -1082,7 +1084,7 @@
           <a:p>
             <a:fld id="{20DF63CE-93CB-D64C-B697-0053631666FA}" type="slidenum">
               <a:rPr lang="en-US" smtClean="0"/>
-              <a:t>28</a:t>
+              <a:t>30</a:t>
             </a:fld>
             <a:endParaRPr lang="en-US"/>
           </a:p>
@@ -1345,7 +1347,7 @@
           <a:p>
             <a:fld id="{9184DA70-C731-4C70-880D-CCD4705E623C}" type="datetime1">
               <a:rPr lang="en-US" smtClean="0"/>
-              <a:t>2/23/2025</a:t>
+              <a:t>2/24/2025</a:t>
             </a:fld>
             <a:endParaRPr lang="en-US" dirty="0"/>
           </a:p>
@@ -1533,7 +1535,7 @@
           <a:p>
             <a:fld id="{B612A279-0833-481D-8C56-F67FD0AC6C50}" type="datetime1">
               <a:rPr lang="en-US" smtClean="0"/>
-              <a:t>2/23/2025</a:t>
+              <a:t>2/24/2025</a:t>
             </a:fld>
             <a:endParaRPr lang="en-US" dirty="0"/>
           </a:p>
@@ -1775,7 +1777,7 @@
           <a:p>
             <a:fld id="{6587DA83-5663-4C9C-B9AA-0B40A3DAFF81}" type="datetime1">
               <a:rPr lang="en-US" smtClean="0"/>
-              <a:t>2/23/2025</a:t>
+              <a:t>2/24/2025</a:t>
             </a:fld>
             <a:endParaRPr lang="en-US" dirty="0"/>
           </a:p>
@@ -1995,7 +1997,7 @@
           <a:p>
             <a:fld id="{C9237346-398A-4EB1-9492-C94B7FD39D26}" type="datetimeFigureOut">
               <a:rPr lang="en-US" smtClean="0"/>
-              <a:t>2/23/2025</a:t>
+              <a:t>2/24/2025</a:t>
             </a:fld>
             <a:endParaRPr lang="en-US"/>
           </a:p>
@@ -2193,7 +2195,7 @@
           <a:p>
             <a:fld id="{C9237346-398A-4EB1-9492-C94B7FD39D26}" type="datetimeFigureOut">
               <a:rPr lang="en-US" smtClean="0"/>
-              <a:t>2/23/2025</a:t>
+              <a:t>2/24/2025</a:t>
             </a:fld>
             <a:endParaRPr lang="en-US"/>
           </a:p>
@@ -2468,7 +2470,7 @@
           <a:p>
             <a:fld id="{C9237346-398A-4EB1-9492-C94B7FD39D26}" type="datetimeFigureOut">
               <a:rPr lang="en-US" smtClean="0"/>
-              <a:t>2/23/2025</a:t>
+              <a:t>2/24/2025</a:t>
             </a:fld>
             <a:endParaRPr lang="en-US"/>
           </a:p>
@@ -2733,7 +2735,7 @@
           <a:p>
             <a:fld id="{C9237346-398A-4EB1-9492-C94B7FD39D26}" type="datetimeFigureOut">
               <a:rPr lang="en-US" smtClean="0"/>
-              <a:t>2/23/2025</a:t>
+              <a:t>2/24/2025</a:t>
             </a:fld>
             <a:endParaRPr lang="en-US"/>
           </a:p>
@@ -3145,7 +3147,7 @@
           <a:p>
             <a:fld id="{C9237346-398A-4EB1-9492-C94B7FD39D26}" type="datetimeFigureOut">
               <a:rPr lang="en-US" smtClean="0"/>
-              <a:t>2/23/2025</a:t>
+              <a:t>2/24/2025</a:t>
             </a:fld>
             <a:endParaRPr lang="en-US"/>
           </a:p>
@@ -3286,7 +3288,7 @@
           <a:p>
             <a:fld id="{C9237346-398A-4EB1-9492-C94B7FD39D26}" type="datetimeFigureOut">
               <a:rPr lang="en-US" smtClean="0"/>
-              <a:t>2/23/2025</a:t>
+              <a:t>2/24/2025</a:t>
             </a:fld>
             <a:endParaRPr lang="en-US"/>
           </a:p>
@@ -3399,7 +3401,7 @@
           <a:p>
             <a:fld id="{C9237346-398A-4EB1-9492-C94B7FD39D26}" type="datetimeFigureOut">
               <a:rPr lang="en-US" smtClean="0"/>
-              <a:t>2/23/2025</a:t>
+              <a:t>2/24/2025</a:t>
             </a:fld>
             <a:endParaRPr lang="en-US"/>
           </a:p>
@@ -3710,7 +3712,7 @@
           <a:p>
             <a:fld id="{C9237346-398A-4EB1-9492-C94B7FD39D26}" type="datetimeFigureOut">
               <a:rPr lang="en-US" smtClean="0"/>
-              <a:t>2/23/2025</a:t>
+              <a:t>2/24/2025</a:t>
             </a:fld>
             <a:endParaRPr lang="en-US"/>
           </a:p>
@@ -3898,7 +3900,7 @@
           <a:p>
             <a:fld id="{4BE1D723-8F53-4F53-90B0-1982A396982E}" type="datetime1">
               <a:rPr lang="en-US" smtClean="0"/>
-              <a:t>2/23/2025</a:t>
+              <a:t>2/24/2025</a:t>
             </a:fld>
             <a:endParaRPr lang="en-US" dirty="0"/>
           </a:p>
@@ -4186,7 +4188,7 @@
           <a:p>
             <a:fld id="{C9237346-398A-4EB1-9492-C94B7FD39D26}" type="datetimeFigureOut">
               <a:rPr lang="en-US" smtClean="0"/>
-              <a:t>2/23/2025</a:t>
+              <a:t>2/24/2025</a:t>
             </a:fld>
             <a:endParaRPr lang="en-US"/>
           </a:p>
@@ -4384,7 +4386,7 @@
           <a:p>
             <a:fld id="{C9237346-398A-4EB1-9492-C94B7FD39D26}" type="datetimeFigureOut">
               <a:rPr lang="en-US" smtClean="0"/>
-              <a:t>2/23/2025</a:t>
+              <a:t>2/24/2025</a:t>
             </a:fld>
             <a:endParaRPr lang="en-US"/>
           </a:p>
@@ -4592,7 +4594,7 @@
           <a:p>
             <a:fld id="{C9237346-398A-4EB1-9492-C94B7FD39D26}" type="datetimeFigureOut">
               <a:rPr lang="en-US" smtClean="0"/>
-              <a:t>2/23/2025</a:t>
+              <a:t>2/24/2025</a:t>
             </a:fld>
             <a:endParaRPr lang="en-US"/>
           </a:p>
@@ -4965,7 +4967,7 @@
           <a:p>
             <a:fld id="{97669AF7-7BEB-44E4-9852-375E34362B5B}" type="datetime1">
               <a:rPr lang="en-US" smtClean="0"/>
-              <a:t>2/23/2025</a:t>
+              <a:t>2/24/2025</a:t>
             </a:fld>
             <a:endParaRPr lang="en-US" dirty="0"/>
           </a:p>
@@ -5220,7 +5222,7 @@
           <a:p>
             <a:fld id="{BAAAC38D-0552-4C82-B593-E6124DFADBE2}" type="datetime1">
               <a:rPr lang="en-US" smtClean="0"/>
-              <a:t>2/23/2025</a:t>
+              <a:t>2/24/2025</a:t>
             </a:fld>
             <a:endParaRPr lang="en-US" dirty="0"/>
           </a:p>
@@ -5617,7 +5619,7 @@
           <a:p>
             <a:fld id="{D9DF0F1C-5577-4ACB-BB62-DF8F3C494C7E}" type="datetime1">
               <a:rPr lang="en-US" smtClean="0"/>
-              <a:t>2/23/2025</a:t>
+              <a:t>2/24/2025</a:t>
             </a:fld>
             <a:endParaRPr lang="en-US" dirty="0"/>
           </a:p>
@@ -5753,7 +5755,7 @@
           <a:p>
             <a:fld id="{1775B394-D9F9-4F0C-B15D-605F45CB9E9F}" type="datetime1">
               <a:rPr lang="en-US" smtClean="0"/>
-              <a:t>2/23/2025</a:t>
+              <a:t>2/24/2025</a:t>
             </a:fld>
             <a:endParaRPr lang="en-US" dirty="0"/>
           </a:p>
@@ -5910,7 +5912,7 @@
           <a:p>
             <a:fld id="{39667345-2558-425A-8533-9BFDBCE15005}" type="datetime1">
               <a:rPr lang="en-US" smtClean="0"/>
-              <a:t>2/23/2025</a:t>
+              <a:t>2/24/2025</a:t>
             </a:fld>
             <a:endParaRPr lang="en-US" dirty="0"/>
           </a:p>
@@ -6239,7 +6241,7 @@
           <a:p>
             <a:fld id="{92BEA474-078D-4E9B-9B14-09A87B19DC46}" type="datetime1">
               <a:rPr lang="en-US" smtClean="0"/>
-              <a:t>2/23/2025</a:t>
+              <a:t>2/24/2025</a:t>
             </a:fld>
             <a:endParaRPr lang="en-US" dirty="0"/>
           </a:p>
@@ -6589,7 +6591,7 @@
           <a:p>
             <a:fld id="{4907D986-8816-4272-A432-0437A28A9828}" type="datetime1">
               <a:rPr lang="en-US" smtClean="0"/>
-              <a:t>2/23/2025</a:t>
+              <a:t>2/24/2025</a:t>
             </a:fld>
             <a:endParaRPr lang="en-US" dirty="0"/>
           </a:p>
@@ -6850,7 +6852,7 @@
           <a:p>
             <a:fld id="{62D6E202-B606-4609-B914-27C9371A1F6D}" type="datetime1">
               <a:rPr lang="en-US" smtClean="0"/>
-              <a:t>2/23/2025</a:t>
+              <a:t>2/24/2025</a:t>
             </a:fld>
             <a:endParaRPr lang="en-US" dirty="0"/>
           </a:p>
@@ -7524,7 +7526,7 @@
           <a:p>
             <a:fld id="{C9237346-398A-4EB1-9492-C94B7FD39D26}" type="datetimeFigureOut">
               <a:rPr lang="en-US" smtClean="0"/>
-              <a:t>2/23/2025</a:t>
+              <a:t>2/24/2025</a:t>
             </a:fld>
             <a:endParaRPr lang="en-US"/>
           </a:p>
@@ -8169,6 +8171,673 @@
 </file>
 
 <file path=ppt/slides/slide10.xml><?xml version="1.0" encoding="utf-8"?>
+<p:sld xmlns:a="http://schemas.openxmlformats.org/drawingml/2006/main" xmlns:r="http://schemas.openxmlformats.org/officeDocument/2006/relationships" xmlns:p="http://schemas.openxmlformats.org/presentationml/2006/main">
+  <p:cSld>
+    <p:spTree>
+      <p:nvGrpSpPr>
+        <p:cNvPr id="1" name=""/>
+        <p:cNvGrpSpPr/>
+        <p:nvPr/>
+      </p:nvGrpSpPr>
+      <p:grpSpPr>
+        <a:xfrm>
+          <a:off x="0" y="0"/>
+          <a:ext cx="0" cy="0"/>
+          <a:chOff x="0" y="0"/>
+          <a:chExt cx="0" cy="0"/>
+        </a:xfrm>
+      </p:grpSpPr>
+      <p:sp>
+        <p:nvSpPr>
+          <p:cNvPr id="2" name="Title 1">
+            <a:extLst>
+              <a:ext uri="{FF2B5EF4-FFF2-40B4-BE49-F238E27FC236}">
+                <a16:creationId xmlns:a16="http://schemas.microsoft.com/office/drawing/2014/main" id="{BDA0D28B-C4EB-E59C-84FA-CCE010F797A8}"/>
+              </a:ext>
+            </a:extLst>
+          </p:cNvPr>
+          <p:cNvSpPr>
+            <a:spLocks noGrp="1"/>
+          </p:cNvSpPr>
+          <p:nvPr>
+            <p:ph type="title"/>
+          </p:nvPr>
+        </p:nvSpPr>
+        <p:spPr/>
+        <p:txBody>
+          <a:bodyPr/>
+          <a:lstStyle/>
+          <a:p>
+            <a:endParaRPr lang="en-US"/>
+          </a:p>
+        </p:txBody>
+      </p:sp>
+    </p:spTree>
+    <p:extLst>
+      <p:ext uri="{BB962C8B-B14F-4D97-AF65-F5344CB8AC3E}">
+        <p14:creationId xmlns:p14="http://schemas.microsoft.com/office/powerpoint/2010/main" val="908264200"/>
+      </p:ext>
+    </p:extLst>
+  </p:cSld>
+  <p:clrMapOvr>
+    <a:masterClrMapping/>
+  </p:clrMapOvr>
+</p:sld>
+</file>
+
+<file path=ppt/slides/slide11.xml><?xml version="1.0" encoding="utf-8"?>
+<p:sld xmlns:a="http://schemas.openxmlformats.org/drawingml/2006/main" xmlns:r="http://schemas.openxmlformats.org/officeDocument/2006/relationships" xmlns:p="http://schemas.openxmlformats.org/presentationml/2006/main">
+  <p:cSld>
+    <p:spTree>
+      <p:nvGrpSpPr>
+        <p:cNvPr id="1" name=""/>
+        <p:cNvGrpSpPr/>
+        <p:nvPr/>
+      </p:nvGrpSpPr>
+      <p:grpSpPr>
+        <a:xfrm>
+          <a:off x="0" y="0"/>
+          <a:ext cx="0" cy="0"/>
+          <a:chOff x="0" y="0"/>
+          <a:chExt cx="0" cy="0"/>
+        </a:xfrm>
+      </p:grpSpPr>
+      <p:sp>
+        <p:nvSpPr>
+          <p:cNvPr id="2" name="Title 1">
+            <a:extLst>
+              <a:ext uri="{FF2B5EF4-FFF2-40B4-BE49-F238E27FC236}">
+                <a16:creationId xmlns:a16="http://schemas.microsoft.com/office/drawing/2014/main" id="{F74C1B43-66BB-6B2B-BA8F-11B4C3AB7846}"/>
+              </a:ext>
+            </a:extLst>
+          </p:cNvPr>
+          <p:cNvSpPr>
+            <a:spLocks noGrp="1"/>
+          </p:cNvSpPr>
+          <p:nvPr>
+            <p:ph type="title"/>
+          </p:nvPr>
+        </p:nvSpPr>
+        <p:spPr>
+          <a:xfrm>
+            <a:off x="94944" y="110854"/>
+            <a:ext cx="10515600" cy="676411"/>
+          </a:xfrm>
+        </p:spPr>
+        <p:txBody>
+          <a:bodyPr>
+            <a:normAutofit fontScale="90000"/>
+          </a:bodyPr>
+          <a:lstStyle/>
+          <a:p>
+            <a:r>
+              <a:rPr lang="en-US" dirty="0">
+                <a:latin typeface="Aptos Display" panose="020B0004020202020204" pitchFamily="34" charset="0"/>
+              </a:rPr>
+              <a:t>Linear Regression </a:t>
+            </a:r>
+            <a:r>
+              <a:rPr lang="en-US" b="1" dirty="0">
+                <a:latin typeface="Aptos Display" panose="020B0004020202020204" pitchFamily="34" charset="0"/>
+              </a:rPr>
+              <a:t>WILL NOT </a:t>
+            </a:r>
+            <a:r>
+              <a:rPr lang="en-US" dirty="0">
+                <a:latin typeface="Aptos Display" panose="020B0004020202020204" pitchFamily="34" charset="0"/>
+              </a:rPr>
+              <a:t>work</a:t>
+            </a:r>
+          </a:p>
+        </p:txBody>
+      </p:sp>
+      <p:sp>
+        <p:nvSpPr>
+          <p:cNvPr id="3" name="Content Placeholder 2">
+            <a:extLst>
+              <a:ext uri="{FF2B5EF4-FFF2-40B4-BE49-F238E27FC236}">
+                <a16:creationId xmlns:a16="http://schemas.microsoft.com/office/drawing/2014/main" id="{6D7CD3C7-507D-2ADD-5F40-96013885A30D}"/>
+              </a:ext>
+            </a:extLst>
+          </p:cNvPr>
+          <p:cNvSpPr>
+            <a:spLocks noGrp="1"/>
+          </p:cNvSpPr>
+          <p:nvPr>
+            <p:ph idx="1"/>
+          </p:nvPr>
+        </p:nvSpPr>
+        <p:spPr>
+          <a:xfrm>
+            <a:off x="266089" y="787265"/>
+            <a:ext cx="10515600" cy="4351338"/>
+          </a:xfrm>
+        </p:spPr>
+        <p:txBody>
+          <a:bodyPr/>
+          <a:lstStyle/>
+          <a:p>
+            <a:r>
+              <a:rPr lang="en-US" dirty="0"/>
+              <a:t>If we were to model the probability of an event occurring given </a:t>
+            </a:r>
+            <a:r>
+              <a:rPr lang="en-US" i="1" dirty="0"/>
+              <a:t>X</a:t>
+            </a:r>
+            <a:r>
+              <a:rPr lang="en-US" dirty="0"/>
+              <a:t>, this would be problematic because a linear model can predict values outside of the interval [0,1]</a:t>
+            </a:r>
+          </a:p>
+          <a:p>
+            <a:r>
+              <a:rPr lang="en-US" dirty="0"/>
+              <a:t>If we used OLS, we would run into other issues</a:t>
+            </a:r>
+          </a:p>
+          <a:p>
+            <a:pPr lvl="1"/>
+            <a:r>
+              <a:rPr lang="en-US" dirty="0"/>
+              <a:t>Non-linearity: the relationship between </a:t>
+            </a:r>
+            <a:r>
+              <a:rPr lang="en-US" i="1" dirty="0"/>
+              <a:t>X’s </a:t>
+            </a:r>
+            <a:r>
+              <a:rPr lang="en-US" dirty="0"/>
+              <a:t>and </a:t>
+            </a:r>
+            <a:r>
+              <a:rPr lang="en-US" i="1" dirty="0"/>
+              <a:t>P</a:t>
+            </a:r>
+            <a:r>
+              <a:rPr lang="en-US" dirty="0"/>
+              <a:t>(Y=1) is often </a:t>
+            </a:r>
+            <a:r>
+              <a:rPr lang="en-US" b="1" dirty="0"/>
+              <a:t>S-shaped </a:t>
+            </a:r>
+            <a:r>
+              <a:rPr lang="en-US" dirty="0"/>
+              <a:t>rather than strictly linear; and</a:t>
+            </a:r>
+          </a:p>
+          <a:p>
+            <a:pPr lvl="1"/>
+            <a:r>
+              <a:rPr lang="en-US" dirty="0"/>
+              <a:t>OLS assumptions will be violated</a:t>
+            </a:r>
+          </a:p>
+          <a:p>
+            <a:r>
+              <a:rPr lang="en-US" dirty="0"/>
+              <a:t>To overcome these issues, we take the log of odds, i.e., logit, transformation</a:t>
+            </a:r>
+          </a:p>
+        </p:txBody>
+      </p:sp>
+    </p:spTree>
+    <p:extLst>
+      <p:ext uri="{BB962C8B-B14F-4D97-AF65-F5344CB8AC3E}">
+        <p14:creationId xmlns:p14="http://schemas.microsoft.com/office/powerpoint/2010/main" val="3781183882"/>
+      </p:ext>
+    </p:extLst>
+  </p:cSld>
+  <p:clrMapOvr>
+    <a:masterClrMapping/>
+  </p:clrMapOvr>
+  <p:timing>
+    <p:tnLst>
+      <p:par>
+        <p:cTn id="1" dur="indefinite" restart="never" nodeType="tmRoot">
+          <p:childTnLst>
+            <p:seq concurrent="1" nextAc="seek">
+              <p:cTn id="2" dur="indefinite" nodeType="mainSeq">
+                <p:childTnLst>
+                  <p:par>
+                    <p:cTn id="3" fill="hold">
+                      <p:stCondLst>
+                        <p:cond delay="indefinite"/>
+                      </p:stCondLst>
+                      <p:childTnLst>
+                        <p:par>
+                          <p:cTn id="4" fill="hold">
+                            <p:stCondLst>
+                              <p:cond delay="0"/>
+                            </p:stCondLst>
+                            <p:childTnLst>
+                              <p:par>
+                                <p:cTn id="5" presetID="2" presetClass="entr" presetSubtype="4" fill="hold" nodeType="clickEffect">
+                                  <p:stCondLst>
+                                    <p:cond delay="0"/>
+                                  </p:stCondLst>
+                                  <p:childTnLst>
+                                    <p:set>
+                                      <p:cBhvr>
+                                        <p:cTn id="6" dur="1" fill="hold">
+                                          <p:stCondLst>
+                                            <p:cond delay="0"/>
+                                          </p:stCondLst>
+                                        </p:cTn>
+                                        <p:tgtEl>
+                                          <p:spTgt spid="3">
+                                            <p:txEl>
+                                              <p:pRg st="1" end="1"/>
+                                            </p:txEl>
+                                          </p:spTgt>
+                                        </p:tgtEl>
+                                        <p:attrNameLst>
+                                          <p:attrName>style.visibility</p:attrName>
+                                        </p:attrNameLst>
+                                      </p:cBhvr>
+                                      <p:to>
+                                        <p:strVal val="visible"/>
+                                      </p:to>
+                                    </p:set>
+                                    <p:anim calcmode="lin" valueType="num">
+                                      <p:cBhvr additive="base">
+                                        <p:cTn id="7" dur="500" fill="hold"/>
+                                        <p:tgtEl>
+                                          <p:spTgt spid="3">
+                                            <p:txEl>
+                                              <p:pRg st="1" end="1"/>
+                                            </p:txEl>
+                                          </p:spTgt>
+                                        </p:tgtEl>
+                                        <p:attrNameLst>
+                                          <p:attrName>ppt_x</p:attrName>
+                                        </p:attrNameLst>
+                                      </p:cBhvr>
+                                      <p:tavLst>
+                                        <p:tav tm="0">
+                                          <p:val>
+                                            <p:strVal val="#ppt_x"/>
+                                          </p:val>
+                                        </p:tav>
+                                        <p:tav tm="100000">
+                                          <p:val>
+                                            <p:strVal val="#ppt_x"/>
+                                          </p:val>
+                                        </p:tav>
+                                      </p:tavLst>
+                                    </p:anim>
+                                    <p:anim calcmode="lin" valueType="num">
+                                      <p:cBhvr additive="base">
+                                        <p:cTn id="8" dur="500" fill="hold"/>
+                                        <p:tgtEl>
+                                          <p:spTgt spid="3">
+                                            <p:txEl>
+                                              <p:pRg st="1" end="1"/>
+                                            </p:txEl>
+                                          </p:spTgt>
+                                        </p:tgtEl>
+                                        <p:attrNameLst>
+                                          <p:attrName>ppt_y</p:attrName>
+                                        </p:attrNameLst>
+                                      </p:cBhvr>
+                                      <p:tavLst>
+                                        <p:tav tm="0">
+                                          <p:val>
+                                            <p:strVal val="1+#ppt_h/2"/>
+                                          </p:val>
+                                        </p:tav>
+                                        <p:tav tm="100000">
+                                          <p:val>
+                                            <p:strVal val="#ppt_y"/>
+                                          </p:val>
+                                        </p:tav>
+                                      </p:tavLst>
+                                    </p:anim>
+                                  </p:childTnLst>
+                                </p:cTn>
+                              </p:par>
+                            </p:childTnLst>
+                          </p:cTn>
+                        </p:par>
+                      </p:childTnLst>
+                    </p:cTn>
+                  </p:par>
+                  <p:par>
+                    <p:cTn id="9" fill="hold">
+                      <p:stCondLst>
+                        <p:cond delay="indefinite"/>
+                      </p:stCondLst>
+                      <p:childTnLst>
+                        <p:par>
+                          <p:cTn id="10" fill="hold">
+                            <p:stCondLst>
+                              <p:cond delay="0"/>
+                            </p:stCondLst>
+                            <p:childTnLst>
+                              <p:par>
+                                <p:cTn id="11" presetID="2" presetClass="entr" presetSubtype="4" fill="hold" nodeType="clickEffect">
+                                  <p:stCondLst>
+                                    <p:cond delay="0"/>
+                                  </p:stCondLst>
+                                  <p:childTnLst>
+                                    <p:set>
+                                      <p:cBhvr>
+                                        <p:cTn id="12" dur="1" fill="hold">
+                                          <p:stCondLst>
+                                            <p:cond delay="0"/>
+                                          </p:stCondLst>
+                                        </p:cTn>
+                                        <p:tgtEl>
+                                          <p:spTgt spid="3">
+                                            <p:txEl>
+                                              <p:pRg st="2" end="2"/>
+                                            </p:txEl>
+                                          </p:spTgt>
+                                        </p:tgtEl>
+                                        <p:attrNameLst>
+                                          <p:attrName>style.visibility</p:attrName>
+                                        </p:attrNameLst>
+                                      </p:cBhvr>
+                                      <p:to>
+                                        <p:strVal val="visible"/>
+                                      </p:to>
+                                    </p:set>
+                                    <p:anim calcmode="lin" valueType="num">
+                                      <p:cBhvr additive="base">
+                                        <p:cTn id="13" dur="500" fill="hold"/>
+                                        <p:tgtEl>
+                                          <p:spTgt spid="3">
+                                            <p:txEl>
+                                              <p:pRg st="2" end="2"/>
+                                            </p:txEl>
+                                          </p:spTgt>
+                                        </p:tgtEl>
+                                        <p:attrNameLst>
+                                          <p:attrName>ppt_x</p:attrName>
+                                        </p:attrNameLst>
+                                      </p:cBhvr>
+                                      <p:tavLst>
+                                        <p:tav tm="0">
+                                          <p:val>
+                                            <p:strVal val="#ppt_x"/>
+                                          </p:val>
+                                        </p:tav>
+                                        <p:tav tm="100000">
+                                          <p:val>
+                                            <p:strVal val="#ppt_x"/>
+                                          </p:val>
+                                        </p:tav>
+                                      </p:tavLst>
+                                    </p:anim>
+                                    <p:anim calcmode="lin" valueType="num">
+                                      <p:cBhvr additive="base">
+                                        <p:cTn id="14" dur="500" fill="hold"/>
+                                        <p:tgtEl>
+                                          <p:spTgt spid="3">
+                                            <p:txEl>
+                                              <p:pRg st="2" end="2"/>
+                                            </p:txEl>
+                                          </p:spTgt>
+                                        </p:tgtEl>
+                                        <p:attrNameLst>
+                                          <p:attrName>ppt_y</p:attrName>
+                                        </p:attrNameLst>
+                                      </p:cBhvr>
+                                      <p:tavLst>
+                                        <p:tav tm="0">
+                                          <p:val>
+                                            <p:strVal val="1+#ppt_h/2"/>
+                                          </p:val>
+                                        </p:tav>
+                                        <p:tav tm="100000">
+                                          <p:val>
+                                            <p:strVal val="#ppt_y"/>
+                                          </p:val>
+                                        </p:tav>
+                                      </p:tavLst>
+                                    </p:anim>
+                                  </p:childTnLst>
+                                </p:cTn>
+                              </p:par>
+                            </p:childTnLst>
+                          </p:cTn>
+                        </p:par>
+                      </p:childTnLst>
+                    </p:cTn>
+                  </p:par>
+                  <p:par>
+                    <p:cTn id="15" fill="hold">
+                      <p:stCondLst>
+                        <p:cond delay="indefinite"/>
+                      </p:stCondLst>
+                      <p:childTnLst>
+                        <p:par>
+                          <p:cTn id="16" fill="hold">
+                            <p:stCondLst>
+                              <p:cond delay="0"/>
+                            </p:stCondLst>
+                            <p:childTnLst>
+                              <p:par>
+                                <p:cTn id="17" presetID="2" presetClass="entr" presetSubtype="4" fill="hold" nodeType="clickEffect">
+                                  <p:stCondLst>
+                                    <p:cond delay="0"/>
+                                  </p:stCondLst>
+                                  <p:childTnLst>
+                                    <p:set>
+                                      <p:cBhvr>
+                                        <p:cTn id="18" dur="1" fill="hold">
+                                          <p:stCondLst>
+                                            <p:cond delay="0"/>
+                                          </p:stCondLst>
+                                        </p:cTn>
+                                        <p:tgtEl>
+                                          <p:spTgt spid="3">
+                                            <p:txEl>
+                                              <p:pRg st="3" end="3"/>
+                                            </p:txEl>
+                                          </p:spTgt>
+                                        </p:tgtEl>
+                                        <p:attrNameLst>
+                                          <p:attrName>style.visibility</p:attrName>
+                                        </p:attrNameLst>
+                                      </p:cBhvr>
+                                      <p:to>
+                                        <p:strVal val="visible"/>
+                                      </p:to>
+                                    </p:set>
+                                    <p:anim calcmode="lin" valueType="num">
+                                      <p:cBhvr additive="base">
+                                        <p:cTn id="19" dur="500" fill="hold"/>
+                                        <p:tgtEl>
+                                          <p:spTgt spid="3">
+                                            <p:txEl>
+                                              <p:pRg st="3" end="3"/>
+                                            </p:txEl>
+                                          </p:spTgt>
+                                        </p:tgtEl>
+                                        <p:attrNameLst>
+                                          <p:attrName>ppt_x</p:attrName>
+                                        </p:attrNameLst>
+                                      </p:cBhvr>
+                                      <p:tavLst>
+                                        <p:tav tm="0">
+                                          <p:val>
+                                            <p:strVal val="#ppt_x"/>
+                                          </p:val>
+                                        </p:tav>
+                                        <p:tav tm="100000">
+                                          <p:val>
+                                            <p:strVal val="#ppt_x"/>
+                                          </p:val>
+                                        </p:tav>
+                                      </p:tavLst>
+                                    </p:anim>
+                                    <p:anim calcmode="lin" valueType="num">
+                                      <p:cBhvr additive="base">
+                                        <p:cTn id="20" dur="500" fill="hold"/>
+                                        <p:tgtEl>
+                                          <p:spTgt spid="3">
+                                            <p:txEl>
+                                              <p:pRg st="3" end="3"/>
+                                            </p:txEl>
+                                          </p:spTgt>
+                                        </p:tgtEl>
+                                        <p:attrNameLst>
+                                          <p:attrName>ppt_y</p:attrName>
+                                        </p:attrNameLst>
+                                      </p:cBhvr>
+                                      <p:tavLst>
+                                        <p:tav tm="0">
+                                          <p:val>
+                                            <p:strVal val="1+#ppt_h/2"/>
+                                          </p:val>
+                                        </p:tav>
+                                        <p:tav tm="100000">
+                                          <p:val>
+                                            <p:strVal val="#ppt_y"/>
+                                          </p:val>
+                                        </p:tav>
+                                      </p:tavLst>
+                                    </p:anim>
+                                  </p:childTnLst>
+                                </p:cTn>
+                              </p:par>
+                            </p:childTnLst>
+                          </p:cTn>
+                        </p:par>
+                      </p:childTnLst>
+                    </p:cTn>
+                  </p:par>
+                  <p:par>
+                    <p:cTn id="21" fill="hold">
+                      <p:stCondLst>
+                        <p:cond delay="indefinite"/>
+                      </p:stCondLst>
+                      <p:childTnLst>
+                        <p:par>
+                          <p:cTn id="22" fill="hold">
+                            <p:stCondLst>
+                              <p:cond delay="0"/>
+                            </p:stCondLst>
+                            <p:childTnLst>
+                              <p:par>
+                                <p:cTn id="23" presetID="2" presetClass="entr" presetSubtype="4" fill="hold" nodeType="clickEffect">
+                                  <p:stCondLst>
+                                    <p:cond delay="0"/>
+                                  </p:stCondLst>
+                                  <p:childTnLst>
+                                    <p:set>
+                                      <p:cBhvr>
+                                        <p:cTn id="24" dur="1" fill="hold">
+                                          <p:stCondLst>
+                                            <p:cond delay="0"/>
+                                          </p:stCondLst>
+                                        </p:cTn>
+                                        <p:tgtEl>
+                                          <p:spTgt spid="3">
+                                            <p:txEl>
+                                              <p:pRg st="4" end="4"/>
+                                            </p:txEl>
+                                          </p:spTgt>
+                                        </p:tgtEl>
+                                        <p:attrNameLst>
+                                          <p:attrName>style.visibility</p:attrName>
+                                        </p:attrNameLst>
+                                      </p:cBhvr>
+                                      <p:to>
+                                        <p:strVal val="visible"/>
+                                      </p:to>
+                                    </p:set>
+                                    <p:anim calcmode="lin" valueType="num">
+                                      <p:cBhvr additive="base">
+                                        <p:cTn id="25" dur="500" fill="hold"/>
+                                        <p:tgtEl>
+                                          <p:spTgt spid="3">
+                                            <p:txEl>
+                                              <p:pRg st="4" end="4"/>
+                                            </p:txEl>
+                                          </p:spTgt>
+                                        </p:tgtEl>
+                                        <p:attrNameLst>
+                                          <p:attrName>ppt_x</p:attrName>
+                                        </p:attrNameLst>
+                                      </p:cBhvr>
+                                      <p:tavLst>
+                                        <p:tav tm="0">
+                                          <p:val>
+                                            <p:strVal val="#ppt_x"/>
+                                          </p:val>
+                                        </p:tav>
+                                        <p:tav tm="100000">
+                                          <p:val>
+                                            <p:strVal val="#ppt_x"/>
+                                          </p:val>
+                                        </p:tav>
+                                      </p:tavLst>
+                                    </p:anim>
+                                    <p:anim calcmode="lin" valueType="num">
+                                      <p:cBhvr additive="base">
+                                        <p:cTn id="26" dur="500" fill="hold"/>
+                                        <p:tgtEl>
+                                          <p:spTgt spid="3">
+                                            <p:txEl>
+                                              <p:pRg st="4" end="4"/>
+                                            </p:txEl>
+                                          </p:spTgt>
+                                        </p:tgtEl>
+                                        <p:attrNameLst>
+                                          <p:attrName>ppt_y</p:attrName>
+                                        </p:attrNameLst>
+                                      </p:cBhvr>
+                                      <p:tavLst>
+                                        <p:tav tm="0">
+                                          <p:val>
+                                            <p:strVal val="1+#ppt_h/2"/>
+                                          </p:val>
+                                        </p:tav>
+                                        <p:tav tm="100000">
+                                          <p:val>
+                                            <p:strVal val="#ppt_y"/>
+                                          </p:val>
+                                        </p:tav>
+                                      </p:tavLst>
+                                    </p:anim>
+                                  </p:childTnLst>
+                                </p:cTn>
+                              </p:par>
+                            </p:childTnLst>
+                          </p:cTn>
+                        </p:par>
+                      </p:childTnLst>
+                    </p:cTn>
+                  </p:par>
+                </p:childTnLst>
+              </p:cTn>
+              <p:prevCondLst>
+                <p:cond evt="onPrev" delay="0">
+                  <p:tgtEl>
+                    <p:sldTgt/>
+                  </p:tgtEl>
+                </p:cond>
+              </p:prevCondLst>
+              <p:nextCondLst>
+                <p:cond evt="onNext" delay="0">
+                  <p:tgtEl>
+                    <p:sldTgt/>
+                  </p:tgtEl>
+                </p:cond>
+              </p:nextCondLst>
+            </p:seq>
+          </p:childTnLst>
+        </p:cTn>
+      </p:par>
+    </p:tnLst>
+  </p:timing>
+</p:sld>
+</file>
+
+<file path=ppt/slides/slide12.xml><?xml version="1.0" encoding="utf-8"?>
 <p:sld xmlns:a="http://schemas.openxmlformats.org/drawingml/2006/main" xmlns:r="http://schemas.openxmlformats.org/officeDocument/2006/relationships" xmlns:p="http://schemas.openxmlformats.org/presentationml/2006/main">
   <p:cSld>
     <p:spTree>
@@ -10921,7 +11590,7 @@
 </p:sld>
 </file>
 
-<file path=ppt/slides/slide11.xml><?xml version="1.0" encoding="utf-8"?>
+<file path=ppt/slides/slide13.xml><?xml version="1.0" encoding="utf-8"?>
 <p:sld xmlns:a="http://schemas.openxmlformats.org/drawingml/2006/main" xmlns:r="http://schemas.openxmlformats.org/officeDocument/2006/relationships" xmlns:p="http://schemas.openxmlformats.org/presentationml/2006/main">
   <p:cSld>
     <p:spTree>
@@ -11667,7 +12336,7 @@
 </p:sld>
 </file>
 
-<file path=ppt/slides/slide12.xml><?xml version="1.0" encoding="utf-8"?>
+<file path=ppt/slides/slide14.xml><?xml version="1.0" encoding="utf-8"?>
 <p:sld xmlns:a="http://schemas.openxmlformats.org/drawingml/2006/main" xmlns:r="http://schemas.openxmlformats.org/officeDocument/2006/relationships" xmlns:p="http://schemas.openxmlformats.org/presentationml/2006/main">
   <p:cSld>
     <p:spTree>
@@ -12516,7 +13185,7 @@
 </p:sld>
 </file>
 
-<file path=ppt/slides/slide13.xml><?xml version="1.0" encoding="utf-8"?>
+<file path=ppt/slides/slide15.xml><?xml version="1.0" encoding="utf-8"?>
 <p:sld xmlns:a="http://schemas.openxmlformats.org/drawingml/2006/main" xmlns:r="http://schemas.openxmlformats.org/officeDocument/2006/relationships" xmlns:p="http://schemas.openxmlformats.org/presentationml/2006/main">
   <p:cSld>
     <p:spTree>
@@ -12572,8 +13241,8 @@
           </a:p>
         </p:txBody>
       </p:sp>
-      <mc:AlternateContent xmlns:mc="http://schemas.openxmlformats.org/markup-compatibility/2006">
-        <mc:Choice xmlns:a14="http://schemas.microsoft.com/office/drawing/2010/main" Requires="a14">
+      <mc:AlternateContent xmlns:mc="http://schemas.openxmlformats.org/markup-compatibility/2006" xmlns:a14="http://schemas.microsoft.com/office/drawing/2010/main">
+        <mc:Choice Requires="a14">
           <p:sp>
             <p:nvSpPr>
               <p:cNvPr id="3" name="Content Placeholder 2">
@@ -12861,7 +13530,7 @@
             </p:txBody>
           </p:sp>
         </mc:Choice>
-        <mc:Fallback>
+        <mc:Fallback xmlns="">
           <p:sp>
             <p:nvSpPr>
               <p:cNvPr id="3" name="Content Placeholder 2">
@@ -12921,7 +13590,7 @@
             </p:nvSpPr>
             <p:spPr>
               <a:xfrm>
-                <a:off x="1655039" y="2967145"/>
+                <a:off x="1620810" y="2835730"/>
                 <a:ext cx="2345386" cy="307777"/>
               </a:xfrm>
               <a:prstGeom prst="rect">
@@ -13098,7 +13767,7 @@
             </p:nvSpPr>
             <p:spPr>
               <a:xfrm>
-                <a:off x="1655039" y="2967145"/>
+                <a:off x="1620810" y="2835730"/>
                 <a:ext cx="2345386" cy="307777"/>
               </a:xfrm>
               <a:prstGeom prst="rect">
@@ -13107,7 +13776,7 @@
               <a:blipFill>
                 <a:blip r:embed="rId4"/>
                 <a:stretch>
-                  <a:fillRect l="-3636" r="-2857" b="-34000"/>
+                  <a:fillRect l="-3896" r="-2597" b="-33333"/>
                 </a:stretch>
               </a:blipFill>
             </p:spPr>
@@ -13142,7 +13811,7 @@
             </p:nvSpPr>
             <p:spPr>
               <a:xfrm>
-                <a:off x="4620630" y="2976220"/>
+                <a:off x="4527723" y="2835729"/>
                 <a:ext cx="2560509" cy="307777"/>
               </a:xfrm>
               <a:prstGeom prst="rect">
@@ -13269,7 +13938,7 @@
             </p:nvSpPr>
             <p:spPr>
               <a:xfrm>
-                <a:off x="4620630" y="2976220"/>
+                <a:off x="4527723" y="2835729"/>
                 <a:ext cx="2560509" cy="307777"/>
               </a:xfrm>
               <a:prstGeom prst="rect">
@@ -13310,7 +13979,7 @@
 </p:sld>
 </file>
 
-<file path=ppt/slides/slide14.xml><?xml version="1.0" encoding="utf-8"?>
+<file path=ppt/slides/slide16.xml><?xml version="1.0" encoding="utf-8"?>
 <p:sld xmlns:a="http://schemas.openxmlformats.org/drawingml/2006/main" xmlns:r="http://schemas.openxmlformats.org/officeDocument/2006/relationships" xmlns:p="http://schemas.openxmlformats.org/presentationml/2006/main">
   <p:cSld>
     <p:spTree>
@@ -13448,7 +14117,7 @@
 </p:sld>
 </file>
 
-<file path=ppt/slides/slide15.xml><?xml version="1.0" encoding="utf-8"?>
+<file path=ppt/slides/slide17.xml><?xml version="1.0" encoding="utf-8"?>
 <p:sld xmlns:a="http://schemas.openxmlformats.org/drawingml/2006/main" xmlns:r="http://schemas.openxmlformats.org/officeDocument/2006/relationships" xmlns:p="http://schemas.openxmlformats.org/presentationml/2006/main">
   <p:cSld>
     <p:spTree>
@@ -14151,7 +14820,7 @@
 </p:sld>
 </file>
 
-<file path=ppt/slides/slide16.xml><?xml version="1.0" encoding="utf-8"?>
+<file path=ppt/slides/slide18.xml><?xml version="1.0" encoding="utf-8"?>
 <p:sld xmlns:a="http://schemas.openxmlformats.org/drawingml/2006/main" xmlns:r="http://schemas.openxmlformats.org/officeDocument/2006/relationships" xmlns:p="http://schemas.openxmlformats.org/presentationml/2006/main">
   <p:cSld>
     <p:spTree>
@@ -14252,7 +14921,7 @@
                 <a:ea typeface="Calibri" panose="020F0502020204030204" pitchFamily="34" charset="0"/>
                 <a:cs typeface="Calibri" panose="020F0502020204030204" pitchFamily="34" charset="0"/>
               </a:rPr>
-              <a:t>is the probability that a case coded as 0 for the dependent variable (aka ‘negative’) is classified incorrectly. </a:t>
+              <a:t>is the probability that a negative case (Y = 0 actually) is incorrectly classified. </a:t>
             </a:r>
           </a:p>
           <a:p>
@@ -14263,7 +14932,7 @@
                 <a:ea typeface="Calibri" panose="020F0502020204030204" pitchFamily="34" charset="0"/>
                 <a:cs typeface="Calibri" panose="020F0502020204030204" pitchFamily="34" charset="0"/>
               </a:rPr>
-              <a:t>In other words, this is the percentage of cases in error where the dependent variable is predicted to be 1 (i.e., disease), but in fact the observed value is 0 (i.e., no disease)</a:t>
+              <a:t>The model wrongly predicts the presence of an outcome when its absent</a:t>
             </a:r>
           </a:p>
           <a:p>
@@ -14282,7 +14951,7 @@
                 <a:ea typeface="Calibri" panose="020F0502020204030204" pitchFamily="34" charset="0"/>
                 <a:cs typeface="Calibri" panose="020F0502020204030204" pitchFamily="34" charset="0"/>
               </a:rPr>
-              <a:t>: you have the disease, but you don’t</a:t>
+              <a:t>: you do not have the disease, but we said you do</a:t>
             </a:r>
           </a:p>
           <a:p>
@@ -14292,7 +14961,7 @@
                 <a:ea typeface="Calibri" panose="020F0502020204030204" pitchFamily="34" charset="0"/>
                 <a:cs typeface="Calibri" panose="020F0502020204030204" pitchFamily="34" charset="0"/>
               </a:rPr>
-              <a:t>False negative rate is the probability that a case coded as 1 for the dependent variable (aka ‘positive’) is classified incorrectly. </a:t>
+              <a:t>False negative rate is the probability that a positive case (Y = 1 actually) is incorrectly classified as negative, or absent. </a:t>
             </a:r>
           </a:p>
           <a:p>
@@ -14303,7 +14972,7 @@
                 <a:ea typeface="Calibri" panose="020F0502020204030204" pitchFamily="34" charset="0"/>
                 <a:cs typeface="Calibri" panose="020F0502020204030204" pitchFamily="34" charset="0"/>
               </a:rPr>
-              <a:t>In other words, this is the percentage of cases in error where the dependent variable is predicted to be 0 (i.e., unprepared), but in fact the observed value is 1 (i.e., prepared)</a:t>
+              <a:t>In other words, the model misses the outcome being present</a:t>
             </a:r>
           </a:p>
           <a:p>
@@ -14322,7 +14991,7 @@
                 <a:ea typeface="Calibri" panose="020F0502020204030204" pitchFamily="34" charset="0"/>
                 <a:cs typeface="Calibri" panose="020F0502020204030204" pitchFamily="34" charset="0"/>
               </a:rPr>
-              <a:t>: you don’t have the disease, but you we said you did</a:t>
+              <a:t>: you have the disease, but you we said you do not</a:t>
             </a:r>
           </a:p>
           <a:p>
@@ -14857,7 +15526,7 @@
 </p:sld>
 </file>
 
-<file path=ppt/slides/slide17.xml><?xml version="1.0" encoding="utf-8"?>
+<file path=ppt/slides/slide19.xml><?xml version="1.0" encoding="utf-8"?>
 <p:sld xmlns:a="http://schemas.openxmlformats.org/drawingml/2006/main" xmlns:r="http://schemas.openxmlformats.org/officeDocument/2006/relationships" xmlns:p="http://schemas.openxmlformats.org/presentationml/2006/main">
   <p:cSld>
     <p:spTree>
@@ -15540,7 +16209,323 @@
 </p:sld>
 </file>
 
-<file path=ppt/slides/slide18.xml><?xml version="1.0" encoding="utf-8"?>
+<file path=ppt/slides/slide2.xml><?xml version="1.0" encoding="utf-8"?>
+<p:sld xmlns:a="http://schemas.openxmlformats.org/drawingml/2006/main" xmlns:r="http://schemas.openxmlformats.org/officeDocument/2006/relationships" xmlns:p="http://schemas.openxmlformats.org/presentationml/2006/main" showMasterSp="0">
+  <p:cSld>
+    <p:spTree>
+      <p:nvGrpSpPr>
+        <p:cNvPr id="1" name=""/>
+        <p:cNvGrpSpPr/>
+        <p:nvPr/>
+      </p:nvGrpSpPr>
+      <p:grpSpPr>
+        <a:xfrm>
+          <a:off x="0" y="0"/>
+          <a:ext cx="0" cy="0"/>
+          <a:chOff x="0" y="0"/>
+          <a:chExt cx="0" cy="0"/>
+        </a:xfrm>
+      </p:grpSpPr>
+      <p:sp>
+        <p:nvSpPr>
+          <p:cNvPr id="2" name="Title 1">
+            <a:extLst>
+              <a:ext uri="{FF2B5EF4-FFF2-40B4-BE49-F238E27FC236}">
+                <a16:creationId xmlns:a16="http://schemas.microsoft.com/office/drawing/2014/main" id="{BCE5EF9D-9FBE-5650-1B26-DDB8519D204B}"/>
+              </a:ext>
+            </a:extLst>
+          </p:cNvPr>
+          <p:cNvSpPr>
+            <a:spLocks noGrp="1"/>
+          </p:cNvSpPr>
+          <p:nvPr>
+            <p:ph type="title" idx="4294967295"/>
+          </p:nvPr>
+        </p:nvSpPr>
+        <p:spPr>
+          <a:xfrm>
+            <a:off x="209107" y="127590"/>
+            <a:ext cx="10058400" cy="744279"/>
+          </a:xfrm>
+        </p:spPr>
+        <p:txBody>
+          <a:bodyPr>
+            <a:normAutofit/>
+          </a:bodyPr>
+          <a:lstStyle/>
+          <a:p>
+            <a:r>
+              <a:rPr lang="en-US" sz="4400" dirty="0">
+                <a:latin typeface="Aptos Display" panose="020B0004020202020204" pitchFamily="34" charset="0"/>
+                <a:ea typeface="Calibri" panose="020F0502020204030204" pitchFamily="34" charset="0"/>
+                <a:cs typeface="Calibri" panose="020F0502020204030204" pitchFamily="34" charset="0"/>
+              </a:rPr>
+              <a:t>Introduction</a:t>
+            </a:r>
+          </a:p>
+        </p:txBody>
+      </p:sp>
+      <p:sp>
+        <p:nvSpPr>
+          <p:cNvPr id="3" name="Content Placeholder 2">
+            <a:extLst>
+              <a:ext uri="{FF2B5EF4-FFF2-40B4-BE49-F238E27FC236}">
+                <a16:creationId xmlns:a16="http://schemas.microsoft.com/office/drawing/2014/main" id="{2D456C36-BA8B-E098-8A6A-401001D4B761}"/>
+              </a:ext>
+            </a:extLst>
+          </p:cNvPr>
+          <p:cNvSpPr>
+            <a:spLocks noGrp="1"/>
+          </p:cNvSpPr>
+          <p:nvPr>
+            <p:ph idx="4294967295"/>
+          </p:nvPr>
+        </p:nvSpPr>
+        <p:spPr>
+          <a:xfrm>
+            <a:off x="209107" y="871869"/>
+            <a:ext cx="11982893" cy="4997119"/>
+          </a:xfrm>
+        </p:spPr>
+        <p:txBody>
+          <a:bodyPr>
+            <a:normAutofit/>
+          </a:bodyPr>
+          <a:lstStyle/>
+          <a:p>
+            <a:r>
+              <a:rPr lang="en-US" sz="2000" b="1" i="0" dirty="0">
+                <a:solidFill>
+                  <a:srgbClr val="242424"/>
+                </a:solidFill>
+                <a:effectLst/>
+                <a:latin typeface="Calibri" panose="020F0502020204030204" pitchFamily="34" charset="0"/>
+                <a:ea typeface="Calibri" panose="020F0502020204030204" pitchFamily="34" charset="0"/>
+                <a:cs typeface="Calibri" panose="020F0502020204030204" pitchFamily="34" charset="0"/>
+              </a:rPr>
+              <a:t>Logistic</a:t>
+            </a:r>
+            <a:r>
+              <a:rPr lang="en-US" sz="2000" b="0" i="0" dirty="0">
+                <a:solidFill>
+                  <a:srgbClr val="242424"/>
+                </a:solidFill>
+                <a:effectLst/>
+                <a:latin typeface="Calibri" panose="020F0502020204030204" pitchFamily="34" charset="0"/>
+                <a:ea typeface="Calibri" panose="020F0502020204030204" pitchFamily="34" charset="0"/>
+                <a:cs typeface="Calibri" panose="020F0502020204030204" pitchFamily="34" charset="0"/>
+              </a:rPr>
+              <a:t> regression is used when the dependent variable is </a:t>
+            </a:r>
+            <a:r>
+              <a:rPr lang="en-US" sz="2000" b="1" i="0" dirty="0">
+                <a:solidFill>
+                  <a:srgbClr val="242424"/>
+                </a:solidFill>
+                <a:effectLst/>
+                <a:latin typeface="Calibri" panose="020F0502020204030204" pitchFamily="34" charset="0"/>
+                <a:ea typeface="Calibri" panose="020F0502020204030204" pitchFamily="34" charset="0"/>
+                <a:cs typeface="Calibri" panose="020F0502020204030204" pitchFamily="34" charset="0"/>
+              </a:rPr>
+              <a:t>qualitative (e.g., Yes/No)</a:t>
+            </a:r>
+          </a:p>
+          <a:p>
+            <a:r>
+              <a:rPr lang="en-US" sz="2000" b="1" dirty="0">
+                <a:solidFill>
+                  <a:srgbClr val="242424"/>
+                </a:solidFill>
+                <a:latin typeface="Calibri" panose="020F0502020204030204" pitchFamily="34" charset="0"/>
+                <a:ea typeface="Calibri" panose="020F0502020204030204" pitchFamily="34" charset="0"/>
+                <a:cs typeface="Calibri" panose="020F0502020204030204" pitchFamily="34" charset="0"/>
+              </a:rPr>
+              <a:t>Recall</a:t>
+            </a:r>
+            <a:endParaRPr lang="en-US" b="1" dirty="0">
+              <a:solidFill>
+                <a:srgbClr val="242424"/>
+              </a:solidFill>
+              <a:latin typeface="Calibri" panose="020F0502020204030204" pitchFamily="34" charset="0"/>
+              <a:ea typeface="Calibri" panose="020F0502020204030204" pitchFamily="34" charset="0"/>
+              <a:cs typeface="Calibri" panose="020F0502020204030204" pitchFamily="34" charset="0"/>
+            </a:endParaRPr>
+          </a:p>
+          <a:p>
+            <a:pPr algn="l"/>
+            <a:r>
+              <a:rPr lang="en-US" sz="1800" b="0" i="0" dirty="0">
+                <a:solidFill>
+                  <a:srgbClr val="242424"/>
+                </a:solidFill>
+                <a:effectLst/>
+                <a:latin typeface="Calibri" panose="020F0502020204030204" pitchFamily="34" charset="0"/>
+                <a:ea typeface="Calibri" panose="020F0502020204030204" pitchFamily="34" charset="0"/>
+                <a:cs typeface="Calibri" panose="020F0502020204030204" pitchFamily="34" charset="0"/>
+              </a:rPr>
+              <a:t>A qualitative variable (also known as categorical) is not numerical, and its values fit into categories. It is also divided into two types:</a:t>
+            </a:r>
+          </a:p>
+          <a:p>
+            <a:pPr lvl="1"/>
+            <a:r>
+              <a:rPr lang="en-US" sz="1600" b="1" i="0" dirty="0">
+                <a:solidFill>
+                  <a:srgbClr val="242424"/>
+                </a:solidFill>
+                <a:effectLst/>
+                <a:latin typeface="Calibri" panose="020F0502020204030204" pitchFamily="34" charset="0"/>
+                <a:ea typeface="Calibri" panose="020F0502020204030204" pitchFamily="34" charset="0"/>
+                <a:cs typeface="Calibri" panose="020F0502020204030204" pitchFamily="34" charset="0"/>
+              </a:rPr>
+              <a:t>Nominal</a:t>
+            </a:r>
+            <a:r>
+              <a:rPr lang="en-US" sz="1600" b="0" i="0" dirty="0">
+                <a:solidFill>
+                  <a:srgbClr val="242424"/>
+                </a:solidFill>
+                <a:effectLst/>
+                <a:latin typeface="Calibri" panose="020F0502020204030204" pitchFamily="34" charset="0"/>
+                <a:ea typeface="Calibri" panose="020F0502020204030204" pitchFamily="34" charset="0"/>
+                <a:cs typeface="Calibri" panose="020F0502020204030204" pitchFamily="34" charset="0"/>
+              </a:rPr>
+              <a:t>: no ordering is possible or implied in the categories (for example </a:t>
+            </a:r>
+            <a:r>
+              <a:rPr lang="en-US" sz="1600" b="0" i="1" dirty="0">
+                <a:solidFill>
+                  <a:srgbClr val="242424"/>
+                </a:solidFill>
+                <a:effectLst/>
+                <a:latin typeface="Calibri" panose="020F0502020204030204" pitchFamily="34" charset="0"/>
+                <a:ea typeface="Calibri" panose="020F0502020204030204" pitchFamily="34" charset="0"/>
+                <a:cs typeface="Calibri" panose="020F0502020204030204" pitchFamily="34" charset="0"/>
+              </a:rPr>
+              <a:t>sex at birth</a:t>
+            </a:r>
+            <a:r>
+              <a:rPr lang="en-US" sz="1600" b="0" i="0" dirty="0">
+                <a:solidFill>
+                  <a:srgbClr val="242424"/>
+                </a:solidFill>
+                <a:effectLst/>
+                <a:latin typeface="Calibri" panose="020F0502020204030204" pitchFamily="34" charset="0"/>
+                <a:ea typeface="Calibri" panose="020F0502020204030204" pitchFamily="34" charset="0"/>
+                <a:cs typeface="Calibri" panose="020F0502020204030204" pitchFamily="34" charset="0"/>
+              </a:rPr>
+              <a:t>);</a:t>
+            </a:r>
+          </a:p>
+          <a:p>
+            <a:pPr lvl="1"/>
+            <a:r>
+              <a:rPr lang="en-US" sz="1600" b="1" i="0" dirty="0">
+                <a:solidFill>
+                  <a:srgbClr val="242424"/>
+                </a:solidFill>
+                <a:effectLst/>
+                <a:latin typeface="Calibri" panose="020F0502020204030204" pitchFamily="34" charset="0"/>
+                <a:ea typeface="Calibri" panose="020F0502020204030204" pitchFamily="34" charset="0"/>
+                <a:cs typeface="Calibri" panose="020F0502020204030204" pitchFamily="34" charset="0"/>
+              </a:rPr>
+              <a:t>Ordinal</a:t>
+            </a:r>
+            <a:r>
+              <a:rPr lang="en-US" sz="1600" b="0" i="0" dirty="0">
+                <a:solidFill>
+                  <a:srgbClr val="242424"/>
+                </a:solidFill>
+                <a:effectLst/>
+                <a:latin typeface="Calibri" panose="020F0502020204030204" pitchFamily="34" charset="0"/>
+                <a:ea typeface="Calibri" panose="020F0502020204030204" pitchFamily="34" charset="0"/>
+                <a:cs typeface="Calibri" panose="020F0502020204030204" pitchFamily="34" charset="0"/>
+              </a:rPr>
+              <a:t>: an order is implied in the categories (for example the health status, such as poor/reasonable/good, a Likert scale)</a:t>
+            </a:r>
+          </a:p>
+          <a:p>
+            <a:pPr algn="l"/>
+            <a:r>
+              <a:rPr lang="en-US" sz="2000" b="0" i="0" dirty="0">
+                <a:solidFill>
+                  <a:srgbClr val="242424"/>
+                </a:solidFill>
+                <a:effectLst/>
+                <a:latin typeface="Calibri" panose="020F0502020204030204" pitchFamily="34" charset="0"/>
+                <a:ea typeface="Calibri" panose="020F0502020204030204" pitchFamily="34" charset="0"/>
+                <a:cs typeface="Calibri" panose="020F0502020204030204" pitchFamily="34" charset="0"/>
+              </a:rPr>
+              <a:t>A </a:t>
+            </a:r>
+            <a:r>
+              <a:rPr lang="en-US" sz="2000" b="1" i="0" dirty="0">
+                <a:solidFill>
+                  <a:srgbClr val="242424"/>
+                </a:solidFill>
+                <a:effectLst/>
+                <a:latin typeface="Calibri" panose="020F0502020204030204" pitchFamily="34" charset="0"/>
+                <a:ea typeface="Calibri" panose="020F0502020204030204" pitchFamily="34" charset="0"/>
+                <a:cs typeface="Calibri" panose="020F0502020204030204" pitchFamily="34" charset="0"/>
+              </a:rPr>
+              <a:t>binary</a:t>
+            </a:r>
+            <a:r>
+              <a:rPr lang="en-US" sz="2000" b="0" i="0" dirty="0">
+                <a:solidFill>
+                  <a:srgbClr val="242424"/>
+                </a:solidFill>
+                <a:effectLst/>
+                <a:latin typeface="Calibri" panose="020F0502020204030204" pitchFamily="34" charset="0"/>
+                <a:ea typeface="Calibri" panose="020F0502020204030204" pitchFamily="34" charset="0"/>
+                <a:cs typeface="Calibri" panose="020F0502020204030204" pitchFamily="34" charset="0"/>
+              </a:rPr>
+              <a:t> variable, also known as dichotomous, is a special case of a qualitative nominal variable when there are </a:t>
+            </a:r>
+            <a:r>
+              <a:rPr lang="en-US" sz="2000" b="1" i="0" dirty="0">
+                <a:solidFill>
+                  <a:srgbClr val="242424"/>
+                </a:solidFill>
+                <a:effectLst/>
+                <a:latin typeface="Calibri" panose="020F0502020204030204" pitchFamily="34" charset="0"/>
+                <a:ea typeface="Calibri" panose="020F0502020204030204" pitchFamily="34" charset="0"/>
+                <a:cs typeface="Calibri" panose="020F0502020204030204" pitchFamily="34" charset="0"/>
+              </a:rPr>
+              <a:t>only two categories</a:t>
+            </a:r>
+            <a:r>
+              <a:rPr lang="en-US" sz="2000" b="0" i="0" dirty="0">
+                <a:solidFill>
+                  <a:srgbClr val="242424"/>
+                </a:solidFill>
+                <a:effectLst/>
+                <a:latin typeface="Calibri" panose="020F0502020204030204" pitchFamily="34" charset="0"/>
+                <a:ea typeface="Calibri" panose="020F0502020204030204" pitchFamily="34" charset="0"/>
+                <a:cs typeface="Calibri" panose="020F0502020204030204" pitchFamily="34" charset="0"/>
+              </a:rPr>
+              <a:t>.</a:t>
+            </a:r>
+          </a:p>
+          <a:p>
+            <a:endParaRPr lang="en-US" dirty="0"/>
+          </a:p>
+        </p:txBody>
+      </p:sp>
+    </p:spTree>
+    <p:extLst>
+      <p:ext uri="{BB962C8B-B14F-4D97-AF65-F5344CB8AC3E}">
+        <p14:creationId xmlns:p14="http://schemas.microsoft.com/office/powerpoint/2010/main" val="1523421554"/>
+      </p:ext>
+    </p:extLst>
+  </p:cSld>
+  <p:clrMapOvr>
+    <a:masterClrMapping/>
+  </p:clrMapOvr>
+</p:sld>
+</file>
+
+<file path=ppt/slides/slide20.xml><?xml version="1.0" encoding="utf-8"?>
 <p:sld xmlns:a="http://schemas.openxmlformats.org/drawingml/2006/main" xmlns:r="http://schemas.openxmlformats.org/officeDocument/2006/relationships" xmlns:p="http://schemas.openxmlformats.org/presentationml/2006/main">
   <p:cSld>
     <p:spTree>
@@ -15736,7 +16721,7 @@
 </p:sld>
 </file>
 
-<file path=ppt/slides/slide19.xml><?xml version="1.0" encoding="utf-8"?>
+<file path=ppt/slides/slide21.xml><?xml version="1.0" encoding="utf-8"?>
 <p:sld xmlns:a="http://schemas.openxmlformats.org/drawingml/2006/main" xmlns:r="http://schemas.openxmlformats.org/officeDocument/2006/relationships" xmlns:p="http://schemas.openxmlformats.org/presentationml/2006/main">
   <p:cSld>
     <p:spTree>
@@ -16676,323 +17661,7 @@
 </p:sld>
 </file>
 
-<file path=ppt/slides/slide2.xml><?xml version="1.0" encoding="utf-8"?>
-<p:sld xmlns:a="http://schemas.openxmlformats.org/drawingml/2006/main" xmlns:r="http://schemas.openxmlformats.org/officeDocument/2006/relationships" xmlns:p="http://schemas.openxmlformats.org/presentationml/2006/main" showMasterSp="0">
-  <p:cSld>
-    <p:spTree>
-      <p:nvGrpSpPr>
-        <p:cNvPr id="1" name=""/>
-        <p:cNvGrpSpPr/>
-        <p:nvPr/>
-      </p:nvGrpSpPr>
-      <p:grpSpPr>
-        <a:xfrm>
-          <a:off x="0" y="0"/>
-          <a:ext cx="0" cy="0"/>
-          <a:chOff x="0" y="0"/>
-          <a:chExt cx="0" cy="0"/>
-        </a:xfrm>
-      </p:grpSpPr>
-      <p:sp>
-        <p:nvSpPr>
-          <p:cNvPr id="2" name="Title 1">
-            <a:extLst>
-              <a:ext uri="{FF2B5EF4-FFF2-40B4-BE49-F238E27FC236}">
-                <a16:creationId xmlns:a16="http://schemas.microsoft.com/office/drawing/2014/main" id="{BCE5EF9D-9FBE-5650-1B26-DDB8519D204B}"/>
-              </a:ext>
-            </a:extLst>
-          </p:cNvPr>
-          <p:cNvSpPr>
-            <a:spLocks noGrp="1"/>
-          </p:cNvSpPr>
-          <p:nvPr>
-            <p:ph type="title" idx="4294967295"/>
-          </p:nvPr>
-        </p:nvSpPr>
-        <p:spPr>
-          <a:xfrm>
-            <a:off x="209107" y="127590"/>
-            <a:ext cx="10058400" cy="744279"/>
-          </a:xfrm>
-        </p:spPr>
-        <p:txBody>
-          <a:bodyPr>
-            <a:normAutofit/>
-          </a:bodyPr>
-          <a:lstStyle/>
-          <a:p>
-            <a:r>
-              <a:rPr lang="en-US" sz="4400" dirty="0">
-                <a:latin typeface="Aptos Display" panose="020B0004020202020204" pitchFamily="34" charset="0"/>
-                <a:ea typeface="Calibri" panose="020F0502020204030204" pitchFamily="34" charset="0"/>
-                <a:cs typeface="Calibri" panose="020F0502020204030204" pitchFamily="34" charset="0"/>
-              </a:rPr>
-              <a:t>Introduction</a:t>
-            </a:r>
-          </a:p>
-        </p:txBody>
-      </p:sp>
-      <p:sp>
-        <p:nvSpPr>
-          <p:cNvPr id="3" name="Content Placeholder 2">
-            <a:extLst>
-              <a:ext uri="{FF2B5EF4-FFF2-40B4-BE49-F238E27FC236}">
-                <a16:creationId xmlns:a16="http://schemas.microsoft.com/office/drawing/2014/main" id="{2D456C36-BA8B-E098-8A6A-401001D4B761}"/>
-              </a:ext>
-            </a:extLst>
-          </p:cNvPr>
-          <p:cNvSpPr>
-            <a:spLocks noGrp="1"/>
-          </p:cNvSpPr>
-          <p:nvPr>
-            <p:ph idx="4294967295"/>
-          </p:nvPr>
-        </p:nvSpPr>
-        <p:spPr>
-          <a:xfrm>
-            <a:off x="209107" y="871869"/>
-            <a:ext cx="11982893" cy="4997119"/>
-          </a:xfrm>
-        </p:spPr>
-        <p:txBody>
-          <a:bodyPr>
-            <a:normAutofit/>
-          </a:bodyPr>
-          <a:lstStyle/>
-          <a:p>
-            <a:r>
-              <a:rPr lang="en-US" sz="2000" b="1" i="0" dirty="0">
-                <a:solidFill>
-                  <a:srgbClr val="242424"/>
-                </a:solidFill>
-                <a:effectLst/>
-                <a:latin typeface="Calibri" panose="020F0502020204030204" pitchFamily="34" charset="0"/>
-                <a:ea typeface="Calibri" panose="020F0502020204030204" pitchFamily="34" charset="0"/>
-                <a:cs typeface="Calibri" panose="020F0502020204030204" pitchFamily="34" charset="0"/>
-              </a:rPr>
-              <a:t>Logistic</a:t>
-            </a:r>
-            <a:r>
-              <a:rPr lang="en-US" sz="2000" b="0" i="0" dirty="0">
-                <a:solidFill>
-                  <a:srgbClr val="242424"/>
-                </a:solidFill>
-                <a:effectLst/>
-                <a:latin typeface="Calibri" panose="020F0502020204030204" pitchFamily="34" charset="0"/>
-                <a:ea typeface="Calibri" panose="020F0502020204030204" pitchFamily="34" charset="0"/>
-                <a:cs typeface="Calibri" panose="020F0502020204030204" pitchFamily="34" charset="0"/>
-              </a:rPr>
-              <a:t> regression is used when the dependent variable is </a:t>
-            </a:r>
-            <a:r>
-              <a:rPr lang="en-US" sz="2000" b="1" i="0" dirty="0">
-                <a:solidFill>
-                  <a:srgbClr val="242424"/>
-                </a:solidFill>
-                <a:effectLst/>
-                <a:latin typeface="Calibri" panose="020F0502020204030204" pitchFamily="34" charset="0"/>
-                <a:ea typeface="Calibri" panose="020F0502020204030204" pitchFamily="34" charset="0"/>
-                <a:cs typeface="Calibri" panose="020F0502020204030204" pitchFamily="34" charset="0"/>
-              </a:rPr>
-              <a:t>qualitative (e.g., Yes/No)</a:t>
-            </a:r>
-          </a:p>
-          <a:p>
-            <a:r>
-              <a:rPr lang="en-US" sz="2000" b="1" dirty="0">
-                <a:solidFill>
-                  <a:srgbClr val="242424"/>
-                </a:solidFill>
-                <a:latin typeface="Calibri" panose="020F0502020204030204" pitchFamily="34" charset="0"/>
-                <a:ea typeface="Calibri" panose="020F0502020204030204" pitchFamily="34" charset="0"/>
-                <a:cs typeface="Calibri" panose="020F0502020204030204" pitchFamily="34" charset="0"/>
-              </a:rPr>
-              <a:t>Recall</a:t>
-            </a:r>
-            <a:endParaRPr lang="en-US" b="1" dirty="0">
-              <a:solidFill>
-                <a:srgbClr val="242424"/>
-              </a:solidFill>
-              <a:latin typeface="Calibri" panose="020F0502020204030204" pitchFamily="34" charset="0"/>
-              <a:ea typeface="Calibri" panose="020F0502020204030204" pitchFamily="34" charset="0"/>
-              <a:cs typeface="Calibri" panose="020F0502020204030204" pitchFamily="34" charset="0"/>
-            </a:endParaRPr>
-          </a:p>
-          <a:p>
-            <a:pPr algn="l"/>
-            <a:r>
-              <a:rPr lang="en-US" sz="1800" b="0" i="0" dirty="0">
-                <a:solidFill>
-                  <a:srgbClr val="242424"/>
-                </a:solidFill>
-                <a:effectLst/>
-                <a:latin typeface="Calibri" panose="020F0502020204030204" pitchFamily="34" charset="0"/>
-                <a:ea typeface="Calibri" panose="020F0502020204030204" pitchFamily="34" charset="0"/>
-                <a:cs typeface="Calibri" panose="020F0502020204030204" pitchFamily="34" charset="0"/>
-              </a:rPr>
-              <a:t>A qualitative variable (also known as categorical) is not numerical, and its values fit into categories. It is also divided into two types:</a:t>
-            </a:r>
-          </a:p>
-          <a:p>
-            <a:pPr lvl="1"/>
-            <a:r>
-              <a:rPr lang="en-US" sz="1600" b="1" i="0" dirty="0">
-                <a:solidFill>
-                  <a:srgbClr val="242424"/>
-                </a:solidFill>
-                <a:effectLst/>
-                <a:latin typeface="Calibri" panose="020F0502020204030204" pitchFamily="34" charset="0"/>
-                <a:ea typeface="Calibri" panose="020F0502020204030204" pitchFamily="34" charset="0"/>
-                <a:cs typeface="Calibri" panose="020F0502020204030204" pitchFamily="34" charset="0"/>
-              </a:rPr>
-              <a:t>Nominal</a:t>
-            </a:r>
-            <a:r>
-              <a:rPr lang="en-US" sz="1600" b="0" i="0" dirty="0">
-                <a:solidFill>
-                  <a:srgbClr val="242424"/>
-                </a:solidFill>
-                <a:effectLst/>
-                <a:latin typeface="Calibri" panose="020F0502020204030204" pitchFamily="34" charset="0"/>
-                <a:ea typeface="Calibri" panose="020F0502020204030204" pitchFamily="34" charset="0"/>
-                <a:cs typeface="Calibri" panose="020F0502020204030204" pitchFamily="34" charset="0"/>
-              </a:rPr>
-              <a:t>: no ordering is possible or implied in the categories (for example </a:t>
-            </a:r>
-            <a:r>
-              <a:rPr lang="en-US" sz="1600" b="0" i="1" dirty="0">
-                <a:solidFill>
-                  <a:srgbClr val="242424"/>
-                </a:solidFill>
-                <a:effectLst/>
-                <a:latin typeface="Calibri" panose="020F0502020204030204" pitchFamily="34" charset="0"/>
-                <a:ea typeface="Calibri" panose="020F0502020204030204" pitchFamily="34" charset="0"/>
-                <a:cs typeface="Calibri" panose="020F0502020204030204" pitchFamily="34" charset="0"/>
-              </a:rPr>
-              <a:t>sex at birth</a:t>
-            </a:r>
-            <a:r>
-              <a:rPr lang="en-US" sz="1600" b="0" i="0" dirty="0">
-                <a:solidFill>
-                  <a:srgbClr val="242424"/>
-                </a:solidFill>
-                <a:effectLst/>
-                <a:latin typeface="Calibri" panose="020F0502020204030204" pitchFamily="34" charset="0"/>
-                <a:ea typeface="Calibri" panose="020F0502020204030204" pitchFamily="34" charset="0"/>
-                <a:cs typeface="Calibri" panose="020F0502020204030204" pitchFamily="34" charset="0"/>
-              </a:rPr>
-              <a:t>);</a:t>
-            </a:r>
-          </a:p>
-          <a:p>
-            <a:pPr lvl="1"/>
-            <a:r>
-              <a:rPr lang="en-US" sz="1600" b="1" i="0" dirty="0">
-                <a:solidFill>
-                  <a:srgbClr val="242424"/>
-                </a:solidFill>
-                <a:effectLst/>
-                <a:latin typeface="Calibri" panose="020F0502020204030204" pitchFamily="34" charset="0"/>
-                <a:ea typeface="Calibri" panose="020F0502020204030204" pitchFamily="34" charset="0"/>
-                <a:cs typeface="Calibri" panose="020F0502020204030204" pitchFamily="34" charset="0"/>
-              </a:rPr>
-              <a:t>Ordinal</a:t>
-            </a:r>
-            <a:r>
-              <a:rPr lang="en-US" sz="1600" b="0" i="0" dirty="0">
-                <a:solidFill>
-                  <a:srgbClr val="242424"/>
-                </a:solidFill>
-                <a:effectLst/>
-                <a:latin typeface="Calibri" panose="020F0502020204030204" pitchFamily="34" charset="0"/>
-                <a:ea typeface="Calibri" panose="020F0502020204030204" pitchFamily="34" charset="0"/>
-                <a:cs typeface="Calibri" panose="020F0502020204030204" pitchFamily="34" charset="0"/>
-              </a:rPr>
-              <a:t>: an order is implied in the categories (for example the health status, such as poor/reasonable/good, a Likert scale)</a:t>
-            </a:r>
-          </a:p>
-          <a:p>
-            <a:pPr algn="l"/>
-            <a:r>
-              <a:rPr lang="en-US" sz="2000" b="0" i="0" dirty="0">
-                <a:solidFill>
-                  <a:srgbClr val="242424"/>
-                </a:solidFill>
-                <a:effectLst/>
-                <a:latin typeface="Calibri" panose="020F0502020204030204" pitchFamily="34" charset="0"/>
-                <a:ea typeface="Calibri" panose="020F0502020204030204" pitchFamily="34" charset="0"/>
-                <a:cs typeface="Calibri" panose="020F0502020204030204" pitchFamily="34" charset="0"/>
-              </a:rPr>
-              <a:t>A </a:t>
-            </a:r>
-            <a:r>
-              <a:rPr lang="en-US" sz="2000" b="1" i="0" dirty="0">
-                <a:solidFill>
-                  <a:srgbClr val="242424"/>
-                </a:solidFill>
-                <a:effectLst/>
-                <a:latin typeface="Calibri" panose="020F0502020204030204" pitchFamily="34" charset="0"/>
-                <a:ea typeface="Calibri" panose="020F0502020204030204" pitchFamily="34" charset="0"/>
-                <a:cs typeface="Calibri" panose="020F0502020204030204" pitchFamily="34" charset="0"/>
-              </a:rPr>
-              <a:t>binary</a:t>
-            </a:r>
-            <a:r>
-              <a:rPr lang="en-US" sz="2000" b="0" i="0" dirty="0">
-                <a:solidFill>
-                  <a:srgbClr val="242424"/>
-                </a:solidFill>
-                <a:effectLst/>
-                <a:latin typeface="Calibri" panose="020F0502020204030204" pitchFamily="34" charset="0"/>
-                <a:ea typeface="Calibri" panose="020F0502020204030204" pitchFamily="34" charset="0"/>
-                <a:cs typeface="Calibri" panose="020F0502020204030204" pitchFamily="34" charset="0"/>
-              </a:rPr>
-              <a:t> variable, also known as dichotomous, is a special case of a qualitative nominal variable when there are </a:t>
-            </a:r>
-            <a:r>
-              <a:rPr lang="en-US" sz="2000" b="1" i="0" dirty="0">
-                <a:solidFill>
-                  <a:srgbClr val="242424"/>
-                </a:solidFill>
-                <a:effectLst/>
-                <a:latin typeface="Calibri" panose="020F0502020204030204" pitchFamily="34" charset="0"/>
-                <a:ea typeface="Calibri" panose="020F0502020204030204" pitchFamily="34" charset="0"/>
-                <a:cs typeface="Calibri" panose="020F0502020204030204" pitchFamily="34" charset="0"/>
-              </a:rPr>
-              <a:t>only two categories</a:t>
-            </a:r>
-            <a:r>
-              <a:rPr lang="en-US" sz="2000" b="0" i="0" dirty="0">
-                <a:solidFill>
-                  <a:srgbClr val="242424"/>
-                </a:solidFill>
-                <a:effectLst/>
-                <a:latin typeface="Calibri" panose="020F0502020204030204" pitchFamily="34" charset="0"/>
-                <a:ea typeface="Calibri" panose="020F0502020204030204" pitchFamily="34" charset="0"/>
-                <a:cs typeface="Calibri" panose="020F0502020204030204" pitchFamily="34" charset="0"/>
-              </a:rPr>
-              <a:t>.</a:t>
-            </a:r>
-          </a:p>
-          <a:p>
-            <a:endParaRPr lang="en-US" dirty="0"/>
-          </a:p>
-        </p:txBody>
-      </p:sp>
-    </p:spTree>
-    <p:extLst>
-      <p:ext uri="{BB962C8B-B14F-4D97-AF65-F5344CB8AC3E}">
-        <p14:creationId xmlns:p14="http://schemas.microsoft.com/office/powerpoint/2010/main" val="1523421554"/>
-      </p:ext>
-    </p:extLst>
-  </p:cSld>
-  <p:clrMapOvr>
-    <a:masterClrMapping/>
-  </p:clrMapOvr>
-</p:sld>
-</file>
-
-<file path=ppt/slides/slide20.xml><?xml version="1.0" encoding="utf-8"?>
+<file path=ppt/slides/slide22.xml><?xml version="1.0" encoding="utf-8"?>
 <p:sld xmlns:a="http://schemas.openxmlformats.org/drawingml/2006/main" xmlns:r="http://schemas.openxmlformats.org/officeDocument/2006/relationships" xmlns:p="http://schemas.openxmlformats.org/presentationml/2006/main">
   <p:cSld>
     <p:spTree>
@@ -17088,7 +17757,7 @@
 </p:sld>
 </file>
 
-<file path=ppt/slides/slide21.xml><?xml version="1.0" encoding="utf-8"?>
+<file path=ppt/slides/slide23.xml><?xml version="1.0" encoding="utf-8"?>
 <p:sld xmlns:a="http://schemas.openxmlformats.org/drawingml/2006/main" xmlns:r="http://schemas.openxmlformats.org/officeDocument/2006/relationships" xmlns:p="http://schemas.openxmlformats.org/presentationml/2006/main">
   <p:cSld>
     <p:spTree>
@@ -17200,7 +17869,7 @@
 </p:sld>
 </file>
 
-<file path=ppt/slides/slide22.xml><?xml version="1.0" encoding="utf-8"?>
+<file path=ppt/slides/slide24.xml><?xml version="1.0" encoding="utf-8"?>
 <p:sld xmlns:a="http://schemas.openxmlformats.org/drawingml/2006/main" xmlns:r="http://schemas.openxmlformats.org/officeDocument/2006/relationships" xmlns:p="http://schemas.openxmlformats.org/presentationml/2006/main">
   <p:cSld>
     <p:spTree>
@@ -17304,8 +17973,8 @@
           </a:p>
         </p:txBody>
       </p:sp>
-      <mc:AlternateContent xmlns:mc="http://schemas.openxmlformats.org/markup-compatibility/2006">
-        <mc:Choice xmlns:a14="http://schemas.microsoft.com/office/drawing/2010/main" Requires="a14">
+      <mc:AlternateContent xmlns:mc="http://schemas.openxmlformats.org/markup-compatibility/2006" xmlns:a14="http://schemas.microsoft.com/office/drawing/2010/main">
+        <mc:Choice Requires="a14">
           <p:sp>
             <p:nvSpPr>
               <p:cNvPr id="6" name="TextBox 5">
@@ -17449,7 +18118,7 @@
             </p:txBody>
           </p:sp>
         </mc:Choice>
-        <mc:Fallback>
+        <mc:Fallback xmlns="">
           <p:sp>
             <p:nvSpPr>
               <p:cNvPr id="6" name="TextBox 5">
@@ -17917,8 +18586,8 @@
           </p:sp>
         </mc:Fallback>
       </mc:AlternateContent>
-      <mc:AlternateContent xmlns:mc="http://schemas.openxmlformats.org/markup-compatibility/2006">
-        <mc:Choice xmlns:a14="http://schemas.microsoft.com/office/drawing/2010/main" Requires="a14">
+      <mc:AlternateContent xmlns:mc="http://schemas.openxmlformats.org/markup-compatibility/2006" xmlns:a14="http://schemas.microsoft.com/office/drawing/2010/main">
+        <mc:Choice Requires="a14">
           <p:sp>
             <p:nvSpPr>
               <p:cNvPr id="10" name="TextBox 9">
@@ -18069,7 +18738,7 @@
             </p:txBody>
           </p:sp>
         </mc:Choice>
-        <mc:Fallback>
+        <mc:Fallback xmlns="">
           <p:sp>
             <p:nvSpPr>
               <p:cNvPr id="10" name="TextBox 9">
@@ -18127,7 +18796,7 @@
 </p:sld>
 </file>
 
-<file path=ppt/slides/slide23.xml><?xml version="1.0" encoding="utf-8"?>
+<file path=ppt/slides/slide25.xml><?xml version="1.0" encoding="utf-8"?>
 <p:sld xmlns:a="http://schemas.openxmlformats.org/drawingml/2006/main" xmlns:r="http://schemas.openxmlformats.org/officeDocument/2006/relationships" xmlns:p="http://schemas.openxmlformats.org/presentationml/2006/main">
   <p:cSld>
     <p:spTree>
@@ -22675,7 +23344,7 @@
 </p:sld>
 </file>
 
-<file path=ppt/slides/slide24.xml><?xml version="1.0" encoding="utf-8"?>
+<file path=ppt/slides/slide26.xml><?xml version="1.0" encoding="utf-8"?>
 <p:sld xmlns:a="http://schemas.openxmlformats.org/drawingml/2006/main" xmlns:r="http://schemas.openxmlformats.org/officeDocument/2006/relationships" xmlns:p="http://schemas.openxmlformats.org/presentationml/2006/main">
   <p:cSld>
     <p:spTree>
@@ -22932,7 +23601,7 @@
 </p:sld>
 </file>
 
-<file path=ppt/slides/slide25.xml><?xml version="1.0" encoding="utf-8"?>
+<file path=ppt/slides/slide27.xml><?xml version="1.0" encoding="utf-8"?>
 <p:sld xmlns:a="http://schemas.openxmlformats.org/drawingml/2006/main" xmlns:r="http://schemas.openxmlformats.org/officeDocument/2006/relationships" xmlns:p="http://schemas.openxmlformats.org/presentationml/2006/main">
   <p:cSld>
     <p:spTree>
@@ -24221,7 +24890,7 @@
 </p:sld>
 </file>
 
-<file path=ppt/slides/slide26.xml><?xml version="1.0" encoding="utf-8"?>
+<file path=ppt/slides/slide28.xml><?xml version="1.0" encoding="utf-8"?>
 <p:sld xmlns:a="http://schemas.openxmlformats.org/drawingml/2006/main" xmlns:r="http://schemas.openxmlformats.org/officeDocument/2006/relationships" xmlns:p="http://schemas.openxmlformats.org/presentationml/2006/main">
   <p:cSld>
     <p:spTree>
@@ -25686,7 +26355,7 @@
 </p:sld>
 </file>
 
-<file path=ppt/slides/slide27.xml><?xml version="1.0" encoding="utf-8"?>
+<file path=ppt/slides/slide29.xml><?xml version="1.0" encoding="utf-8"?>
 <p:sld xmlns:a="http://schemas.openxmlformats.org/drawingml/2006/main" xmlns:r="http://schemas.openxmlformats.org/officeDocument/2006/relationships" xmlns:p="http://schemas.openxmlformats.org/presentationml/2006/main">
   <p:cSld>
     <p:spTree>
@@ -27810,7 +28479,504 @@
 </p:sld>
 </file>
 
-<file path=ppt/slides/slide28.xml><?xml version="1.0" encoding="utf-8"?>
+<file path=ppt/slides/slide3.xml><?xml version="1.0" encoding="utf-8"?>
+<p:sld xmlns:a="http://schemas.openxmlformats.org/drawingml/2006/main" xmlns:r="http://schemas.openxmlformats.org/officeDocument/2006/relationships" xmlns:p="http://schemas.openxmlformats.org/presentationml/2006/main" showMasterSp="0">
+  <p:cSld>
+    <p:spTree>
+      <p:nvGrpSpPr>
+        <p:cNvPr id="1" name=""/>
+        <p:cNvGrpSpPr/>
+        <p:nvPr/>
+      </p:nvGrpSpPr>
+      <p:grpSpPr>
+        <a:xfrm>
+          <a:off x="0" y="0"/>
+          <a:ext cx="0" cy="0"/>
+          <a:chOff x="0" y="0"/>
+          <a:chExt cx="0" cy="0"/>
+        </a:xfrm>
+      </p:grpSpPr>
+      <p:sp>
+        <p:nvSpPr>
+          <p:cNvPr id="2" name="Title 1">
+            <a:extLst>
+              <a:ext uri="{FF2B5EF4-FFF2-40B4-BE49-F238E27FC236}">
+                <a16:creationId xmlns:a16="http://schemas.microsoft.com/office/drawing/2014/main" id="{939131A9-29DF-2285-A265-C66D4E486357}"/>
+              </a:ext>
+            </a:extLst>
+          </p:cNvPr>
+          <p:cNvSpPr>
+            <a:spLocks noGrp="1"/>
+          </p:cNvSpPr>
+          <p:nvPr>
+            <p:ph type="title" idx="4294967295"/>
+          </p:nvPr>
+        </p:nvSpPr>
+        <p:spPr>
+          <a:xfrm>
+            <a:off x="85060" y="0"/>
+            <a:ext cx="12106940" cy="797183"/>
+          </a:xfrm>
+        </p:spPr>
+        <p:txBody>
+          <a:bodyPr>
+            <a:normAutofit/>
+          </a:bodyPr>
+          <a:lstStyle/>
+          <a:p>
+            <a:r>
+              <a:rPr lang="en-US" sz="4000" dirty="0">
+                <a:latin typeface="Aptos Display" panose="020B0004020202020204" pitchFamily="34" charset="0"/>
+              </a:rPr>
+              <a:t>Research Questions &amp; Methodological Approaches</a:t>
+            </a:r>
+            <a:endParaRPr lang="en-US" sz="4000" dirty="0">
+              <a:latin typeface="Aptos Display" panose="020B0004020202020204" pitchFamily="34" charset="0"/>
+              <a:ea typeface="Calibri" panose="020F0502020204030204" pitchFamily="34" charset="0"/>
+              <a:cs typeface="Calibri" panose="020F0502020204030204" pitchFamily="34" charset="0"/>
+            </a:endParaRPr>
+          </a:p>
+        </p:txBody>
+      </p:sp>
+      <p:sp>
+        <p:nvSpPr>
+          <p:cNvPr id="3" name="Content Placeholder 2">
+            <a:extLst>
+              <a:ext uri="{FF2B5EF4-FFF2-40B4-BE49-F238E27FC236}">
+                <a16:creationId xmlns:a16="http://schemas.microsoft.com/office/drawing/2014/main" id="{6C6E611A-72D1-EA71-D0E2-6540A6C0C083}"/>
+              </a:ext>
+            </a:extLst>
+          </p:cNvPr>
+          <p:cNvSpPr>
+            <a:spLocks noGrp="1"/>
+          </p:cNvSpPr>
+          <p:nvPr>
+            <p:ph idx="4294967295"/>
+          </p:nvPr>
+        </p:nvSpPr>
+        <p:spPr>
+          <a:xfrm>
+            <a:off x="393405" y="1084521"/>
+            <a:ext cx="11259879" cy="4784467"/>
+          </a:xfrm>
+        </p:spPr>
+        <p:txBody>
+          <a:bodyPr>
+            <a:normAutofit/>
+          </a:bodyPr>
+          <a:lstStyle/>
+          <a:p>
+            <a:pPr marL="228600" marR="0" lvl="0" indent="-228600" algn="l" defTabSz="914400" rtl="0" eaLnBrk="1" fontAlgn="auto" latinLnBrk="0" hangingPunct="1">
+              <a:lnSpc>
+                <a:spcPct val="90000"/>
+              </a:lnSpc>
+              <a:spcBef>
+                <a:spcPts val="1000"/>
+              </a:spcBef>
+              <a:spcAft>
+                <a:spcPts val="0"/>
+              </a:spcAft>
+              <a:buClrTx/>
+              <a:buSzTx/>
+              <a:buFont typeface="Arial" panose="020B0604020202020204" pitchFamily="34" charset="0"/>
+              <a:buChar char="•"/>
+              <a:tabLst/>
+              <a:defRPr/>
+            </a:pPr>
+            <a:r>
+              <a:rPr kumimoji="0" lang="en-US" sz="2000" b="1" i="0" u="none" strike="noStrike" kern="1200" cap="none" spc="0" normalizeH="0" baseline="0" noProof="0" dirty="0">
+                <a:ln>
+                  <a:noFill/>
+                </a:ln>
+                <a:solidFill>
+                  <a:prstClr val="black"/>
+                </a:solidFill>
+                <a:effectLst/>
+                <a:uLnTx/>
+                <a:uFillTx/>
+                <a:latin typeface="Calibri" panose="020F0502020204030204"/>
+                <a:ea typeface="+mn-ea"/>
+                <a:cs typeface="+mn-cs"/>
+              </a:rPr>
+              <a:t>Medicine</a:t>
+            </a:r>
+          </a:p>
+          <a:p>
+            <a:pPr marL="685800" marR="0" lvl="1" indent="-228600" algn="l" defTabSz="914400" rtl="0" eaLnBrk="1" fontAlgn="auto" latinLnBrk="0" hangingPunct="1">
+              <a:lnSpc>
+                <a:spcPct val="90000"/>
+              </a:lnSpc>
+              <a:spcBef>
+                <a:spcPts val="500"/>
+              </a:spcBef>
+              <a:spcAft>
+                <a:spcPts val="0"/>
+              </a:spcAft>
+              <a:buClrTx/>
+              <a:buSzTx/>
+              <a:buFont typeface="Arial" panose="020B0604020202020204" pitchFamily="34" charset="0"/>
+              <a:buChar char="•"/>
+              <a:tabLst/>
+              <a:defRPr/>
+            </a:pPr>
+            <a:r>
+              <a:rPr kumimoji="0" lang="en-US" sz="2000" b="0" i="0" u="none" strike="noStrike" kern="1200" cap="none" spc="0" normalizeH="0" baseline="0" noProof="0" dirty="0">
+                <a:ln>
+                  <a:noFill/>
+                </a:ln>
+                <a:solidFill>
+                  <a:prstClr val="black"/>
+                </a:solidFill>
+                <a:effectLst/>
+                <a:uLnTx/>
+                <a:uFillTx/>
+                <a:latin typeface="Calibri" panose="020F0502020204030204"/>
+                <a:ea typeface="+mn-ea"/>
+                <a:cs typeface="+mn-cs"/>
+              </a:rPr>
+              <a:t>Estimate the risk factors associated with a disease or a harmful condition</a:t>
+            </a:r>
+          </a:p>
+          <a:p>
+            <a:pPr marL="685800" marR="0" lvl="1" indent="-228600" algn="l" defTabSz="914400" rtl="0" eaLnBrk="1" fontAlgn="auto" latinLnBrk="0" hangingPunct="1">
+              <a:lnSpc>
+                <a:spcPct val="90000"/>
+              </a:lnSpc>
+              <a:spcBef>
+                <a:spcPts val="500"/>
+              </a:spcBef>
+              <a:spcAft>
+                <a:spcPts val="0"/>
+              </a:spcAft>
+              <a:buClrTx/>
+              <a:buSzTx/>
+              <a:buFont typeface="Arial" panose="020B0604020202020204" pitchFamily="34" charset="0"/>
+              <a:buChar char="•"/>
+              <a:tabLst/>
+              <a:defRPr/>
+            </a:pPr>
+            <a:r>
+              <a:rPr kumimoji="0" lang="en-US" sz="2000" b="0" i="0" u="none" strike="noStrike" kern="1200" cap="none" spc="0" normalizeH="0" baseline="0" noProof="0" dirty="0">
+                <a:ln>
+                  <a:noFill/>
+                </a:ln>
+                <a:solidFill>
+                  <a:prstClr val="black"/>
+                </a:solidFill>
+                <a:effectLst/>
+                <a:uLnTx/>
+                <a:uFillTx/>
+                <a:latin typeface="Calibri" panose="020F0502020204030204"/>
+                <a:ea typeface="+mn-ea"/>
+                <a:cs typeface="+mn-cs"/>
+              </a:rPr>
+              <a:t>Predict the risk of developing a disease based on a patient’s medical history</a:t>
+            </a:r>
+          </a:p>
+          <a:p>
+            <a:pPr marL="685800" marR="0" lvl="1" indent="-228600" algn="l" defTabSz="914400" rtl="0" eaLnBrk="1" fontAlgn="auto" latinLnBrk="0" hangingPunct="1">
+              <a:lnSpc>
+                <a:spcPct val="90000"/>
+              </a:lnSpc>
+              <a:spcBef>
+                <a:spcPts val="500"/>
+              </a:spcBef>
+              <a:spcAft>
+                <a:spcPts val="0"/>
+              </a:spcAft>
+              <a:buClrTx/>
+              <a:buSzTx/>
+              <a:buFont typeface="Arial" panose="020B0604020202020204" pitchFamily="34" charset="0"/>
+              <a:buChar char="•"/>
+              <a:tabLst/>
+              <a:defRPr/>
+            </a:pPr>
+            <a:r>
+              <a:rPr kumimoji="0" lang="en-US" sz="2000" b="0" i="0" u="none" strike="noStrike" kern="1200" cap="none" spc="0" normalizeH="0" baseline="0" noProof="0" dirty="0">
+                <a:ln>
+                  <a:noFill/>
+                </a:ln>
+                <a:solidFill>
+                  <a:prstClr val="black"/>
+                </a:solidFill>
+                <a:effectLst/>
+                <a:uLnTx/>
+                <a:uFillTx/>
+                <a:latin typeface="Calibri" panose="020F0502020204030204"/>
+                <a:ea typeface="+mn-ea"/>
+                <a:cs typeface="+mn-cs"/>
+              </a:rPr>
+              <a:t>Determine the most “important” biological factors associated with a specific disease or condition</a:t>
+            </a:r>
+          </a:p>
+          <a:p>
+            <a:pPr marL="228600" marR="0" lvl="0" indent="-228600" algn="l" defTabSz="914400" rtl="0" eaLnBrk="1" fontAlgn="auto" latinLnBrk="0" hangingPunct="1">
+              <a:lnSpc>
+                <a:spcPct val="90000"/>
+              </a:lnSpc>
+              <a:spcBef>
+                <a:spcPts val="1000"/>
+              </a:spcBef>
+              <a:spcAft>
+                <a:spcPts val="0"/>
+              </a:spcAft>
+              <a:buClrTx/>
+              <a:buSzTx/>
+              <a:buFont typeface="Arial" panose="020B0604020202020204" pitchFamily="34" charset="0"/>
+              <a:buChar char="•"/>
+              <a:tabLst/>
+              <a:defRPr/>
+            </a:pPr>
+            <a:r>
+              <a:rPr kumimoji="0" lang="en-US" sz="2000" b="1" i="0" u="none" strike="noStrike" kern="1200" cap="none" spc="0" normalizeH="0" baseline="0" noProof="0" dirty="0">
+                <a:ln>
+                  <a:noFill/>
+                </a:ln>
+                <a:solidFill>
+                  <a:prstClr val="black"/>
+                </a:solidFill>
+                <a:effectLst/>
+                <a:uLnTx/>
+                <a:uFillTx/>
+                <a:latin typeface="Calibri" panose="020F0502020204030204"/>
+                <a:ea typeface="+mn-ea"/>
+                <a:cs typeface="+mn-cs"/>
+              </a:rPr>
+              <a:t>Economics/Business</a:t>
+            </a:r>
+          </a:p>
+          <a:p>
+            <a:pPr marL="685800" marR="0" lvl="1" indent="-228600" algn="l" defTabSz="914400" rtl="0" eaLnBrk="1" fontAlgn="auto" latinLnBrk="0" hangingPunct="1">
+              <a:lnSpc>
+                <a:spcPct val="90000"/>
+              </a:lnSpc>
+              <a:spcBef>
+                <a:spcPts val="500"/>
+              </a:spcBef>
+              <a:spcAft>
+                <a:spcPts val="0"/>
+              </a:spcAft>
+              <a:buClrTx/>
+              <a:buSzTx/>
+              <a:buFont typeface="Arial" panose="020B0604020202020204" pitchFamily="34" charset="0"/>
+              <a:buChar char="•"/>
+              <a:tabLst/>
+              <a:defRPr/>
+            </a:pPr>
+            <a:r>
+              <a:rPr kumimoji="0" lang="en-US" sz="2000" b="0" i="0" u="none" strike="noStrike" kern="1200" cap="none" spc="0" normalizeH="0" baseline="0" noProof="0" dirty="0">
+                <a:ln>
+                  <a:noFill/>
+                </a:ln>
+                <a:solidFill>
+                  <a:prstClr val="black"/>
+                </a:solidFill>
+                <a:effectLst/>
+                <a:uLnTx/>
+                <a:uFillTx/>
+                <a:latin typeface="Calibri" panose="020F0502020204030204"/>
+                <a:ea typeface="+mn-ea"/>
+                <a:cs typeface="+mn-cs"/>
+              </a:rPr>
+              <a:t>Estimate a debtor’s likelihood to default on a loan based on creditworthiness</a:t>
+            </a:r>
+          </a:p>
+          <a:p>
+            <a:pPr marL="685800" marR="0" lvl="1" indent="-228600" algn="l" defTabSz="914400" rtl="0" eaLnBrk="1" fontAlgn="auto" latinLnBrk="0" hangingPunct="1">
+              <a:lnSpc>
+                <a:spcPct val="90000"/>
+              </a:lnSpc>
+              <a:spcBef>
+                <a:spcPts val="500"/>
+              </a:spcBef>
+              <a:spcAft>
+                <a:spcPts val="0"/>
+              </a:spcAft>
+              <a:buClrTx/>
+              <a:buSzTx/>
+              <a:buFont typeface="Arial" panose="020B0604020202020204" pitchFamily="34" charset="0"/>
+              <a:buChar char="•"/>
+              <a:tabLst/>
+              <a:defRPr/>
+            </a:pPr>
+            <a:r>
+              <a:rPr kumimoji="0" lang="en-US" sz="2000" b="0" i="0" u="none" strike="noStrike" kern="1200" cap="none" spc="0" normalizeH="0" baseline="0" noProof="0" dirty="0">
+                <a:ln>
+                  <a:noFill/>
+                </a:ln>
+                <a:solidFill>
+                  <a:prstClr val="black"/>
+                </a:solidFill>
+                <a:effectLst/>
+                <a:uLnTx/>
+                <a:uFillTx/>
+                <a:latin typeface="Calibri" panose="020F0502020204030204"/>
+                <a:ea typeface="+mn-ea"/>
+                <a:cs typeface="+mn-cs"/>
+              </a:rPr>
+              <a:t>Model a customer’s propensity to buy a certain product or service given a demographic profile</a:t>
+            </a:r>
+          </a:p>
+          <a:p>
+            <a:pPr marL="228600" marR="0" lvl="0" indent="-228600" algn="l" defTabSz="914400" rtl="0" eaLnBrk="1" fontAlgn="auto" latinLnBrk="0" hangingPunct="1">
+              <a:lnSpc>
+                <a:spcPct val="90000"/>
+              </a:lnSpc>
+              <a:spcBef>
+                <a:spcPts val="1000"/>
+              </a:spcBef>
+              <a:spcAft>
+                <a:spcPts val="0"/>
+              </a:spcAft>
+              <a:buClrTx/>
+              <a:buSzTx/>
+              <a:buFont typeface="Arial" panose="020B0604020202020204" pitchFamily="34" charset="0"/>
+              <a:buChar char="•"/>
+              <a:tabLst/>
+              <a:defRPr/>
+            </a:pPr>
+            <a:r>
+              <a:rPr kumimoji="0" lang="en-US" sz="2000" b="1" i="0" u="none" strike="noStrike" kern="1200" cap="none" spc="0" normalizeH="0" baseline="0" noProof="0" dirty="0">
+                <a:ln>
+                  <a:noFill/>
+                </a:ln>
+                <a:solidFill>
+                  <a:prstClr val="black"/>
+                </a:solidFill>
+                <a:effectLst/>
+                <a:uLnTx/>
+                <a:uFillTx/>
+                <a:latin typeface="Calibri" panose="020F0502020204030204"/>
+                <a:ea typeface="+mn-ea"/>
+                <a:cs typeface="+mn-cs"/>
+              </a:rPr>
+              <a:t>Psychology/Social Work</a:t>
+            </a:r>
+          </a:p>
+          <a:p>
+            <a:pPr marL="685800" marR="0" lvl="1" indent="-228600" algn="l" defTabSz="914400" rtl="0" eaLnBrk="1" fontAlgn="auto" latinLnBrk="0" hangingPunct="1">
+              <a:lnSpc>
+                <a:spcPct val="90000"/>
+              </a:lnSpc>
+              <a:spcBef>
+                <a:spcPts val="500"/>
+              </a:spcBef>
+              <a:spcAft>
+                <a:spcPts val="0"/>
+              </a:spcAft>
+              <a:buClrTx/>
+              <a:buSzTx/>
+              <a:buFont typeface="Arial" panose="020B0604020202020204" pitchFamily="34" charset="0"/>
+              <a:buChar char="•"/>
+              <a:tabLst/>
+              <a:defRPr/>
+            </a:pPr>
+            <a:r>
+              <a:rPr kumimoji="0" lang="en-US" sz="2000" b="0" i="0" u="none" strike="noStrike" kern="1200" cap="none" spc="0" normalizeH="0" baseline="0" noProof="0" dirty="0">
+                <a:ln>
+                  <a:noFill/>
+                </a:ln>
+                <a:solidFill>
+                  <a:prstClr val="black"/>
+                </a:solidFill>
+                <a:effectLst/>
+                <a:uLnTx/>
+                <a:uFillTx/>
+                <a:latin typeface="Calibri" panose="020F0502020204030204"/>
+                <a:ea typeface="+mn-ea"/>
+                <a:cs typeface="+mn-cs"/>
+              </a:rPr>
+              <a:t>Estimate the probability of developing PTSD following trauma</a:t>
+            </a:r>
+          </a:p>
+          <a:p>
+            <a:pPr marL="228600" marR="0" lvl="0" indent="-228600" algn="l" defTabSz="914400" rtl="0" eaLnBrk="1" fontAlgn="auto" latinLnBrk="0" hangingPunct="1">
+              <a:lnSpc>
+                <a:spcPct val="90000"/>
+              </a:lnSpc>
+              <a:spcBef>
+                <a:spcPts val="1000"/>
+              </a:spcBef>
+              <a:spcAft>
+                <a:spcPts val="0"/>
+              </a:spcAft>
+              <a:buClrTx/>
+              <a:buSzTx/>
+              <a:buFont typeface="Arial" panose="020B0604020202020204" pitchFamily="34" charset="0"/>
+              <a:buChar char="•"/>
+              <a:tabLst/>
+              <a:defRPr/>
+            </a:pPr>
+            <a:r>
+              <a:rPr kumimoji="0" lang="en-US" sz="2000" b="1" i="0" u="none" strike="noStrike" kern="1200" cap="none" spc="0" normalizeH="0" baseline="0" noProof="0" dirty="0">
+                <a:ln>
+                  <a:noFill/>
+                </a:ln>
+                <a:solidFill>
+                  <a:prstClr val="black"/>
+                </a:solidFill>
+                <a:effectLst/>
+                <a:uLnTx/>
+                <a:uFillTx/>
+                <a:latin typeface="Calibri" panose="020F0502020204030204"/>
+                <a:ea typeface="+mn-ea"/>
+                <a:cs typeface="+mn-cs"/>
+              </a:rPr>
+              <a:t>Political Science</a:t>
+            </a:r>
+          </a:p>
+          <a:p>
+            <a:pPr marL="685800" marR="0" lvl="1" indent="-228600" algn="l" defTabSz="914400" rtl="0" eaLnBrk="1" fontAlgn="auto" latinLnBrk="0" hangingPunct="1">
+              <a:lnSpc>
+                <a:spcPct val="90000"/>
+              </a:lnSpc>
+              <a:spcBef>
+                <a:spcPts val="500"/>
+              </a:spcBef>
+              <a:spcAft>
+                <a:spcPts val="0"/>
+              </a:spcAft>
+              <a:buClrTx/>
+              <a:buSzTx/>
+              <a:buFont typeface="Arial" panose="020B0604020202020204" pitchFamily="34" charset="0"/>
+              <a:buChar char="•"/>
+              <a:tabLst/>
+              <a:defRPr/>
+            </a:pPr>
+            <a:r>
+              <a:rPr kumimoji="0" lang="en-US" sz="2000" b="0" i="0" u="none" strike="noStrike" kern="1200" cap="none" spc="0" normalizeH="0" baseline="0" noProof="0" dirty="0">
+                <a:ln>
+                  <a:noFill/>
+                </a:ln>
+                <a:solidFill>
+                  <a:prstClr val="black"/>
+                </a:solidFill>
+                <a:effectLst/>
+                <a:uLnTx/>
+                <a:uFillTx/>
+                <a:latin typeface="Calibri" panose="020F0502020204030204"/>
+                <a:ea typeface="+mn-ea"/>
+                <a:cs typeface="+mn-cs"/>
+              </a:rPr>
+              <a:t>A question I examined ad nauseum in graduate school: What predicts voting behavior?</a:t>
+            </a:r>
+          </a:p>
+        </p:txBody>
+      </p:sp>
+    </p:spTree>
+    <p:extLst>
+      <p:ext uri="{BB962C8B-B14F-4D97-AF65-F5344CB8AC3E}">
+        <p14:creationId xmlns:p14="http://schemas.microsoft.com/office/powerpoint/2010/main" val="2748586327"/>
+      </p:ext>
+    </p:extLst>
+  </p:cSld>
+  <p:clrMapOvr>
+    <a:masterClrMapping/>
+  </p:clrMapOvr>
+</p:sld>
+</file>
+
+<file path=ppt/slides/slide30.xml><?xml version="1.0" encoding="utf-8"?>
 <p:sld xmlns:a="http://schemas.openxmlformats.org/drawingml/2006/main" xmlns:r="http://schemas.openxmlformats.org/officeDocument/2006/relationships" xmlns:p="http://schemas.openxmlformats.org/presentationml/2006/main">
   <p:cSld>
     <p:spTree>
@@ -28223,7 +29389,7 @@
 </p:sld>
 </file>
 
-<file path=ppt/slides/slide29.xml><?xml version="1.0" encoding="utf-8"?>
+<file path=ppt/slides/slide31.xml><?xml version="1.0" encoding="utf-8"?>
 <p:sld xmlns:a="http://schemas.openxmlformats.org/drawingml/2006/main" xmlns:r="http://schemas.openxmlformats.org/officeDocument/2006/relationships" xmlns:p="http://schemas.openxmlformats.org/presentationml/2006/main">
   <p:cSld>
     <p:spTree>
@@ -28389,504 +29555,7 @@
 </p:sld>
 </file>
 
-<file path=ppt/slides/slide3.xml><?xml version="1.0" encoding="utf-8"?>
-<p:sld xmlns:a="http://schemas.openxmlformats.org/drawingml/2006/main" xmlns:r="http://schemas.openxmlformats.org/officeDocument/2006/relationships" xmlns:p="http://schemas.openxmlformats.org/presentationml/2006/main" showMasterSp="0">
-  <p:cSld>
-    <p:spTree>
-      <p:nvGrpSpPr>
-        <p:cNvPr id="1" name=""/>
-        <p:cNvGrpSpPr/>
-        <p:nvPr/>
-      </p:nvGrpSpPr>
-      <p:grpSpPr>
-        <a:xfrm>
-          <a:off x="0" y="0"/>
-          <a:ext cx="0" cy="0"/>
-          <a:chOff x="0" y="0"/>
-          <a:chExt cx="0" cy="0"/>
-        </a:xfrm>
-      </p:grpSpPr>
-      <p:sp>
-        <p:nvSpPr>
-          <p:cNvPr id="2" name="Title 1">
-            <a:extLst>
-              <a:ext uri="{FF2B5EF4-FFF2-40B4-BE49-F238E27FC236}">
-                <a16:creationId xmlns:a16="http://schemas.microsoft.com/office/drawing/2014/main" id="{939131A9-29DF-2285-A265-C66D4E486357}"/>
-              </a:ext>
-            </a:extLst>
-          </p:cNvPr>
-          <p:cNvSpPr>
-            <a:spLocks noGrp="1"/>
-          </p:cNvSpPr>
-          <p:nvPr>
-            <p:ph type="title" idx="4294967295"/>
-          </p:nvPr>
-        </p:nvSpPr>
-        <p:spPr>
-          <a:xfrm>
-            <a:off x="85060" y="0"/>
-            <a:ext cx="12106940" cy="797183"/>
-          </a:xfrm>
-        </p:spPr>
-        <p:txBody>
-          <a:bodyPr>
-            <a:normAutofit/>
-          </a:bodyPr>
-          <a:lstStyle/>
-          <a:p>
-            <a:r>
-              <a:rPr lang="en-US" sz="4000" dirty="0">
-                <a:latin typeface="Aptos Display" panose="020B0004020202020204" pitchFamily="34" charset="0"/>
-              </a:rPr>
-              <a:t>Research Questions &amp; Methodological Approaches</a:t>
-            </a:r>
-            <a:endParaRPr lang="en-US" sz="4000" dirty="0">
-              <a:latin typeface="Aptos Display" panose="020B0004020202020204" pitchFamily="34" charset="0"/>
-              <a:ea typeface="Calibri" panose="020F0502020204030204" pitchFamily="34" charset="0"/>
-              <a:cs typeface="Calibri" panose="020F0502020204030204" pitchFamily="34" charset="0"/>
-            </a:endParaRPr>
-          </a:p>
-        </p:txBody>
-      </p:sp>
-      <p:sp>
-        <p:nvSpPr>
-          <p:cNvPr id="3" name="Content Placeholder 2">
-            <a:extLst>
-              <a:ext uri="{FF2B5EF4-FFF2-40B4-BE49-F238E27FC236}">
-                <a16:creationId xmlns:a16="http://schemas.microsoft.com/office/drawing/2014/main" id="{6C6E611A-72D1-EA71-D0E2-6540A6C0C083}"/>
-              </a:ext>
-            </a:extLst>
-          </p:cNvPr>
-          <p:cNvSpPr>
-            <a:spLocks noGrp="1"/>
-          </p:cNvSpPr>
-          <p:nvPr>
-            <p:ph idx="4294967295"/>
-          </p:nvPr>
-        </p:nvSpPr>
-        <p:spPr>
-          <a:xfrm>
-            <a:off x="393405" y="1084521"/>
-            <a:ext cx="11259879" cy="4784467"/>
-          </a:xfrm>
-        </p:spPr>
-        <p:txBody>
-          <a:bodyPr>
-            <a:normAutofit/>
-          </a:bodyPr>
-          <a:lstStyle/>
-          <a:p>
-            <a:pPr marL="228600" marR="0" lvl="0" indent="-228600" algn="l" defTabSz="914400" rtl="0" eaLnBrk="1" fontAlgn="auto" latinLnBrk="0" hangingPunct="1">
-              <a:lnSpc>
-                <a:spcPct val="90000"/>
-              </a:lnSpc>
-              <a:spcBef>
-                <a:spcPts val="1000"/>
-              </a:spcBef>
-              <a:spcAft>
-                <a:spcPts val="0"/>
-              </a:spcAft>
-              <a:buClrTx/>
-              <a:buSzTx/>
-              <a:buFont typeface="Arial" panose="020B0604020202020204" pitchFamily="34" charset="0"/>
-              <a:buChar char="•"/>
-              <a:tabLst/>
-              <a:defRPr/>
-            </a:pPr>
-            <a:r>
-              <a:rPr kumimoji="0" lang="en-US" sz="2000" b="1" i="0" u="none" strike="noStrike" kern="1200" cap="none" spc="0" normalizeH="0" baseline="0" noProof="0" dirty="0">
-                <a:ln>
-                  <a:noFill/>
-                </a:ln>
-                <a:solidFill>
-                  <a:prstClr val="black"/>
-                </a:solidFill>
-                <a:effectLst/>
-                <a:uLnTx/>
-                <a:uFillTx/>
-                <a:latin typeface="Calibri" panose="020F0502020204030204"/>
-                <a:ea typeface="+mn-ea"/>
-                <a:cs typeface="+mn-cs"/>
-              </a:rPr>
-              <a:t>Medicine</a:t>
-            </a:r>
-          </a:p>
-          <a:p>
-            <a:pPr marL="685800" marR="0" lvl="1" indent="-228600" algn="l" defTabSz="914400" rtl="0" eaLnBrk="1" fontAlgn="auto" latinLnBrk="0" hangingPunct="1">
-              <a:lnSpc>
-                <a:spcPct val="90000"/>
-              </a:lnSpc>
-              <a:spcBef>
-                <a:spcPts val="500"/>
-              </a:spcBef>
-              <a:spcAft>
-                <a:spcPts val="0"/>
-              </a:spcAft>
-              <a:buClrTx/>
-              <a:buSzTx/>
-              <a:buFont typeface="Arial" panose="020B0604020202020204" pitchFamily="34" charset="0"/>
-              <a:buChar char="•"/>
-              <a:tabLst/>
-              <a:defRPr/>
-            </a:pPr>
-            <a:r>
-              <a:rPr kumimoji="0" lang="en-US" sz="2000" b="0" i="0" u="none" strike="noStrike" kern="1200" cap="none" spc="0" normalizeH="0" baseline="0" noProof="0" dirty="0">
-                <a:ln>
-                  <a:noFill/>
-                </a:ln>
-                <a:solidFill>
-                  <a:prstClr val="black"/>
-                </a:solidFill>
-                <a:effectLst/>
-                <a:uLnTx/>
-                <a:uFillTx/>
-                <a:latin typeface="Calibri" panose="020F0502020204030204"/>
-                <a:ea typeface="+mn-ea"/>
-                <a:cs typeface="+mn-cs"/>
-              </a:rPr>
-              <a:t>Estimate the risk factors associated with a disease or a harmful condition</a:t>
-            </a:r>
-          </a:p>
-          <a:p>
-            <a:pPr marL="685800" marR="0" lvl="1" indent="-228600" algn="l" defTabSz="914400" rtl="0" eaLnBrk="1" fontAlgn="auto" latinLnBrk="0" hangingPunct="1">
-              <a:lnSpc>
-                <a:spcPct val="90000"/>
-              </a:lnSpc>
-              <a:spcBef>
-                <a:spcPts val="500"/>
-              </a:spcBef>
-              <a:spcAft>
-                <a:spcPts val="0"/>
-              </a:spcAft>
-              <a:buClrTx/>
-              <a:buSzTx/>
-              <a:buFont typeface="Arial" panose="020B0604020202020204" pitchFamily="34" charset="0"/>
-              <a:buChar char="•"/>
-              <a:tabLst/>
-              <a:defRPr/>
-            </a:pPr>
-            <a:r>
-              <a:rPr kumimoji="0" lang="en-US" sz="2000" b="0" i="0" u="none" strike="noStrike" kern="1200" cap="none" spc="0" normalizeH="0" baseline="0" noProof="0" dirty="0">
-                <a:ln>
-                  <a:noFill/>
-                </a:ln>
-                <a:solidFill>
-                  <a:prstClr val="black"/>
-                </a:solidFill>
-                <a:effectLst/>
-                <a:uLnTx/>
-                <a:uFillTx/>
-                <a:latin typeface="Calibri" panose="020F0502020204030204"/>
-                <a:ea typeface="+mn-ea"/>
-                <a:cs typeface="+mn-cs"/>
-              </a:rPr>
-              <a:t>Predict the risk of developing a disease based on a patient’s medical history</a:t>
-            </a:r>
-          </a:p>
-          <a:p>
-            <a:pPr marL="685800" marR="0" lvl="1" indent="-228600" algn="l" defTabSz="914400" rtl="0" eaLnBrk="1" fontAlgn="auto" latinLnBrk="0" hangingPunct="1">
-              <a:lnSpc>
-                <a:spcPct val="90000"/>
-              </a:lnSpc>
-              <a:spcBef>
-                <a:spcPts val="500"/>
-              </a:spcBef>
-              <a:spcAft>
-                <a:spcPts val="0"/>
-              </a:spcAft>
-              <a:buClrTx/>
-              <a:buSzTx/>
-              <a:buFont typeface="Arial" panose="020B0604020202020204" pitchFamily="34" charset="0"/>
-              <a:buChar char="•"/>
-              <a:tabLst/>
-              <a:defRPr/>
-            </a:pPr>
-            <a:r>
-              <a:rPr kumimoji="0" lang="en-US" sz="2000" b="0" i="0" u="none" strike="noStrike" kern="1200" cap="none" spc="0" normalizeH="0" baseline="0" noProof="0" dirty="0">
-                <a:ln>
-                  <a:noFill/>
-                </a:ln>
-                <a:solidFill>
-                  <a:prstClr val="black"/>
-                </a:solidFill>
-                <a:effectLst/>
-                <a:uLnTx/>
-                <a:uFillTx/>
-                <a:latin typeface="Calibri" panose="020F0502020204030204"/>
-                <a:ea typeface="+mn-ea"/>
-                <a:cs typeface="+mn-cs"/>
-              </a:rPr>
-              <a:t>Determine the most “important” biological factors associated with a specific disease or condition</a:t>
-            </a:r>
-          </a:p>
-          <a:p>
-            <a:pPr marL="228600" marR="0" lvl="0" indent="-228600" algn="l" defTabSz="914400" rtl="0" eaLnBrk="1" fontAlgn="auto" latinLnBrk="0" hangingPunct="1">
-              <a:lnSpc>
-                <a:spcPct val="90000"/>
-              </a:lnSpc>
-              <a:spcBef>
-                <a:spcPts val="1000"/>
-              </a:spcBef>
-              <a:spcAft>
-                <a:spcPts val="0"/>
-              </a:spcAft>
-              <a:buClrTx/>
-              <a:buSzTx/>
-              <a:buFont typeface="Arial" panose="020B0604020202020204" pitchFamily="34" charset="0"/>
-              <a:buChar char="•"/>
-              <a:tabLst/>
-              <a:defRPr/>
-            </a:pPr>
-            <a:r>
-              <a:rPr kumimoji="0" lang="en-US" sz="2000" b="1" i="0" u="none" strike="noStrike" kern="1200" cap="none" spc="0" normalizeH="0" baseline="0" noProof="0" dirty="0">
-                <a:ln>
-                  <a:noFill/>
-                </a:ln>
-                <a:solidFill>
-                  <a:prstClr val="black"/>
-                </a:solidFill>
-                <a:effectLst/>
-                <a:uLnTx/>
-                <a:uFillTx/>
-                <a:latin typeface="Calibri" panose="020F0502020204030204"/>
-                <a:ea typeface="+mn-ea"/>
-                <a:cs typeface="+mn-cs"/>
-              </a:rPr>
-              <a:t>Economics/Business</a:t>
-            </a:r>
-          </a:p>
-          <a:p>
-            <a:pPr marL="685800" marR="0" lvl="1" indent="-228600" algn="l" defTabSz="914400" rtl="0" eaLnBrk="1" fontAlgn="auto" latinLnBrk="0" hangingPunct="1">
-              <a:lnSpc>
-                <a:spcPct val="90000"/>
-              </a:lnSpc>
-              <a:spcBef>
-                <a:spcPts val="500"/>
-              </a:spcBef>
-              <a:spcAft>
-                <a:spcPts val="0"/>
-              </a:spcAft>
-              <a:buClrTx/>
-              <a:buSzTx/>
-              <a:buFont typeface="Arial" panose="020B0604020202020204" pitchFamily="34" charset="0"/>
-              <a:buChar char="•"/>
-              <a:tabLst/>
-              <a:defRPr/>
-            </a:pPr>
-            <a:r>
-              <a:rPr kumimoji="0" lang="en-US" sz="2000" b="0" i="0" u="none" strike="noStrike" kern="1200" cap="none" spc="0" normalizeH="0" baseline="0" noProof="0" dirty="0">
-                <a:ln>
-                  <a:noFill/>
-                </a:ln>
-                <a:solidFill>
-                  <a:prstClr val="black"/>
-                </a:solidFill>
-                <a:effectLst/>
-                <a:uLnTx/>
-                <a:uFillTx/>
-                <a:latin typeface="Calibri" panose="020F0502020204030204"/>
-                <a:ea typeface="+mn-ea"/>
-                <a:cs typeface="+mn-cs"/>
-              </a:rPr>
-              <a:t>Estimate a debtor’s likelihood to default on a loan based on creditworthiness</a:t>
-            </a:r>
-          </a:p>
-          <a:p>
-            <a:pPr marL="685800" marR="0" lvl="1" indent="-228600" algn="l" defTabSz="914400" rtl="0" eaLnBrk="1" fontAlgn="auto" latinLnBrk="0" hangingPunct="1">
-              <a:lnSpc>
-                <a:spcPct val="90000"/>
-              </a:lnSpc>
-              <a:spcBef>
-                <a:spcPts val="500"/>
-              </a:spcBef>
-              <a:spcAft>
-                <a:spcPts val="0"/>
-              </a:spcAft>
-              <a:buClrTx/>
-              <a:buSzTx/>
-              <a:buFont typeface="Arial" panose="020B0604020202020204" pitchFamily="34" charset="0"/>
-              <a:buChar char="•"/>
-              <a:tabLst/>
-              <a:defRPr/>
-            </a:pPr>
-            <a:r>
-              <a:rPr kumimoji="0" lang="en-US" sz="2000" b="0" i="0" u="none" strike="noStrike" kern="1200" cap="none" spc="0" normalizeH="0" baseline="0" noProof="0" dirty="0">
-                <a:ln>
-                  <a:noFill/>
-                </a:ln>
-                <a:solidFill>
-                  <a:prstClr val="black"/>
-                </a:solidFill>
-                <a:effectLst/>
-                <a:uLnTx/>
-                <a:uFillTx/>
-                <a:latin typeface="Calibri" panose="020F0502020204030204"/>
-                <a:ea typeface="+mn-ea"/>
-                <a:cs typeface="+mn-cs"/>
-              </a:rPr>
-              <a:t>Model a customer’s propensity to buy a certain product or service given a demographic profile</a:t>
-            </a:r>
-          </a:p>
-          <a:p>
-            <a:pPr marL="228600" marR="0" lvl="0" indent="-228600" algn="l" defTabSz="914400" rtl="0" eaLnBrk="1" fontAlgn="auto" latinLnBrk="0" hangingPunct="1">
-              <a:lnSpc>
-                <a:spcPct val="90000"/>
-              </a:lnSpc>
-              <a:spcBef>
-                <a:spcPts val="1000"/>
-              </a:spcBef>
-              <a:spcAft>
-                <a:spcPts val="0"/>
-              </a:spcAft>
-              <a:buClrTx/>
-              <a:buSzTx/>
-              <a:buFont typeface="Arial" panose="020B0604020202020204" pitchFamily="34" charset="0"/>
-              <a:buChar char="•"/>
-              <a:tabLst/>
-              <a:defRPr/>
-            </a:pPr>
-            <a:r>
-              <a:rPr kumimoji="0" lang="en-US" sz="2000" b="1" i="0" u="none" strike="noStrike" kern="1200" cap="none" spc="0" normalizeH="0" baseline="0" noProof="0" dirty="0">
-                <a:ln>
-                  <a:noFill/>
-                </a:ln>
-                <a:solidFill>
-                  <a:prstClr val="black"/>
-                </a:solidFill>
-                <a:effectLst/>
-                <a:uLnTx/>
-                <a:uFillTx/>
-                <a:latin typeface="Calibri" panose="020F0502020204030204"/>
-                <a:ea typeface="+mn-ea"/>
-                <a:cs typeface="+mn-cs"/>
-              </a:rPr>
-              <a:t>Psychology/Social Work</a:t>
-            </a:r>
-          </a:p>
-          <a:p>
-            <a:pPr marL="685800" marR="0" lvl="1" indent="-228600" algn="l" defTabSz="914400" rtl="0" eaLnBrk="1" fontAlgn="auto" latinLnBrk="0" hangingPunct="1">
-              <a:lnSpc>
-                <a:spcPct val="90000"/>
-              </a:lnSpc>
-              <a:spcBef>
-                <a:spcPts val="500"/>
-              </a:spcBef>
-              <a:spcAft>
-                <a:spcPts val="0"/>
-              </a:spcAft>
-              <a:buClrTx/>
-              <a:buSzTx/>
-              <a:buFont typeface="Arial" panose="020B0604020202020204" pitchFamily="34" charset="0"/>
-              <a:buChar char="•"/>
-              <a:tabLst/>
-              <a:defRPr/>
-            </a:pPr>
-            <a:r>
-              <a:rPr kumimoji="0" lang="en-US" sz="2000" b="0" i="0" u="none" strike="noStrike" kern="1200" cap="none" spc="0" normalizeH="0" baseline="0" noProof="0" dirty="0">
-                <a:ln>
-                  <a:noFill/>
-                </a:ln>
-                <a:solidFill>
-                  <a:prstClr val="black"/>
-                </a:solidFill>
-                <a:effectLst/>
-                <a:uLnTx/>
-                <a:uFillTx/>
-                <a:latin typeface="Calibri" panose="020F0502020204030204"/>
-                <a:ea typeface="+mn-ea"/>
-                <a:cs typeface="+mn-cs"/>
-              </a:rPr>
-              <a:t>Estimate the probability of developing PTSD following trauma</a:t>
-            </a:r>
-          </a:p>
-          <a:p>
-            <a:pPr marL="228600" marR="0" lvl="0" indent="-228600" algn="l" defTabSz="914400" rtl="0" eaLnBrk="1" fontAlgn="auto" latinLnBrk="0" hangingPunct="1">
-              <a:lnSpc>
-                <a:spcPct val="90000"/>
-              </a:lnSpc>
-              <a:spcBef>
-                <a:spcPts val="1000"/>
-              </a:spcBef>
-              <a:spcAft>
-                <a:spcPts val="0"/>
-              </a:spcAft>
-              <a:buClrTx/>
-              <a:buSzTx/>
-              <a:buFont typeface="Arial" panose="020B0604020202020204" pitchFamily="34" charset="0"/>
-              <a:buChar char="•"/>
-              <a:tabLst/>
-              <a:defRPr/>
-            </a:pPr>
-            <a:r>
-              <a:rPr kumimoji="0" lang="en-US" sz="2000" b="1" i="0" u="none" strike="noStrike" kern="1200" cap="none" spc="0" normalizeH="0" baseline="0" noProof="0" dirty="0">
-                <a:ln>
-                  <a:noFill/>
-                </a:ln>
-                <a:solidFill>
-                  <a:prstClr val="black"/>
-                </a:solidFill>
-                <a:effectLst/>
-                <a:uLnTx/>
-                <a:uFillTx/>
-                <a:latin typeface="Calibri" panose="020F0502020204030204"/>
-                <a:ea typeface="+mn-ea"/>
-                <a:cs typeface="+mn-cs"/>
-              </a:rPr>
-              <a:t>Political Science</a:t>
-            </a:r>
-          </a:p>
-          <a:p>
-            <a:pPr marL="685800" marR="0" lvl="1" indent="-228600" algn="l" defTabSz="914400" rtl="0" eaLnBrk="1" fontAlgn="auto" latinLnBrk="0" hangingPunct="1">
-              <a:lnSpc>
-                <a:spcPct val="90000"/>
-              </a:lnSpc>
-              <a:spcBef>
-                <a:spcPts val="500"/>
-              </a:spcBef>
-              <a:spcAft>
-                <a:spcPts val="0"/>
-              </a:spcAft>
-              <a:buClrTx/>
-              <a:buSzTx/>
-              <a:buFont typeface="Arial" panose="020B0604020202020204" pitchFamily="34" charset="0"/>
-              <a:buChar char="•"/>
-              <a:tabLst/>
-              <a:defRPr/>
-            </a:pPr>
-            <a:r>
-              <a:rPr kumimoji="0" lang="en-US" sz="2000" b="0" i="0" u="none" strike="noStrike" kern="1200" cap="none" spc="0" normalizeH="0" baseline="0" noProof="0" dirty="0">
-                <a:ln>
-                  <a:noFill/>
-                </a:ln>
-                <a:solidFill>
-                  <a:prstClr val="black"/>
-                </a:solidFill>
-                <a:effectLst/>
-                <a:uLnTx/>
-                <a:uFillTx/>
-                <a:latin typeface="Calibri" panose="020F0502020204030204"/>
-                <a:ea typeface="+mn-ea"/>
-                <a:cs typeface="+mn-cs"/>
-              </a:rPr>
-              <a:t>A question I examined ad nauseum in graduate school: What predicts voting behavior?</a:t>
-            </a:r>
-          </a:p>
-        </p:txBody>
-      </p:sp>
-    </p:spTree>
-    <p:extLst>
-      <p:ext uri="{BB962C8B-B14F-4D97-AF65-F5344CB8AC3E}">
-        <p14:creationId xmlns:p14="http://schemas.microsoft.com/office/powerpoint/2010/main" val="2748586327"/>
-      </p:ext>
-    </p:extLst>
-  </p:cSld>
-  <p:clrMapOvr>
-    <a:masterClrMapping/>
-  </p:clrMapOvr>
-</p:sld>
-</file>
-
-<file path=ppt/slides/slide30.xml><?xml version="1.0" encoding="utf-8"?>
+<file path=ppt/slides/slide32.xml><?xml version="1.0" encoding="utf-8"?>
 <p:sld xmlns:a="http://schemas.openxmlformats.org/drawingml/2006/main" xmlns:r="http://schemas.openxmlformats.org/officeDocument/2006/relationships" xmlns:p="http://schemas.openxmlformats.org/presentationml/2006/main">
   <p:cSld>
     <p:spTree>
@@ -28946,7 +29615,7 @@
 </p:sld>
 </file>
 
-<file path=ppt/slides/slide31.xml><?xml version="1.0" encoding="utf-8"?>
+<file path=ppt/slides/slide33.xml><?xml version="1.0" encoding="utf-8"?>
 <p:sld xmlns:a="http://schemas.openxmlformats.org/drawingml/2006/main" xmlns:r="http://schemas.openxmlformats.org/officeDocument/2006/relationships" xmlns:p="http://schemas.openxmlformats.org/presentationml/2006/main">
   <p:cSld>
     <p:spTree>
@@ -29600,7 +30269,7 @@
 </p:sld>
 </file>
 
-<file path=ppt/slides/slide32.xml><?xml version="1.0" encoding="utf-8"?>
+<file path=ppt/slides/slide34.xml><?xml version="1.0" encoding="utf-8"?>
 <p:sld xmlns:a="http://schemas.openxmlformats.org/drawingml/2006/main" xmlns:r="http://schemas.openxmlformats.org/officeDocument/2006/relationships" xmlns:p="http://schemas.openxmlformats.org/presentationml/2006/main">
   <p:cSld>
     <p:spTree>
@@ -29712,7 +30381,7 @@
 </p:sld>
 </file>
 
-<file path=ppt/slides/slide33.xml><?xml version="1.0" encoding="utf-8"?>
+<file path=ppt/slides/slide35.xml><?xml version="1.0" encoding="utf-8"?>
 <p:sld xmlns:a="http://schemas.openxmlformats.org/drawingml/2006/main" xmlns:r="http://schemas.openxmlformats.org/officeDocument/2006/relationships" xmlns:p="http://schemas.openxmlformats.org/presentationml/2006/main">
   <p:cSld>
     <p:spTree>
@@ -30104,7 +30773,7 @@
 </p:sld>
 </file>
 
-<file path=ppt/slides/slide34.xml><?xml version="1.0" encoding="utf-8"?>
+<file path=ppt/slides/slide36.xml><?xml version="1.0" encoding="utf-8"?>
 <p:sld xmlns:a="http://schemas.openxmlformats.org/drawingml/2006/main" xmlns:r="http://schemas.openxmlformats.org/officeDocument/2006/relationships" xmlns:p="http://schemas.openxmlformats.org/presentationml/2006/main">
   <p:cSld>
     <p:spTree>
@@ -30714,7 +31383,7 @@
 </p:sld>
 </file>
 
-<file path=ppt/slides/slide35.xml><?xml version="1.0" encoding="utf-8"?>
+<file path=ppt/slides/slide37.xml><?xml version="1.0" encoding="utf-8"?>
 <p:sld xmlns:a="http://schemas.openxmlformats.org/drawingml/2006/main" xmlns:r="http://schemas.openxmlformats.org/officeDocument/2006/relationships" xmlns:p="http://schemas.openxmlformats.org/presentationml/2006/main">
   <p:cSld>
     <p:spTree>
@@ -30870,7 +31539,7 @@
 </p:sld>
 </file>
 
-<file path=ppt/slides/slide36.xml><?xml version="1.0" encoding="utf-8"?>
+<file path=ppt/slides/slide38.xml><?xml version="1.0" encoding="utf-8"?>
 <p:sld xmlns:a="http://schemas.openxmlformats.org/drawingml/2006/main" xmlns:r="http://schemas.openxmlformats.org/officeDocument/2006/relationships" xmlns:p="http://schemas.openxmlformats.org/presentationml/2006/main">
   <p:cSld>
     <p:spTree>
@@ -31286,7 +31955,7 @@
 </p:sld>
 </file>
 
-<file path=ppt/slides/slide37.xml><?xml version="1.0" encoding="utf-8"?>
+<file path=ppt/slides/slide39.xml><?xml version="1.0" encoding="utf-8"?>
 <p:sld xmlns:a="http://schemas.openxmlformats.org/drawingml/2006/main" xmlns:r="http://schemas.openxmlformats.org/officeDocument/2006/relationships" xmlns:p="http://schemas.openxmlformats.org/presentationml/2006/main">
   <p:cSld>
     <p:spTree>
@@ -31429,264 +32098,6 @@
     <p:extLst>
       <p:ext uri="{BB962C8B-B14F-4D97-AF65-F5344CB8AC3E}">
         <p14:creationId xmlns:p14="http://schemas.microsoft.com/office/powerpoint/2010/main" val="428330261"/>
-      </p:ext>
-    </p:extLst>
-  </p:cSld>
-  <p:clrMapOvr>
-    <a:masterClrMapping/>
-  </p:clrMapOvr>
-</p:sld>
-</file>
-
-<file path=ppt/slides/slide38.xml><?xml version="1.0" encoding="utf-8"?>
-<p:sld xmlns:a="http://schemas.openxmlformats.org/drawingml/2006/main" xmlns:r="http://schemas.openxmlformats.org/officeDocument/2006/relationships" xmlns:p="http://schemas.openxmlformats.org/presentationml/2006/main">
-  <p:cSld>
-    <p:spTree>
-      <p:nvGrpSpPr>
-        <p:cNvPr id="1" name=""/>
-        <p:cNvGrpSpPr/>
-        <p:nvPr/>
-      </p:nvGrpSpPr>
-      <p:grpSpPr>
-        <a:xfrm>
-          <a:off x="0" y="0"/>
-          <a:ext cx="0" cy="0"/>
-          <a:chOff x="0" y="0"/>
-          <a:chExt cx="0" cy="0"/>
-        </a:xfrm>
-      </p:grpSpPr>
-      <p:sp>
-        <p:nvSpPr>
-          <p:cNvPr id="2" name="Title 1">
-            <a:extLst>
-              <a:ext uri="{FF2B5EF4-FFF2-40B4-BE49-F238E27FC236}">
-                <a16:creationId xmlns:a16="http://schemas.microsoft.com/office/drawing/2014/main" id="{28BDC44C-13C3-4FAE-84BC-3F1882C70F52}"/>
-              </a:ext>
-            </a:extLst>
-          </p:cNvPr>
-          <p:cNvSpPr>
-            <a:spLocks noGrp="1"/>
-          </p:cNvSpPr>
-          <p:nvPr>
-            <p:ph type="title"/>
-          </p:nvPr>
-        </p:nvSpPr>
-        <p:spPr/>
-        <p:txBody>
-          <a:bodyPr/>
-          <a:lstStyle/>
-          <a:p>
-            <a:r>
-              <a:rPr lang="en-US" dirty="0"/>
-              <a:t>Let’s do this in JASP</a:t>
-            </a:r>
-          </a:p>
-        </p:txBody>
-      </p:sp>
-      <p:sp>
-        <p:nvSpPr>
-          <p:cNvPr id="3" name="Content Placeholder 2">
-            <a:extLst>
-              <a:ext uri="{FF2B5EF4-FFF2-40B4-BE49-F238E27FC236}">
-                <a16:creationId xmlns:a16="http://schemas.microsoft.com/office/drawing/2014/main" id="{372A3E65-DEFB-B6D2-6710-DBD422FD79DD}"/>
-              </a:ext>
-            </a:extLst>
-          </p:cNvPr>
-          <p:cNvSpPr>
-            <a:spLocks noGrp="1"/>
-          </p:cNvSpPr>
-          <p:nvPr>
-            <p:ph idx="1"/>
-          </p:nvPr>
-        </p:nvSpPr>
-        <p:spPr/>
-        <p:txBody>
-          <a:bodyPr/>
-          <a:lstStyle/>
-          <a:p>
-            <a:endParaRPr lang="en-US"/>
-          </a:p>
-        </p:txBody>
-      </p:sp>
-    </p:spTree>
-    <p:extLst>
-      <p:ext uri="{BB962C8B-B14F-4D97-AF65-F5344CB8AC3E}">
-        <p14:creationId xmlns:p14="http://schemas.microsoft.com/office/powerpoint/2010/main" val="2385414421"/>
-      </p:ext>
-    </p:extLst>
-  </p:cSld>
-  <p:clrMapOvr>
-    <a:masterClrMapping/>
-  </p:clrMapOvr>
-</p:sld>
-</file>
-
-<file path=ppt/slides/slide39.xml><?xml version="1.0" encoding="utf-8"?>
-<p:sld xmlns:a="http://schemas.openxmlformats.org/drawingml/2006/main" xmlns:r="http://schemas.openxmlformats.org/officeDocument/2006/relationships" xmlns:p="http://schemas.openxmlformats.org/presentationml/2006/main">
-  <p:cSld>
-    <p:spTree>
-      <p:nvGrpSpPr>
-        <p:cNvPr id="1" name=""/>
-        <p:cNvGrpSpPr/>
-        <p:nvPr/>
-      </p:nvGrpSpPr>
-      <p:grpSpPr>
-        <a:xfrm>
-          <a:off x="0" y="0"/>
-          <a:ext cx="0" cy="0"/>
-          <a:chOff x="0" y="0"/>
-          <a:chExt cx="0" cy="0"/>
-        </a:xfrm>
-      </p:grpSpPr>
-      <p:sp>
-        <p:nvSpPr>
-          <p:cNvPr id="2" name="Title 1">
-            <a:extLst>
-              <a:ext uri="{FF2B5EF4-FFF2-40B4-BE49-F238E27FC236}">
-                <a16:creationId xmlns:a16="http://schemas.microsoft.com/office/drawing/2014/main" id="{83E0FE46-FEF1-677C-1185-5A6C31A07F4A}"/>
-              </a:ext>
-            </a:extLst>
-          </p:cNvPr>
-          <p:cNvSpPr>
-            <a:spLocks noGrp="1"/>
-          </p:cNvSpPr>
-          <p:nvPr>
-            <p:ph type="title" idx="4294967295"/>
-          </p:nvPr>
-        </p:nvSpPr>
-        <p:spPr>
-          <a:xfrm>
-            <a:off x="218739" y="287338"/>
-            <a:ext cx="10058400" cy="594789"/>
-          </a:xfrm>
-        </p:spPr>
-        <p:txBody>
-          <a:bodyPr>
-            <a:normAutofit fontScale="90000"/>
-          </a:bodyPr>
-          <a:lstStyle/>
-          <a:p>
-            <a:r>
-              <a:rPr lang="en-US" sz="4000" dirty="0">
-                <a:latin typeface="Aptos Display" panose="020B0004020202020204" pitchFamily="34" charset="0"/>
-              </a:rPr>
-              <a:t>Your turn</a:t>
-            </a:r>
-          </a:p>
-        </p:txBody>
-      </p:sp>
-      <p:sp>
-        <p:nvSpPr>
-          <p:cNvPr id="3" name="Content Placeholder 2">
-            <a:extLst>
-              <a:ext uri="{FF2B5EF4-FFF2-40B4-BE49-F238E27FC236}">
-                <a16:creationId xmlns:a16="http://schemas.microsoft.com/office/drawing/2014/main" id="{233C359F-B15E-9CA4-ECE3-38A1680AF08E}"/>
-              </a:ext>
-            </a:extLst>
-          </p:cNvPr>
-          <p:cNvSpPr>
-            <a:spLocks noGrp="1"/>
-          </p:cNvSpPr>
-          <p:nvPr>
-            <p:ph idx="4294967295"/>
-          </p:nvPr>
-        </p:nvSpPr>
-        <p:spPr>
-          <a:xfrm>
-            <a:off x="218739" y="882127"/>
-            <a:ext cx="11973261" cy="4986861"/>
-          </a:xfrm>
-        </p:spPr>
-        <p:txBody>
-          <a:bodyPr>
-            <a:normAutofit/>
-          </a:bodyPr>
-          <a:lstStyle/>
-          <a:p>
-            <a:r>
-              <a:rPr lang="en-US" sz="2000" dirty="0"/>
-              <a:t>Open the SPSS file </a:t>
-            </a:r>
-            <a:r>
-              <a:rPr lang="en-US" sz="2000" dirty="0" err="1"/>
-              <a:t>passing.sav</a:t>
-            </a:r>
-            <a:endParaRPr lang="en-US" sz="2000" dirty="0"/>
-          </a:p>
-          <a:p>
-            <a:r>
-              <a:rPr lang="en-US" sz="2000" dirty="0"/>
-              <a:t>The data has three made-up variables:</a:t>
-            </a:r>
-          </a:p>
-          <a:p>
-            <a:pPr lvl="1"/>
-            <a:r>
-              <a:rPr lang="en-US" sz="1800" dirty="0"/>
-              <a:t>Passed a statistics test</a:t>
-            </a:r>
-          </a:p>
-          <a:p>
-            <a:pPr lvl="1"/>
-            <a:r>
-              <a:rPr lang="en-US" sz="1800" dirty="0"/>
-              <a:t>Hours of study</a:t>
-            </a:r>
-          </a:p>
-          <a:p>
-            <a:pPr lvl="1"/>
-            <a:r>
-              <a:rPr lang="en-US" sz="1800" dirty="0"/>
-              <a:t>Gender (1 = male, 0 = female)</a:t>
-            </a:r>
-          </a:p>
-          <a:p>
-            <a:r>
-              <a:rPr lang="en-US" sz="2000" dirty="0"/>
-              <a:t>Run a binary logistic regression of passed on hours</a:t>
-            </a:r>
-          </a:p>
-          <a:p>
-            <a:pPr lvl="1"/>
-            <a:r>
-              <a:rPr lang="en-US" sz="1800" dirty="0"/>
-              <a:t>Write out the regression equation</a:t>
-            </a:r>
-          </a:p>
-          <a:p>
-            <a:pPr lvl="1"/>
-            <a:r>
-              <a:rPr lang="en-US" sz="1800" dirty="0"/>
-              <a:t>Predict the probability of passing for 0, 50, 100, 150,200 and 250 hours of studying</a:t>
-            </a:r>
-          </a:p>
-          <a:p>
-            <a:pPr lvl="1"/>
-            <a:r>
-              <a:rPr lang="en-US" sz="1800" dirty="0"/>
-              <a:t>Add gender into the model and interpret the coefficient in terms of odds and percent change in odds</a:t>
-            </a:r>
-          </a:p>
-          <a:p>
-            <a:pPr lvl="1"/>
-            <a:r>
-              <a:rPr lang="en-US" sz="1800" dirty="0"/>
-              <a:t>Does adding gender improve the model fit?</a:t>
-            </a:r>
-          </a:p>
-          <a:p>
-            <a:pPr lvl="1"/>
-            <a:r>
-              <a:rPr lang="en-US" sz="1800" dirty="0"/>
-              <a:t>Compute the probability of passing for males and females for 100 study hours</a:t>
-            </a:r>
-          </a:p>
-        </p:txBody>
-      </p:sp>
-    </p:spTree>
-    <p:extLst>
-      <p:ext uri="{BB962C8B-B14F-4D97-AF65-F5344CB8AC3E}">
-        <p14:creationId xmlns:p14="http://schemas.microsoft.com/office/powerpoint/2010/main" val="2986921589"/>
       </p:ext>
     </p:extLst>
   </p:cSld>
@@ -32831,6 +33242,264 @@
 </file>
 
 <file path=ppt/slides/slide40.xml><?xml version="1.0" encoding="utf-8"?>
+<p:sld xmlns:a="http://schemas.openxmlformats.org/drawingml/2006/main" xmlns:r="http://schemas.openxmlformats.org/officeDocument/2006/relationships" xmlns:p="http://schemas.openxmlformats.org/presentationml/2006/main">
+  <p:cSld>
+    <p:spTree>
+      <p:nvGrpSpPr>
+        <p:cNvPr id="1" name=""/>
+        <p:cNvGrpSpPr/>
+        <p:nvPr/>
+      </p:nvGrpSpPr>
+      <p:grpSpPr>
+        <a:xfrm>
+          <a:off x="0" y="0"/>
+          <a:ext cx="0" cy="0"/>
+          <a:chOff x="0" y="0"/>
+          <a:chExt cx="0" cy="0"/>
+        </a:xfrm>
+      </p:grpSpPr>
+      <p:sp>
+        <p:nvSpPr>
+          <p:cNvPr id="2" name="Title 1">
+            <a:extLst>
+              <a:ext uri="{FF2B5EF4-FFF2-40B4-BE49-F238E27FC236}">
+                <a16:creationId xmlns:a16="http://schemas.microsoft.com/office/drawing/2014/main" id="{28BDC44C-13C3-4FAE-84BC-3F1882C70F52}"/>
+              </a:ext>
+            </a:extLst>
+          </p:cNvPr>
+          <p:cNvSpPr>
+            <a:spLocks noGrp="1"/>
+          </p:cNvSpPr>
+          <p:nvPr>
+            <p:ph type="title"/>
+          </p:nvPr>
+        </p:nvSpPr>
+        <p:spPr/>
+        <p:txBody>
+          <a:bodyPr/>
+          <a:lstStyle/>
+          <a:p>
+            <a:r>
+              <a:rPr lang="en-US" dirty="0"/>
+              <a:t>Let’s do this in JASP</a:t>
+            </a:r>
+          </a:p>
+        </p:txBody>
+      </p:sp>
+      <p:sp>
+        <p:nvSpPr>
+          <p:cNvPr id="3" name="Content Placeholder 2">
+            <a:extLst>
+              <a:ext uri="{FF2B5EF4-FFF2-40B4-BE49-F238E27FC236}">
+                <a16:creationId xmlns:a16="http://schemas.microsoft.com/office/drawing/2014/main" id="{372A3E65-DEFB-B6D2-6710-DBD422FD79DD}"/>
+              </a:ext>
+            </a:extLst>
+          </p:cNvPr>
+          <p:cNvSpPr>
+            <a:spLocks noGrp="1"/>
+          </p:cNvSpPr>
+          <p:nvPr>
+            <p:ph idx="1"/>
+          </p:nvPr>
+        </p:nvSpPr>
+        <p:spPr/>
+        <p:txBody>
+          <a:bodyPr/>
+          <a:lstStyle/>
+          <a:p>
+            <a:endParaRPr lang="en-US"/>
+          </a:p>
+        </p:txBody>
+      </p:sp>
+    </p:spTree>
+    <p:extLst>
+      <p:ext uri="{BB962C8B-B14F-4D97-AF65-F5344CB8AC3E}">
+        <p14:creationId xmlns:p14="http://schemas.microsoft.com/office/powerpoint/2010/main" val="2385414421"/>
+      </p:ext>
+    </p:extLst>
+  </p:cSld>
+  <p:clrMapOvr>
+    <a:masterClrMapping/>
+  </p:clrMapOvr>
+</p:sld>
+</file>
+
+<file path=ppt/slides/slide41.xml><?xml version="1.0" encoding="utf-8"?>
+<p:sld xmlns:a="http://schemas.openxmlformats.org/drawingml/2006/main" xmlns:r="http://schemas.openxmlformats.org/officeDocument/2006/relationships" xmlns:p="http://schemas.openxmlformats.org/presentationml/2006/main">
+  <p:cSld>
+    <p:spTree>
+      <p:nvGrpSpPr>
+        <p:cNvPr id="1" name=""/>
+        <p:cNvGrpSpPr/>
+        <p:nvPr/>
+      </p:nvGrpSpPr>
+      <p:grpSpPr>
+        <a:xfrm>
+          <a:off x="0" y="0"/>
+          <a:ext cx="0" cy="0"/>
+          <a:chOff x="0" y="0"/>
+          <a:chExt cx="0" cy="0"/>
+        </a:xfrm>
+      </p:grpSpPr>
+      <p:sp>
+        <p:nvSpPr>
+          <p:cNvPr id="2" name="Title 1">
+            <a:extLst>
+              <a:ext uri="{FF2B5EF4-FFF2-40B4-BE49-F238E27FC236}">
+                <a16:creationId xmlns:a16="http://schemas.microsoft.com/office/drawing/2014/main" id="{83E0FE46-FEF1-677C-1185-5A6C31A07F4A}"/>
+              </a:ext>
+            </a:extLst>
+          </p:cNvPr>
+          <p:cNvSpPr>
+            <a:spLocks noGrp="1"/>
+          </p:cNvSpPr>
+          <p:nvPr>
+            <p:ph type="title" idx="4294967295"/>
+          </p:nvPr>
+        </p:nvSpPr>
+        <p:spPr>
+          <a:xfrm>
+            <a:off x="218739" y="287338"/>
+            <a:ext cx="10058400" cy="594789"/>
+          </a:xfrm>
+        </p:spPr>
+        <p:txBody>
+          <a:bodyPr>
+            <a:normAutofit fontScale="90000"/>
+          </a:bodyPr>
+          <a:lstStyle/>
+          <a:p>
+            <a:r>
+              <a:rPr lang="en-US" sz="4000" dirty="0">
+                <a:latin typeface="Aptos Display" panose="020B0004020202020204" pitchFamily="34" charset="0"/>
+              </a:rPr>
+              <a:t>Your turn</a:t>
+            </a:r>
+          </a:p>
+        </p:txBody>
+      </p:sp>
+      <p:sp>
+        <p:nvSpPr>
+          <p:cNvPr id="3" name="Content Placeholder 2">
+            <a:extLst>
+              <a:ext uri="{FF2B5EF4-FFF2-40B4-BE49-F238E27FC236}">
+                <a16:creationId xmlns:a16="http://schemas.microsoft.com/office/drawing/2014/main" id="{233C359F-B15E-9CA4-ECE3-38A1680AF08E}"/>
+              </a:ext>
+            </a:extLst>
+          </p:cNvPr>
+          <p:cNvSpPr>
+            <a:spLocks noGrp="1"/>
+          </p:cNvSpPr>
+          <p:nvPr>
+            <p:ph idx="4294967295"/>
+          </p:nvPr>
+        </p:nvSpPr>
+        <p:spPr>
+          <a:xfrm>
+            <a:off x="218739" y="882127"/>
+            <a:ext cx="11973261" cy="4986861"/>
+          </a:xfrm>
+        </p:spPr>
+        <p:txBody>
+          <a:bodyPr>
+            <a:normAutofit/>
+          </a:bodyPr>
+          <a:lstStyle/>
+          <a:p>
+            <a:r>
+              <a:rPr lang="en-US" sz="2000" dirty="0"/>
+              <a:t>Open the SPSS file </a:t>
+            </a:r>
+            <a:r>
+              <a:rPr lang="en-US" sz="2000" dirty="0" err="1"/>
+              <a:t>passing.sav</a:t>
+            </a:r>
+            <a:endParaRPr lang="en-US" sz="2000" dirty="0"/>
+          </a:p>
+          <a:p>
+            <a:r>
+              <a:rPr lang="en-US" sz="2000" dirty="0"/>
+              <a:t>The data has three made-up variables:</a:t>
+            </a:r>
+          </a:p>
+          <a:p>
+            <a:pPr lvl="1"/>
+            <a:r>
+              <a:rPr lang="en-US" sz="1800" dirty="0"/>
+              <a:t>Passed a statistics test</a:t>
+            </a:r>
+          </a:p>
+          <a:p>
+            <a:pPr lvl="1"/>
+            <a:r>
+              <a:rPr lang="en-US" sz="1800" dirty="0"/>
+              <a:t>Hours of study</a:t>
+            </a:r>
+          </a:p>
+          <a:p>
+            <a:pPr lvl="1"/>
+            <a:r>
+              <a:rPr lang="en-US" sz="1800" dirty="0"/>
+              <a:t>Gender (1 = male, 0 = female)</a:t>
+            </a:r>
+          </a:p>
+          <a:p>
+            <a:r>
+              <a:rPr lang="en-US" sz="2000" dirty="0"/>
+              <a:t>Run a binary logistic regression of passed on hours</a:t>
+            </a:r>
+          </a:p>
+          <a:p>
+            <a:pPr lvl="1"/>
+            <a:r>
+              <a:rPr lang="en-US" sz="1800" dirty="0"/>
+              <a:t>Write out the regression equation</a:t>
+            </a:r>
+          </a:p>
+          <a:p>
+            <a:pPr lvl="1"/>
+            <a:r>
+              <a:rPr lang="en-US" sz="1800" dirty="0"/>
+              <a:t>Predict the probability of passing for 0, 50, 100, 150,200 and 250 hours of studying</a:t>
+            </a:r>
+          </a:p>
+          <a:p>
+            <a:pPr lvl="1"/>
+            <a:r>
+              <a:rPr lang="en-US" sz="1800" dirty="0"/>
+              <a:t>Add gender into the model and interpret the coefficient in terms of odds and percent change in odds</a:t>
+            </a:r>
+          </a:p>
+          <a:p>
+            <a:pPr lvl="1"/>
+            <a:r>
+              <a:rPr lang="en-US" sz="1800" dirty="0"/>
+              <a:t>Does adding gender improve the model fit?</a:t>
+            </a:r>
+          </a:p>
+          <a:p>
+            <a:pPr lvl="1"/>
+            <a:r>
+              <a:rPr lang="en-US" sz="1800" dirty="0"/>
+              <a:t>Compute the probability of passing for males and females for 100 study hours</a:t>
+            </a:r>
+          </a:p>
+        </p:txBody>
+      </p:sp>
+    </p:spTree>
+    <p:extLst>
+      <p:ext uri="{BB962C8B-B14F-4D97-AF65-F5344CB8AC3E}">
+        <p14:creationId xmlns:p14="http://schemas.microsoft.com/office/powerpoint/2010/main" val="2986921589"/>
+      </p:ext>
+    </p:extLst>
+  </p:cSld>
+  <p:clrMapOvr>
+    <a:masterClrMapping/>
+  </p:clrMapOvr>
+</p:sld>
+</file>
+
+<file path=ppt/slides/slide42.xml><?xml version="1.0" encoding="utf-8"?>
 <p:sld xmlns:a="http://schemas.openxmlformats.org/drawingml/2006/main" xmlns:r="http://schemas.openxmlformats.org/officeDocument/2006/relationships" xmlns:p="http://schemas.openxmlformats.org/presentationml/2006/main">
   <p:cSld>
     <p:spTree>
@@ -34374,7 +35043,7 @@
 </p:sld>
 </file>
 
-<file path=ppt/slides/slide41.xml><?xml version="1.0" encoding="utf-8"?>
+<file path=ppt/slides/slide43.xml><?xml version="1.0" encoding="utf-8"?>
 <p:sld xmlns:a="http://schemas.openxmlformats.org/drawingml/2006/main" xmlns:r="http://schemas.openxmlformats.org/officeDocument/2006/relationships" xmlns:p="http://schemas.openxmlformats.org/presentationml/2006/main">
   <p:cSld>
     <p:spTree>
@@ -34546,7 +35215,7 @@
 </p:sld>
 </file>
 
-<file path=ppt/slides/slide42.xml><?xml version="1.0" encoding="utf-8"?>
+<file path=ppt/slides/slide44.xml><?xml version="1.0" encoding="utf-8"?>
 <p:sld xmlns:a="http://schemas.openxmlformats.org/drawingml/2006/main" xmlns:r="http://schemas.openxmlformats.org/officeDocument/2006/relationships" xmlns:p="http://schemas.openxmlformats.org/presentationml/2006/main">
   <p:cSld>
     <p:spTree>
@@ -34878,7 +35547,7 @@
 </p:sld>
 </file>
 
-<file path=ppt/slides/slide43.xml><?xml version="1.0" encoding="utf-8"?>
+<file path=ppt/slides/slide45.xml><?xml version="1.0" encoding="utf-8"?>
 <p:sld xmlns:a="http://schemas.openxmlformats.org/drawingml/2006/main" xmlns:r="http://schemas.openxmlformats.org/officeDocument/2006/relationships" xmlns:p="http://schemas.openxmlformats.org/presentationml/2006/main">
   <p:cSld>
     <p:bg>
@@ -38208,7 +38877,7 @@
 </p:sld>
 </file>
 
-<file path=ppt/slides/slide44.xml><?xml version="1.0" encoding="utf-8"?>
+<file path=ppt/slides/slide46.xml><?xml version="1.0" encoding="utf-8"?>
 <p:sld xmlns:a="http://schemas.openxmlformats.org/drawingml/2006/main" xmlns:r="http://schemas.openxmlformats.org/officeDocument/2006/relationships" xmlns:p="http://schemas.openxmlformats.org/presentationml/2006/main">
   <p:cSld>
     <p:spTree>
@@ -38374,7 +39043,7 @@
 </p:sld>
 </file>
 
-<file path=ppt/slides/slide45.xml><?xml version="1.0" encoding="utf-8"?>
+<file path=ppt/slides/slide47.xml><?xml version="1.0" encoding="utf-8"?>
 <p:sld xmlns:a="http://schemas.openxmlformats.org/drawingml/2006/main" xmlns:r="http://schemas.openxmlformats.org/officeDocument/2006/relationships" xmlns:p="http://schemas.openxmlformats.org/presentationml/2006/main">
   <p:cSld>
     <p:spTree>
@@ -39905,7 +40574,7 @@
 </p:sld>
 </file>
 
-<file path=ppt/slides/slide46.xml><?xml version="1.0" encoding="utf-8"?>
+<file path=ppt/slides/slide48.xml><?xml version="1.0" encoding="utf-8"?>
 <p:sld xmlns:a="http://schemas.openxmlformats.org/drawingml/2006/main" xmlns:r="http://schemas.openxmlformats.org/officeDocument/2006/relationships" xmlns:p="http://schemas.openxmlformats.org/presentationml/2006/main">
   <p:cSld>
     <p:spTree>
@@ -41116,8 +41785,8 @@
           </a:p>
         </p:txBody>
       </p:sp>
-      <mc:AlternateContent xmlns:mc="http://schemas.openxmlformats.org/markup-compatibility/2006">
-        <mc:Choice xmlns:a14="http://schemas.microsoft.com/office/drawing/2010/main" Requires="a14">
+      <mc:AlternateContent xmlns:mc="http://schemas.openxmlformats.org/markup-compatibility/2006" xmlns:a14="http://schemas.microsoft.com/office/drawing/2010/main">
+        <mc:Choice Requires="a14">
           <p:sp>
             <p:nvSpPr>
               <p:cNvPr id="5" name="Object 2">
@@ -41569,7 +42238,7 @@
             </p:txBody>
           </p:sp>
         </mc:Choice>
-        <mc:Fallback>
+        <mc:Fallback xmlns="">
           <p:sp>
             <p:nvSpPr>
               <p:cNvPr id="5" name="Object 2">
@@ -42607,106 +43276,146 @@
             </a:r>
           </a:p>
           <a:p>
-            <a:pPr>
-              <a:lnSpc>
-                <a:spcPct val="100000"/>
-              </a:lnSpc>
-            </a:pPr>
-            <a:r>
-              <a:rPr lang="en-US" sz="2000" b="1" dirty="0">
-                <a:latin typeface="Calibri" panose="020F0502020204030204" pitchFamily="34" charset="0"/>
-                <a:ea typeface="Calibri" panose="020F0502020204030204" pitchFamily="34" charset="0"/>
-                <a:cs typeface="Calibri" panose="020F0502020204030204" pitchFamily="34" charset="0"/>
-              </a:rPr>
-              <a:t>Odds</a:t>
-            </a:r>
-            <a:r>
-              <a:rPr lang="en-US" sz="2000" dirty="0">
-                <a:latin typeface="Calibri" panose="020F0502020204030204" pitchFamily="34" charset="0"/>
-                <a:ea typeface="Calibri" panose="020F0502020204030204" pitchFamily="34" charset="0"/>
-                <a:cs typeface="Calibri" panose="020F0502020204030204" pitchFamily="34" charset="0"/>
-              </a:rPr>
-              <a:t> = the ratio of the probability of the dependent variable’s two outcomes</a:t>
-            </a:r>
-          </a:p>
-          <a:p>
             <a:pPr lvl="1">
               <a:lnSpc>
                 <a:spcPct val="100000"/>
               </a:lnSpc>
             </a:pPr>
             <a:r>
-              <a:rPr lang="en-US" sz="2000" dirty="0">
+              <a:rPr lang="en-US" sz="1800" dirty="0">
                 <a:latin typeface="Calibri" panose="020F0502020204030204" pitchFamily="34" charset="0"/>
                 <a:ea typeface="Calibri" panose="020F0502020204030204" pitchFamily="34" charset="0"/>
                 <a:cs typeface="Calibri" panose="020F0502020204030204" pitchFamily="34" charset="0"/>
               </a:rPr>
-              <a:t>Taking the log odds of </a:t>
-            </a:r>
-            <a:r>
-              <a:rPr lang="en-US" sz="2000" i="1" dirty="0">
+              <a:t>In logistic regression, we model the probability </a:t>
+            </a:r>
+            <a:r>
+              <a:rPr lang="en-US" sz="1800" i="1" dirty="0">
                 <a:latin typeface="Calibri" panose="020F0502020204030204" pitchFamily="34" charset="0"/>
                 <a:ea typeface="Calibri" panose="020F0502020204030204" pitchFamily="34" charset="0"/>
                 <a:cs typeface="Calibri" panose="020F0502020204030204" pitchFamily="34" charset="0"/>
               </a:rPr>
-              <a:t>Y </a:t>
-            </a:r>
-            <a:r>
-              <a:rPr lang="en-US" sz="2000" dirty="0">
+              <a:t>P</a:t>
+            </a:r>
+            <a:r>
+              <a:rPr lang="en-US" sz="1800" dirty="0">
                 <a:latin typeface="Calibri" panose="020F0502020204030204" pitchFamily="34" charset="0"/>
                 <a:ea typeface="Calibri" panose="020F0502020204030204" pitchFamily="34" charset="0"/>
                 <a:cs typeface="Calibri" panose="020F0502020204030204" pitchFamily="34" charset="0"/>
               </a:rPr>
-              <a:t>creates a linear relationship between </a:t>
-            </a:r>
-            <a:r>
-              <a:rPr lang="en-US" sz="2000" i="1" dirty="0">
+              <a:t>(Y = 1) as a function of the independent variables, </a:t>
+            </a:r>
+            <a:r>
+              <a:rPr lang="en-US" sz="1800" i="1" dirty="0">
                 <a:latin typeface="Calibri" panose="020F0502020204030204" pitchFamily="34" charset="0"/>
                 <a:ea typeface="Calibri" panose="020F0502020204030204" pitchFamily="34" charset="0"/>
                 <a:cs typeface="Calibri" panose="020F0502020204030204" pitchFamily="34" charset="0"/>
               </a:rPr>
-              <a:t>X </a:t>
-            </a:r>
-            <a:r>
-              <a:rPr lang="en-US" sz="2000" dirty="0">
+              <a:t>X.</a:t>
+            </a:r>
+          </a:p>
+          <a:p>
+            <a:pPr lvl="1">
+              <a:lnSpc>
+                <a:spcPct val="100000"/>
+              </a:lnSpc>
+            </a:pPr>
+            <a:endParaRPr lang="en-US" sz="1600" i="1" dirty="0">
+              <a:latin typeface="Calibri" panose="020F0502020204030204" pitchFamily="34" charset="0"/>
+              <a:ea typeface="Calibri" panose="020F0502020204030204" pitchFamily="34" charset="0"/>
+              <a:cs typeface="Calibri" panose="020F0502020204030204" pitchFamily="34" charset="0"/>
+            </a:endParaRPr>
+          </a:p>
+          <a:p>
+            <a:pPr lvl="1">
+              <a:lnSpc>
+                <a:spcPct val="100000"/>
+              </a:lnSpc>
+            </a:pPr>
+            <a:endParaRPr lang="en-US" sz="1600" i="1" dirty="0">
+              <a:latin typeface="Calibri" panose="020F0502020204030204" pitchFamily="34" charset="0"/>
+              <a:ea typeface="Calibri" panose="020F0502020204030204" pitchFamily="34" charset="0"/>
+              <a:cs typeface="Calibri" panose="020F0502020204030204" pitchFamily="34" charset="0"/>
+            </a:endParaRPr>
+          </a:p>
+          <a:p>
+            <a:pPr lvl="1">
+              <a:lnSpc>
+                <a:spcPct val="100000"/>
+              </a:lnSpc>
+            </a:pPr>
+            <a:r>
+              <a:rPr lang="en-US" sz="1800" dirty="0">
                 <a:latin typeface="Calibri" panose="020F0502020204030204" pitchFamily="34" charset="0"/>
                 <a:ea typeface="Calibri" panose="020F0502020204030204" pitchFamily="34" charset="0"/>
                 <a:cs typeface="Calibri" panose="020F0502020204030204" pitchFamily="34" charset="0"/>
               </a:rPr>
-              <a:t>and the probability of </a:t>
-            </a:r>
-            <a:r>
-              <a:rPr lang="en-US" sz="2000" i="1" dirty="0">
+              <a:t>Instead of modeling the variables as a function of </a:t>
+            </a:r>
+            <a:r>
+              <a:rPr lang="en-US" sz="1800" i="1" dirty="0">
                 <a:latin typeface="Calibri" panose="020F0502020204030204" pitchFamily="34" charset="0"/>
                 <a:ea typeface="Calibri" panose="020F0502020204030204" pitchFamily="34" charset="0"/>
                 <a:cs typeface="Calibri" panose="020F0502020204030204" pitchFamily="34" charset="0"/>
               </a:rPr>
-              <a:t>Y </a:t>
-            </a:r>
-            <a:r>
-              <a:rPr lang="en-US" sz="2000" dirty="0">
+              <a:t>X’s </a:t>
+            </a:r>
+            <a:r>
+              <a:rPr lang="en-US" sz="1800" dirty="0">
                 <a:latin typeface="Calibri" panose="020F0502020204030204" pitchFamily="34" charset="0"/>
                 <a:ea typeface="Calibri" panose="020F0502020204030204" pitchFamily="34" charset="0"/>
                 <a:cs typeface="Calibri" panose="020F0502020204030204" pitchFamily="34" charset="0"/>
               </a:rPr>
-              <a:t>(</a:t>
-            </a:r>
-            <a:r>
-              <a:rPr lang="en-US" sz="2000" dirty="0" err="1">
-                <a:latin typeface="Calibri" panose="020F0502020204030204" pitchFamily="34" charset="0"/>
-                <a:ea typeface="Calibri" panose="020F0502020204030204" pitchFamily="34" charset="0"/>
-                <a:cs typeface="Calibri" panose="020F0502020204030204" pitchFamily="34" charset="0"/>
-              </a:rPr>
-              <a:t>Pampel</a:t>
-            </a:r>
-            <a:r>
-              <a:rPr lang="en-US" sz="2000" dirty="0">
-                <a:latin typeface="Calibri" panose="020F0502020204030204" pitchFamily="34" charset="0"/>
-                <a:ea typeface="Calibri" panose="020F0502020204030204" pitchFamily="34" charset="0"/>
-                <a:cs typeface="Calibri" panose="020F0502020204030204" pitchFamily="34" charset="0"/>
-              </a:rPr>
-              <a:t>, 2000)</a:t>
-            </a:r>
+              <a:t>directly (which are bounded between 0 and 1) we transform it into odds. Then to make the relationship linear, we take the natural logarithm of the odds (log-odds). The transformation is called the logit function. Taking the log of the odds transforms the scale further into an unbounded linear range</a:t>
+            </a:r>
+          </a:p>
+          <a:p>
+            <a:pPr lvl="1">
+              <a:lnSpc>
+                <a:spcPct val="100000"/>
+              </a:lnSpc>
+            </a:pPr>
+            <a:endParaRPr lang="en-US" sz="1600" dirty="0">
+              <a:latin typeface="Calibri" panose="020F0502020204030204" pitchFamily="34" charset="0"/>
+              <a:ea typeface="Calibri" panose="020F0502020204030204" pitchFamily="34" charset="0"/>
+              <a:cs typeface="Calibri" panose="020F0502020204030204" pitchFamily="34" charset="0"/>
+            </a:endParaRPr>
+          </a:p>
+          <a:p>
+            <a:pPr lvl="1">
+              <a:lnSpc>
+                <a:spcPct val="100000"/>
+              </a:lnSpc>
+            </a:pPr>
+            <a:endParaRPr lang="en-US" sz="1600" dirty="0">
+              <a:latin typeface="Calibri" panose="020F0502020204030204" pitchFamily="34" charset="0"/>
+              <a:ea typeface="Calibri" panose="020F0502020204030204" pitchFamily="34" charset="0"/>
+              <a:cs typeface="Calibri" panose="020F0502020204030204" pitchFamily="34" charset="0"/>
+            </a:endParaRPr>
+          </a:p>
+          <a:p>
+            <a:pPr lvl="1">
+              <a:lnSpc>
+                <a:spcPct val="100000"/>
+              </a:lnSpc>
+            </a:pPr>
+            <a:endParaRPr lang="en-US" sz="1600" dirty="0">
+              <a:latin typeface="Calibri" panose="020F0502020204030204" pitchFamily="34" charset="0"/>
+              <a:ea typeface="Calibri" panose="020F0502020204030204" pitchFamily="34" charset="0"/>
+              <a:cs typeface="Calibri" panose="020F0502020204030204" pitchFamily="34" charset="0"/>
+            </a:endParaRPr>
+          </a:p>
+          <a:p>
+            <a:pPr lvl="1">
+              <a:lnSpc>
+                <a:spcPct val="100000"/>
+              </a:lnSpc>
+            </a:pPr>
+            <a:endParaRPr lang="en-US" sz="1600" dirty="0">
+              <a:latin typeface="Calibri" panose="020F0502020204030204" pitchFamily="34" charset="0"/>
+              <a:ea typeface="Calibri" panose="020F0502020204030204" pitchFamily="34" charset="0"/>
+              <a:cs typeface="Calibri" panose="020F0502020204030204" pitchFamily="34" charset="0"/>
+            </a:endParaRPr>
           </a:p>
         </p:txBody>
       </p:sp>
@@ -42726,7 +43435,7 @@
             </p:nvSpPr>
             <p:spPr bwMode="auto">
               <a:xfrm>
-                <a:off x="2338968" y="3080775"/>
+                <a:off x="2275399" y="3750724"/>
                 <a:ext cx="8901165" cy="886568"/>
               </a:xfrm>
               <a:prstGeom prst="rect">
@@ -43223,7 +43932,7 @@
             </p:nvSpPr>
             <p:spPr bwMode="auto">
               <a:xfrm>
-                <a:off x="2338968" y="3080775"/>
+                <a:off x="2275399" y="3750724"/>
                 <a:ext cx="8901165" cy="886568"/>
               </a:xfrm>
               <a:prstGeom prst="rect">
@@ -43267,7 +43976,7 @@
             </p:nvSpPr>
             <p:spPr>
               <a:xfrm>
-                <a:off x="3048342" y="2519254"/>
+                <a:off x="1767204" y="1679613"/>
                 <a:ext cx="6095316" cy="461665"/>
               </a:xfrm>
               <a:prstGeom prst="rect">
@@ -43596,7 +44305,7 @@
             </p:nvSpPr>
             <p:spPr>
               <a:xfrm>
-                <a:off x="3048342" y="2519254"/>
+                <a:off x="1767204" y="1679613"/>
                 <a:ext cx="6095316" cy="461665"/>
               </a:xfrm>
               <a:prstGeom prst="rect">
@@ -43605,7 +44314,7 @@
               <a:blipFill>
                 <a:blip r:embed="rId3"/>
                 <a:stretch>
-                  <a:fillRect b="-17105"/>
+                  <a:fillRect b="-18667"/>
                 </a:stretch>
               </a:blipFill>
             </p:spPr>
@@ -44511,23 +45220,6 @@
 </file>
 
 <file path=customXml/item1.xml><?xml version="1.0" encoding="utf-8"?>
-<p:properties xmlns:p="http://schemas.microsoft.com/office/2006/metadata/properties" xmlns:xsi="http://www.w3.org/2001/XMLSchema-instance" xmlns:pc="http://schemas.microsoft.com/office/infopath/2007/PartnerControls">
-  <documentManagement>
-    <_activity xmlns="8af2c334-a430-41de-afde-7e5b02016b08" xsi:nil="true"/>
-  </documentManagement>
-</p:properties>
-</file>
-
-<file path=customXml/item2.xml><?xml version="1.0" encoding="utf-8"?>
-<?mso-contentType ?>
-<FormTemplates xmlns="http://schemas.microsoft.com/sharepoint/v3/contenttype/forms">
-  <Display>DocumentLibraryForm</Display>
-  <Edit>DocumentLibraryForm</Edit>
-  <New>DocumentLibraryForm</New>
-</FormTemplates>
-</file>
-
-<file path=customXml/item3.xml><?xml version="1.0" encoding="utf-8"?>
 <ct:contentTypeSchema xmlns:ct="http://schemas.microsoft.com/office/2006/metadata/contentType" xmlns:ma="http://schemas.microsoft.com/office/2006/metadata/properties/metaAttributes" ct:_="" ma:_="" ma:contentTypeName="Document" ma:contentTypeID="0x010100A89A7FC12CB50A4097C486CD8CD69117" ma:contentTypeVersion="18" ma:contentTypeDescription="Create a new document." ma:contentTypeScope="" ma:versionID="5c596426e029c3bf96e8f575ab8c5d52">
   <xsd:schema xmlns:xsd="http://www.w3.org/2001/XMLSchema" xmlns:xs="http://www.w3.org/2001/XMLSchema" xmlns:p="http://schemas.microsoft.com/office/2006/metadata/properties" xmlns:ns3="8af2c334-a430-41de-afde-7e5b02016b08" xmlns:ns4="c4f41175-a8a9-44da-a6ab-b9a6b5c297b1" targetNamespace="http://schemas.microsoft.com/office/2006/metadata/properties" ma:root="true" ma:fieldsID="5030ff6c0d614aeeb250d09e255b9f02" ns3:_="" ns4:_="">
     <xsd:import namespace="8af2c334-a430-41de-afde-7e5b02016b08"/>
@@ -44780,7 +45472,43 @@
 </ct:contentTypeSchema>
 </file>
 
+<file path=customXml/item2.xml><?xml version="1.0" encoding="utf-8"?>
+<p:properties xmlns:p="http://schemas.microsoft.com/office/2006/metadata/properties" xmlns:xsi="http://www.w3.org/2001/XMLSchema-instance" xmlns:pc="http://schemas.microsoft.com/office/infopath/2007/PartnerControls">
+  <documentManagement>
+    <_activity xmlns="8af2c334-a430-41de-afde-7e5b02016b08" xsi:nil="true"/>
+  </documentManagement>
+</p:properties>
+</file>
+
+<file path=customXml/item3.xml><?xml version="1.0" encoding="utf-8"?>
+<?mso-contentType ?>
+<FormTemplates xmlns="http://schemas.microsoft.com/sharepoint/v3/contenttype/forms">
+  <Display>DocumentLibraryForm</Display>
+  <Edit>DocumentLibraryForm</Edit>
+  <New>DocumentLibraryForm</New>
+</FormTemplates>
+</file>
+
 <file path=customXml/itemProps1.xml><?xml version="1.0" encoding="utf-8"?>
+<ds:datastoreItem xmlns:ds="http://schemas.openxmlformats.org/officeDocument/2006/customXml" ds:itemID="{F130217C-F380-4AB9-B296-54D64B6453DA}">
+  <ds:schemaRefs>
+    <ds:schemaRef ds:uri="http://schemas.microsoft.com/office/2006/metadata/contentType"/>
+    <ds:schemaRef ds:uri="http://schemas.microsoft.com/office/2006/metadata/properties/metaAttributes"/>
+    <ds:schemaRef ds:uri="http://www.w3.org/2001/XMLSchema"/>
+    <ds:schemaRef ds:uri="http://schemas.microsoft.com/office/2006/metadata/properties"/>
+    <ds:schemaRef ds:uri="8af2c334-a430-41de-afde-7e5b02016b08"/>
+    <ds:schemaRef ds:uri="c4f41175-a8a9-44da-a6ab-b9a6b5c297b1"/>
+    <ds:schemaRef ds:uri="http://schemas.microsoft.com/office/2006/documentManagement/types"/>
+    <ds:schemaRef ds:uri="http://schemas.microsoft.com/office/infopath/2007/PartnerControls"/>
+    <ds:schemaRef ds:uri="http://schemas.openxmlformats.org/package/2006/metadata/core-properties"/>
+    <ds:schemaRef ds:uri="http://purl.org/dc/elements/1.1/"/>
+    <ds:schemaRef ds:uri="http://purl.org/dc/terms/"/>
+    <ds:schemaRef ds:uri="http://schemas.microsoft.com/internal/obd"/>
+  </ds:schemaRefs>
+</ds:datastoreItem>
+</file>
+
+<file path=customXml/itemProps2.xml><?xml version="1.0" encoding="utf-8"?>
 <ds:datastoreItem xmlns:ds="http://schemas.openxmlformats.org/officeDocument/2006/customXml" ds:itemID="{79BFB997-11AF-42E3-BCA1-DE0EAF7DA776}">
   <ds:schemaRefs>
     <ds:schemaRef ds:uri="http://schemas.microsoft.com/office/2006/documentManagement/types"/>
@@ -44797,29 +45525,10 @@
 </ds:datastoreItem>
 </file>
 
-<file path=customXml/itemProps2.xml><?xml version="1.0" encoding="utf-8"?>
+<file path=customXml/itemProps3.xml><?xml version="1.0" encoding="utf-8"?>
 <ds:datastoreItem xmlns:ds="http://schemas.openxmlformats.org/officeDocument/2006/customXml" ds:itemID="{76016826-2327-483A-A4D4-719C38940902}">
   <ds:schemaRefs>
     <ds:schemaRef ds:uri="http://schemas.microsoft.com/sharepoint/v3/contenttype/forms"/>
   </ds:schemaRefs>
 </ds:datastoreItem>
-</file>
-
-<file path=customXml/itemProps3.xml><?xml version="1.0" encoding="utf-8"?>
-<ds:datastoreItem xmlns:ds="http://schemas.openxmlformats.org/officeDocument/2006/customXml" ds:itemID="{F130217C-F380-4AB9-B296-54D64B6453DA}">
-  <ds:schemaRefs>
-    <ds:schemaRef ds:uri="http://schemas.microsoft.com/office/2006/metadata/contentType"/>
-    <ds:schemaRef ds:uri="http://schemas.microsoft.com/office/2006/metadata/properties/metaAttributes"/>
-    <ds:schemaRef ds:uri="http://www.w3.org/2001/XMLSchema"/>
-    <ds:schemaRef ds:uri="http://schemas.microsoft.com/office/2006/metadata/properties"/>
-    <ds:schemaRef ds:uri="8af2c334-a430-41de-afde-7e5b02016b08"/>
-    <ds:schemaRef ds:uri="c4f41175-a8a9-44da-a6ab-b9a6b5c297b1"/>
-    <ds:schemaRef ds:uri="http://schemas.microsoft.com/office/2006/documentManagement/types"/>
-    <ds:schemaRef ds:uri="http://schemas.microsoft.com/office/infopath/2007/PartnerControls"/>
-    <ds:schemaRef ds:uri="http://schemas.openxmlformats.org/package/2006/metadata/core-properties"/>
-    <ds:schemaRef ds:uri="http://purl.org/dc/elements/1.1/"/>
-    <ds:schemaRef ds:uri="http://purl.org/dc/terms/"/>
-    <ds:schemaRef ds:uri="http://schemas.microsoft.com/internal/obd"/>
-  </ds:schemaRefs>
-</ds:datastoreItem>
 </file>